--- a/Aula 1/apresentação aula 1.pptx
+++ b/Aula 1/apresentação aula 1.pptx
@@ -228,7 +228,7 @@
           <a:p>
             <a:fld id="{6371F786-4426-48F4-9E34-33B09C3417CA}" type="datetimeFigureOut">
               <a:rPr lang="pt-BR" smtClean="0"/>
-              <a:t>02/03/2024</a:t>
+              <a:t>17/03/2024</a:t>
             </a:fld>
             <a:endParaRPr lang="pt-BR"/>
           </a:p>
@@ -675,7 +675,7 @@
             <a:fld id="{1D8BD707-D9CF-40AE-B4C6-C98DA3205C09}" type="datetimeFigureOut">
               <a:rPr lang="en-US" smtClean="0"/>
               <a:pPr/>
-              <a:t>3/2/2024</a:t>
+              <a:t>3/17/2024</a:t>
             </a:fld>
             <a:endParaRPr lang="en-US"/>
           </a:p>
@@ -840,7 +840,7 @@
             <a:fld id="{1D8BD707-D9CF-40AE-B4C6-C98DA3205C09}" type="datetimeFigureOut">
               <a:rPr lang="en-US" smtClean="0"/>
               <a:pPr/>
-              <a:t>3/2/2024</a:t>
+              <a:t>3/17/2024</a:t>
             </a:fld>
             <a:endParaRPr lang="en-US"/>
           </a:p>
@@ -1015,7 +1015,7 @@
             <a:fld id="{1D8BD707-D9CF-40AE-B4C6-C98DA3205C09}" type="datetimeFigureOut">
               <a:rPr lang="en-US" smtClean="0"/>
               <a:pPr/>
-              <a:t>3/2/2024</a:t>
+              <a:t>3/17/2024</a:t>
             </a:fld>
             <a:endParaRPr lang="en-US"/>
           </a:p>
@@ -1180,7 +1180,7 @@
             <a:fld id="{1D8BD707-D9CF-40AE-B4C6-C98DA3205C09}" type="datetimeFigureOut">
               <a:rPr lang="en-US" smtClean="0"/>
               <a:pPr/>
-              <a:t>3/2/2024</a:t>
+              <a:t>3/17/2024</a:t>
             </a:fld>
             <a:endParaRPr lang="en-US"/>
           </a:p>
@@ -1422,7 +1422,7 @@
             <a:fld id="{1D8BD707-D9CF-40AE-B4C6-C98DA3205C09}" type="datetimeFigureOut">
               <a:rPr lang="en-US" smtClean="0"/>
               <a:pPr/>
-              <a:t>3/2/2024</a:t>
+              <a:t>3/17/2024</a:t>
             </a:fld>
             <a:endParaRPr lang="en-US"/>
           </a:p>
@@ -1704,7 +1704,7 @@
             <a:fld id="{1D8BD707-D9CF-40AE-B4C6-C98DA3205C09}" type="datetimeFigureOut">
               <a:rPr lang="en-US" smtClean="0"/>
               <a:pPr/>
-              <a:t>3/2/2024</a:t>
+              <a:t>3/17/2024</a:t>
             </a:fld>
             <a:endParaRPr lang="en-US"/>
           </a:p>
@@ -2120,7 +2120,7 @@
             <a:fld id="{1D8BD707-D9CF-40AE-B4C6-C98DA3205C09}" type="datetimeFigureOut">
               <a:rPr lang="en-US" smtClean="0"/>
               <a:pPr/>
-              <a:t>3/2/2024</a:t>
+              <a:t>3/17/2024</a:t>
             </a:fld>
             <a:endParaRPr lang="en-US"/>
           </a:p>
@@ -2234,7 +2234,7 @@
             <a:fld id="{1D8BD707-D9CF-40AE-B4C6-C98DA3205C09}" type="datetimeFigureOut">
               <a:rPr lang="en-US" smtClean="0"/>
               <a:pPr/>
-              <a:t>3/2/2024</a:t>
+              <a:t>3/17/2024</a:t>
             </a:fld>
             <a:endParaRPr lang="en-US"/>
           </a:p>
@@ -2326,7 +2326,7 @@
             <a:fld id="{1D8BD707-D9CF-40AE-B4C6-C98DA3205C09}" type="datetimeFigureOut">
               <a:rPr lang="en-US" smtClean="0"/>
               <a:pPr/>
-              <a:t>3/2/2024</a:t>
+              <a:t>3/17/2024</a:t>
             </a:fld>
             <a:endParaRPr lang="en-US"/>
           </a:p>
@@ -2598,7 +2598,7 @@
             <a:fld id="{1D8BD707-D9CF-40AE-B4C6-C98DA3205C09}" type="datetimeFigureOut">
               <a:rPr lang="en-US" smtClean="0"/>
               <a:pPr/>
-              <a:t>3/2/2024</a:t>
+              <a:t>3/17/2024</a:t>
             </a:fld>
             <a:endParaRPr lang="en-US"/>
           </a:p>
@@ -2847,7 +2847,7 @@
             <a:fld id="{1D8BD707-D9CF-40AE-B4C6-C98DA3205C09}" type="datetimeFigureOut">
               <a:rPr lang="en-US" smtClean="0"/>
               <a:pPr/>
-              <a:t>3/2/2024</a:t>
+              <a:t>3/17/2024</a:t>
             </a:fld>
             <a:endParaRPr lang="en-US"/>
           </a:p>
@@ -3055,7 +3055,7 @@
             <a:fld id="{1D8BD707-D9CF-40AE-B4C6-C98DA3205C09}" type="datetimeFigureOut">
               <a:rPr lang="en-US" smtClean="0"/>
               <a:pPr/>
-              <a:t>3/2/2024</a:t>
+              <a:t>3/17/2024</a:t>
             </a:fld>
             <a:endParaRPr lang="en-US"/>
           </a:p>
@@ -6437,260 +6437,220 @@
                     <a:spcPct val="150000"/>
                   </a:lnSpc>
                 </a:pPr>
-                <a:r>
-                  <a:rPr lang="pt-BR" sz="3200" dirty="0">
-                    <a:solidFill>
-                      <a:srgbClr val="000000"/>
-                    </a:solidFill>
-                    <a:latin typeface="Blinker"/>
-                  </a:rPr>
-                  <a:t> </a:t>
-                </a:r>
                 <a14:m>
-                  <m:oMath xmlns:m="http://schemas.openxmlformats.org/officeDocument/2006/math">
-                    <m:acc>
-                      <m:accPr>
-                        <m:chr m:val="̂"/>
-                        <m:ctrlPr>
-                          <a:rPr lang="pt-BR" sz="3200" b="0" i="1" smtClean="0">
-                            <a:solidFill>
-                              <a:srgbClr val="000000"/>
-                            </a:solidFill>
-                            <a:latin typeface="Cambria Math" panose="02040503050406030204" pitchFamily="18" charset="0"/>
-                          </a:rPr>
-                        </m:ctrlPr>
-                      </m:accPr>
-                      <m:e>
-                        <m:sSub>
-                          <m:sSubPr>
-                            <m:ctrlPr>
-                              <a:rPr lang="pt-BR" sz="3200" b="0" i="1" smtClean="0">
-                                <a:solidFill>
-                                  <a:srgbClr val="000000"/>
-                                </a:solidFill>
-                                <a:latin typeface="Cambria Math" panose="02040503050406030204" pitchFamily="18" charset="0"/>
-                              </a:rPr>
-                            </m:ctrlPr>
-                          </m:sSubPr>
-                          <m:e>
-                            <m:r>
-                              <a:rPr lang="pt-BR" sz="3200" b="0" i="1" smtClean="0">
-                                <a:solidFill>
-                                  <a:srgbClr val="000000"/>
-                                </a:solidFill>
-                                <a:latin typeface="Cambria Math" panose="02040503050406030204" pitchFamily="18" charset="0"/>
-                              </a:rPr>
-                              <m:t>𝑌</m:t>
-                            </m:r>
-                          </m:e>
-                          <m:sub>
-                            <m:r>
-                              <a:rPr lang="pt-BR" sz="3200" b="0" i="1" smtClean="0">
-                                <a:solidFill>
-                                  <a:srgbClr val="000000"/>
-                                </a:solidFill>
-                                <a:latin typeface="Cambria Math" panose="02040503050406030204" pitchFamily="18" charset="0"/>
-                              </a:rPr>
-                              <m:t>𝑖</m:t>
-                            </m:r>
-                          </m:sub>
-                        </m:sSub>
-                      </m:e>
-                    </m:acc>
-                    <m:r>
-                      <a:rPr lang="pt-BR" sz="3200" b="0" i="1" smtClean="0">
-                        <a:solidFill>
-                          <a:srgbClr val="000000"/>
-                        </a:solidFill>
-                        <a:latin typeface="Cambria Math" panose="02040503050406030204" pitchFamily="18" charset="0"/>
-                      </a:rPr>
-                      <m:t>=</m:t>
-                    </m:r>
-                    <m:sSub>
-                      <m:sSubPr>
-                        <m:ctrlPr>
-                          <a:rPr lang="pt-BR" sz="3200" b="0" i="1" smtClean="0">
-                            <a:solidFill>
-                              <a:srgbClr val="000000"/>
-                            </a:solidFill>
-                            <a:latin typeface="Cambria Math" panose="02040503050406030204" pitchFamily="18" charset="0"/>
-                          </a:rPr>
-                        </m:ctrlPr>
-                      </m:sSubPr>
-                      <m:e>
-                        <m:r>
-                          <a:rPr lang="pt-BR" sz="3200" b="0" i="1" smtClean="0">
-                            <a:solidFill>
-                              <a:srgbClr val="000000"/>
-                            </a:solidFill>
-                            <a:latin typeface="Cambria Math" panose="02040503050406030204" pitchFamily="18" charset="0"/>
-                          </a:rPr>
-                          <m:t>𝛽</m:t>
-                        </m:r>
-                      </m:e>
-                      <m:sub>
-                        <m:r>
-                          <a:rPr lang="pt-BR" sz="3200" b="0" i="1" smtClean="0">
-                            <a:solidFill>
-                              <a:srgbClr val="000000"/>
-                            </a:solidFill>
-                            <a:latin typeface="Cambria Math" panose="02040503050406030204" pitchFamily="18" charset="0"/>
-                          </a:rPr>
-                          <m:t>0</m:t>
-                        </m:r>
-                      </m:sub>
-                    </m:sSub>
-                    <m:r>
-                      <a:rPr lang="pt-BR" sz="3200" b="0" i="1" smtClean="0">
-                        <a:solidFill>
-                          <a:srgbClr val="000000"/>
-                        </a:solidFill>
-                        <a:latin typeface="Cambria Math" panose="02040503050406030204" pitchFamily="18" charset="0"/>
-                      </a:rPr>
-                      <m:t>+</m:t>
-                    </m:r>
-                    <m:sSub>
-                      <m:sSubPr>
-                        <m:ctrlPr>
-                          <a:rPr lang="pt-BR" sz="3200" b="0" i="1" smtClean="0">
-                            <a:solidFill>
-                              <a:srgbClr val="000000"/>
-                            </a:solidFill>
-                            <a:latin typeface="Cambria Math" panose="02040503050406030204" pitchFamily="18" charset="0"/>
-                          </a:rPr>
-                        </m:ctrlPr>
-                      </m:sSubPr>
-                      <m:e>
-                        <m:r>
-                          <a:rPr lang="pt-BR" sz="3200" b="0" i="1" smtClean="0">
-                            <a:solidFill>
-                              <a:srgbClr val="000000"/>
-                            </a:solidFill>
-                            <a:latin typeface="Cambria Math" panose="02040503050406030204" pitchFamily="18" charset="0"/>
-                          </a:rPr>
-                          <m:t>𝛽</m:t>
-                        </m:r>
-                      </m:e>
-                      <m:sub>
-                        <m:r>
-                          <a:rPr lang="pt-BR" sz="3200" b="0" i="1" smtClean="0">
-                            <a:solidFill>
-                              <a:srgbClr val="000000"/>
-                            </a:solidFill>
-                            <a:latin typeface="Cambria Math" panose="02040503050406030204" pitchFamily="18" charset="0"/>
-                          </a:rPr>
-                          <m:t>1</m:t>
-                        </m:r>
-                      </m:sub>
-                    </m:sSub>
-                    <m:acc>
-                      <m:accPr>
-                        <m:chr m:val="̂"/>
-                        <m:ctrlPr>
-                          <a:rPr lang="pt-BR" sz="3200" i="1">
-                            <a:solidFill>
-                              <a:srgbClr val="000000"/>
-                            </a:solidFill>
-                            <a:latin typeface="Cambria Math" panose="02040503050406030204" pitchFamily="18" charset="0"/>
-                          </a:rPr>
-                        </m:ctrlPr>
-                      </m:accPr>
-                      <m:e>
-                        <m:sSub>
-                          <m:sSubPr>
-                            <m:ctrlPr>
-                              <a:rPr lang="pt-BR" sz="3200" i="1">
-                                <a:solidFill>
-                                  <a:srgbClr val="000000"/>
-                                </a:solidFill>
-                                <a:latin typeface="Cambria Math" panose="02040503050406030204" pitchFamily="18" charset="0"/>
-                              </a:rPr>
-                            </m:ctrlPr>
-                          </m:sSubPr>
-                          <m:e>
-                            <m:r>
-                              <a:rPr lang="pt-BR" sz="3200" b="0" i="1" smtClean="0">
-                                <a:solidFill>
-                                  <a:srgbClr val="000000"/>
-                                </a:solidFill>
-                                <a:latin typeface="Cambria Math" panose="02040503050406030204" pitchFamily="18" charset="0"/>
-                              </a:rPr>
-                              <m:t>𝑋</m:t>
-                            </m:r>
-                          </m:e>
-                          <m:sub>
-                            <m:r>
-                              <a:rPr lang="pt-BR" sz="3200" b="0" i="1" smtClean="0">
-                                <a:solidFill>
-                                  <a:srgbClr val="000000"/>
-                                </a:solidFill>
-                                <a:latin typeface="Cambria Math" panose="02040503050406030204" pitchFamily="18" charset="0"/>
-                              </a:rPr>
-                              <m:t>𝑖</m:t>
-                            </m:r>
-                          </m:sub>
-                        </m:sSub>
-                      </m:e>
-                    </m:acc>
-                    <m:r>
-                      <a:rPr lang="pt-BR" sz="3200" b="0" i="1" smtClean="0">
-                        <a:solidFill>
-                          <a:srgbClr val="000000"/>
-                        </a:solidFill>
-                        <a:latin typeface="Cambria Math" panose="02040503050406030204" pitchFamily="18" charset="0"/>
-                      </a:rPr>
-                      <m:t>+</m:t>
-                    </m:r>
-                    <m:acc>
-                      <m:accPr>
-                        <m:chr m:val="̂"/>
-                        <m:ctrlPr>
-                          <a:rPr lang="pt-BR" sz="3200" i="1" smtClean="0">
-                            <a:solidFill>
-                              <a:srgbClr val="000000"/>
-                            </a:solidFill>
-                            <a:latin typeface="Cambria Math" panose="02040503050406030204" pitchFamily="18" charset="0"/>
-                          </a:rPr>
-                        </m:ctrlPr>
-                      </m:accPr>
-                      <m:e>
-                        <m:sSub>
-                          <m:sSubPr>
-                            <m:ctrlPr>
-                              <a:rPr lang="pt-BR" sz="3200" i="1">
-                                <a:solidFill>
-                                  <a:srgbClr val="000000"/>
-                                </a:solidFill>
-                                <a:latin typeface="Cambria Math" panose="02040503050406030204" pitchFamily="18" charset="0"/>
-                              </a:rPr>
-                            </m:ctrlPr>
-                          </m:sSubPr>
-                          <m:e>
-                            <m:r>
-                              <a:rPr lang="pt-BR" sz="3200" b="0" i="1" smtClean="0">
-                                <a:solidFill>
-                                  <a:srgbClr val="000000"/>
-                                </a:solidFill>
-                                <a:latin typeface="Cambria Math" panose="02040503050406030204" pitchFamily="18" charset="0"/>
-                              </a:rPr>
-                              <m:t>𝜇</m:t>
-                            </m:r>
-                          </m:e>
-                          <m:sub>
-                            <m:r>
-                              <a:rPr lang="pt-BR" sz="3200" i="1">
-                                <a:solidFill>
-                                  <a:srgbClr val="000000"/>
-                                </a:solidFill>
-                                <a:latin typeface="Cambria Math" panose="02040503050406030204" pitchFamily="18" charset="0"/>
-                              </a:rPr>
-                              <m:t>𝑖</m:t>
-                            </m:r>
-                          </m:sub>
-                        </m:sSub>
-                      </m:e>
-                    </m:acc>
-                  </m:oMath>
+                  <m:oMathPara xmlns:m="http://schemas.openxmlformats.org/officeDocument/2006/math">
+                    <m:oMathParaPr>
+                      <m:jc m:val="left"/>
+                    </m:oMathParaPr>
+                    <m:oMath xmlns:m="http://schemas.openxmlformats.org/officeDocument/2006/math">
+                      <m:sSub>
+                        <m:sSubPr>
+                          <m:ctrlPr>
+                            <a:rPr lang="pt-BR" sz="3200" i="1">
+                              <a:solidFill>
+                                <a:srgbClr val="000000"/>
+                              </a:solidFill>
+                              <a:latin typeface="Cambria Math" panose="02040503050406030204" pitchFamily="18" charset="0"/>
+                            </a:rPr>
+                          </m:ctrlPr>
+                        </m:sSubPr>
+                        <m:e>
+                          <m:r>
+                            <a:rPr lang="pt-BR" sz="3200" i="1">
+                              <a:solidFill>
+                                <a:srgbClr val="000000"/>
+                              </a:solidFill>
+                              <a:latin typeface="Cambria Math" panose="02040503050406030204" pitchFamily="18" charset="0"/>
+                            </a:rPr>
+                            <m:t>𝑌</m:t>
+                          </m:r>
+                        </m:e>
+                        <m:sub>
+                          <m:r>
+                            <a:rPr lang="pt-BR" sz="3200" i="1">
+                              <a:solidFill>
+                                <a:srgbClr val="000000"/>
+                              </a:solidFill>
+                              <a:latin typeface="Cambria Math" panose="02040503050406030204" pitchFamily="18" charset="0"/>
+                            </a:rPr>
+                            <m:t>𝑖</m:t>
+                          </m:r>
+                        </m:sub>
+                      </m:sSub>
+                      <m:r>
+                        <a:rPr lang="pt-BR" sz="3200" i="1">
+                          <a:solidFill>
+                            <a:srgbClr val="000000"/>
+                          </a:solidFill>
+                          <a:latin typeface="Cambria Math" panose="02040503050406030204" pitchFamily="18" charset="0"/>
+                        </a:rPr>
+                        <m:t> </m:t>
+                      </m:r>
+                      <m:r>
+                        <a:rPr lang="pt-BR" sz="3200" b="0" i="1" smtClean="0">
+                          <a:solidFill>
+                            <a:srgbClr val="000000"/>
+                          </a:solidFill>
+                          <a:latin typeface="Cambria Math" panose="02040503050406030204" pitchFamily="18" charset="0"/>
+                        </a:rPr>
+                        <m:t>=</m:t>
+                      </m:r>
+                      <m:sSub>
+                        <m:sSubPr>
+                          <m:ctrlPr>
+                            <a:rPr lang="pt-BR" sz="3200" b="0" i="1" smtClean="0">
+                              <a:solidFill>
+                                <a:srgbClr val="000000"/>
+                              </a:solidFill>
+                              <a:latin typeface="Cambria Math" panose="02040503050406030204" pitchFamily="18" charset="0"/>
+                            </a:rPr>
+                          </m:ctrlPr>
+                        </m:sSubPr>
+                        <m:e>
+                          <m:r>
+                            <a:rPr lang="pt-BR" sz="3200" b="0" i="1" smtClean="0">
+                              <a:solidFill>
+                                <a:srgbClr val="000000"/>
+                              </a:solidFill>
+                              <a:latin typeface="Cambria Math" panose="02040503050406030204" pitchFamily="18" charset="0"/>
+                            </a:rPr>
+                            <m:t>𝛽</m:t>
+                          </m:r>
+                        </m:e>
+                        <m:sub>
+                          <m:r>
+                            <a:rPr lang="pt-BR" sz="3200" b="0" i="1" smtClean="0">
+                              <a:solidFill>
+                                <a:srgbClr val="000000"/>
+                              </a:solidFill>
+                              <a:latin typeface="Cambria Math" panose="02040503050406030204" pitchFamily="18" charset="0"/>
+                            </a:rPr>
+                            <m:t>0</m:t>
+                          </m:r>
+                        </m:sub>
+                      </m:sSub>
+                      <m:r>
+                        <a:rPr lang="pt-BR" sz="3200" b="0" i="1" smtClean="0">
+                          <a:solidFill>
+                            <a:srgbClr val="000000"/>
+                          </a:solidFill>
+                          <a:latin typeface="Cambria Math" panose="02040503050406030204" pitchFamily="18" charset="0"/>
+                        </a:rPr>
+                        <m:t>+</m:t>
+                      </m:r>
+                      <m:sSub>
+                        <m:sSubPr>
+                          <m:ctrlPr>
+                            <a:rPr lang="pt-BR" sz="3200" b="0" i="1" smtClean="0">
+                              <a:solidFill>
+                                <a:srgbClr val="000000"/>
+                              </a:solidFill>
+                              <a:latin typeface="Cambria Math" panose="02040503050406030204" pitchFamily="18" charset="0"/>
+                            </a:rPr>
+                          </m:ctrlPr>
+                        </m:sSubPr>
+                        <m:e>
+                          <m:r>
+                            <a:rPr lang="pt-BR" sz="3200" b="0" i="1" smtClean="0">
+                              <a:solidFill>
+                                <a:srgbClr val="000000"/>
+                              </a:solidFill>
+                              <a:latin typeface="Cambria Math" panose="02040503050406030204" pitchFamily="18" charset="0"/>
+                            </a:rPr>
+                            <m:t>𝛽</m:t>
+                          </m:r>
+                        </m:e>
+                        <m:sub>
+                          <m:r>
+                            <a:rPr lang="pt-BR" sz="3200" b="0" i="1" smtClean="0">
+                              <a:solidFill>
+                                <a:srgbClr val="000000"/>
+                              </a:solidFill>
+                              <a:latin typeface="Cambria Math" panose="02040503050406030204" pitchFamily="18" charset="0"/>
+                            </a:rPr>
+                            <m:t>1</m:t>
+                          </m:r>
+                        </m:sub>
+                      </m:sSub>
+                      <m:sSub>
+                        <m:sSubPr>
+                          <m:ctrlPr>
+                            <a:rPr lang="pt-BR" sz="3200" i="1">
+                              <a:solidFill>
+                                <a:srgbClr val="000000"/>
+                              </a:solidFill>
+                              <a:latin typeface="Cambria Math" panose="02040503050406030204" pitchFamily="18" charset="0"/>
+                            </a:rPr>
+                          </m:ctrlPr>
+                        </m:sSubPr>
+                        <m:e>
+                          <m:r>
+                            <a:rPr lang="pt-BR" sz="3200" i="1">
+                              <a:solidFill>
+                                <a:srgbClr val="000000"/>
+                              </a:solidFill>
+                              <a:latin typeface="Cambria Math" panose="02040503050406030204" pitchFamily="18" charset="0"/>
+                            </a:rPr>
+                            <m:t>𝑋</m:t>
+                          </m:r>
+                        </m:e>
+                        <m:sub>
+                          <m:r>
+                            <a:rPr lang="pt-BR" sz="3200" i="1">
+                              <a:solidFill>
+                                <a:srgbClr val="000000"/>
+                              </a:solidFill>
+                              <a:latin typeface="Cambria Math" panose="02040503050406030204" pitchFamily="18" charset="0"/>
+                            </a:rPr>
+                            <m:t>𝑖</m:t>
+                          </m:r>
+                        </m:sub>
+                      </m:sSub>
+                      <m:r>
+                        <a:rPr lang="pt-BR" sz="3200" b="0" i="1" smtClean="0">
+                          <a:solidFill>
+                            <a:srgbClr val="000000"/>
+                          </a:solidFill>
+                          <a:latin typeface="Cambria Math" panose="02040503050406030204" pitchFamily="18" charset="0"/>
+                        </a:rPr>
+                        <m:t>+</m:t>
+                      </m:r>
+                      <m:sSub>
+                        <m:sSubPr>
+                          <m:ctrlPr>
+                            <a:rPr lang="pt-BR" sz="3200" i="1">
+                              <a:solidFill>
+                                <a:srgbClr val="000000"/>
+                              </a:solidFill>
+                              <a:latin typeface="Cambria Math" panose="02040503050406030204" pitchFamily="18" charset="0"/>
+                            </a:rPr>
+                          </m:ctrlPr>
+                        </m:sSubPr>
+                        <m:e>
+                          <m:r>
+                            <a:rPr lang="pt-BR" sz="3200" i="1">
+                              <a:solidFill>
+                                <a:srgbClr val="000000"/>
+                              </a:solidFill>
+                              <a:latin typeface="Cambria Math" panose="02040503050406030204" pitchFamily="18" charset="0"/>
+                            </a:rPr>
+                            <m:t>𝜇</m:t>
+                          </m:r>
+                        </m:e>
+                        <m:sub>
+                          <m:r>
+                            <a:rPr lang="pt-BR" sz="3200" i="1">
+                              <a:solidFill>
+                                <a:srgbClr val="000000"/>
+                              </a:solidFill>
+                              <a:latin typeface="Cambria Math" panose="02040503050406030204" pitchFamily="18" charset="0"/>
+                            </a:rPr>
+                            <m:t>𝑖</m:t>
+                          </m:r>
+                        </m:sub>
+                      </m:sSub>
+                    </m:oMath>
+                  </m:oMathPara>
                 </a14:m>
                 <a:endParaRPr lang="pt-BR" sz="3200" dirty="0">
                   <a:solidFill>
@@ -6755,9 +6715,8 @@
                       <m:jc m:val="left"/>
                     </m:oMathParaPr>
                     <m:oMath xmlns:m="http://schemas.openxmlformats.org/officeDocument/2006/math">
-                      <m:acc>
-                        <m:accPr>
-                          <m:chr m:val="̂"/>
+                      <m:sSub>
+                        <m:sSubPr>
                           <m:ctrlPr>
                             <a:rPr lang="pt-BR" sz="3200" i="1">
                               <a:solidFill>
@@ -6766,44 +6725,30 @@
                               <a:latin typeface="Cambria Math" panose="02040503050406030204" pitchFamily="18" charset="0"/>
                             </a:rPr>
                           </m:ctrlPr>
-                        </m:accPr>
+                        </m:sSubPr>
                         <m:e>
-                          <m:sSub>
-                            <m:sSubPr>
-                              <m:ctrlPr>
-                                <a:rPr lang="pt-BR" sz="3200" i="1">
-                                  <a:solidFill>
-                                    <a:srgbClr val="000000"/>
-                                  </a:solidFill>
-                                  <a:latin typeface="Cambria Math" panose="02040503050406030204" pitchFamily="18" charset="0"/>
-                                </a:rPr>
-                              </m:ctrlPr>
-                            </m:sSubPr>
-                            <m:e>
-                              <m:r>
-                                <a:rPr lang="pt-BR" sz="3200" i="1">
-                                  <a:solidFill>
-                                    <a:srgbClr val="000000"/>
-                                  </a:solidFill>
-                                  <a:latin typeface="Cambria Math" panose="02040503050406030204" pitchFamily="18" charset="0"/>
-                                </a:rPr>
-                                <m:t>𝑌</m:t>
-                              </m:r>
-                            </m:e>
-                            <m:sub>
-                              <m:r>
-                                <a:rPr lang="pt-BR" sz="3200" i="1">
-                                  <a:solidFill>
-                                    <a:srgbClr val="000000"/>
-                                  </a:solidFill>
-                                  <a:latin typeface="Cambria Math" panose="02040503050406030204" pitchFamily="18" charset="0"/>
-                                </a:rPr>
-                                <m:t>𝑡</m:t>
-                              </m:r>
-                            </m:sub>
-                          </m:sSub>
+                          <m:r>
+                            <a:rPr lang="pt-BR" sz="3200" i="1">
+                              <a:solidFill>
+                                <a:srgbClr val="000000"/>
+                              </a:solidFill>
+                              <a:latin typeface="Cambria Math" panose="02040503050406030204" pitchFamily="18" charset="0"/>
+                            </a:rPr>
+                            <m:t>𝑌</m:t>
+                          </m:r>
                         </m:e>
-                      </m:acc>
+                        <m:sub>
+                          <m:r>
+                            <a:rPr lang="pt-BR" sz="3200" i="1">
+                              <a:solidFill>
+                                <a:srgbClr val="000000"/>
+                              </a:solidFill>
+                              <a:latin typeface="Cambria Math" panose="02040503050406030204" pitchFamily="18" charset="0"/>
+                            </a:rPr>
+                            <m:t>𝑡</m:t>
+                          </m:r>
+                        </m:sub>
+                      </m:sSub>
                       <m:r>
                         <a:rPr lang="pt-BR" sz="3200" i="1">
                           <a:solidFill>
@@ -6890,9 +6835,8 @@
                           </m:r>
                         </m:sub>
                       </m:sSub>
-                      <m:acc>
-                        <m:accPr>
-                          <m:chr m:val="̂"/>
+                      <m:sSub>
+                        <m:sSubPr>
                           <m:ctrlPr>
                             <a:rPr lang="pt-BR" sz="3200" i="1">
                               <a:solidFill>
@@ -6901,46 +6845,32 @@
                               <a:latin typeface="Cambria Math" panose="02040503050406030204" pitchFamily="18" charset="0"/>
                             </a:rPr>
                           </m:ctrlPr>
-                        </m:accPr>
+                        </m:sSubPr>
                         <m:e>
-                          <m:sSub>
-                            <m:sSubPr>
-                              <m:ctrlPr>
-                                <a:rPr lang="pt-BR" sz="3200" i="1">
-                                  <a:solidFill>
-                                    <a:srgbClr val="000000"/>
-                                  </a:solidFill>
-                                  <a:latin typeface="Cambria Math" panose="02040503050406030204" pitchFamily="18" charset="0"/>
-                                </a:rPr>
-                              </m:ctrlPr>
-                            </m:sSubPr>
-                            <m:e>
-                              <m:r>
-                                <a:rPr lang="pt-BR" sz="3200" i="1">
-                                  <a:solidFill>
-                                    <a:srgbClr val="000000"/>
-                                  </a:solidFill>
-                                  <a:latin typeface="Cambria Math" panose="02040503050406030204" pitchFamily="18" charset="0"/>
-                                </a:rPr>
-                                <m:t>𝑋</m:t>
-                              </m:r>
-                            </m:e>
-                            <m:sub>
-                              <m:r>
-                                <a:rPr lang="pt-BR" sz="3200" i="1">
-                                  <a:solidFill>
-                                    <a:srgbClr val="000000"/>
-                                  </a:solidFill>
-                                  <a:latin typeface="Cambria Math" panose="02040503050406030204" pitchFamily="18" charset="0"/>
-                                </a:rPr>
-                                <m:t>𝑡</m:t>
-                              </m:r>
-                            </m:sub>
-                          </m:sSub>
+                          <m:r>
+                            <a:rPr lang="pt-BR" sz="3200" i="1">
+                              <a:solidFill>
+                                <a:srgbClr val="000000"/>
+                              </a:solidFill>
+                              <a:latin typeface="Cambria Math" panose="02040503050406030204" pitchFamily="18" charset="0"/>
+                            </a:rPr>
+                            <m:t>𝑋</m:t>
+                          </m:r>
                         </m:e>
-                      </m:acc>
+                        <m:sub>
+                          <m:r>
+                            <a:rPr lang="pt-BR" sz="3200" i="1">
+                              <a:solidFill>
+                                <a:srgbClr val="000000"/>
+                              </a:solidFill>
+                              <a:latin typeface="Cambria Math" panose="02040503050406030204" pitchFamily="18" charset="0"/>
+                            </a:rPr>
+                            <m:t>𝑡</m:t>
+                          </m:r>
+                        </m:sub>
+                      </m:sSub>
                       <m:r>
-                        <a:rPr lang="pt-BR" sz="3200" i="1">
+                        <a:rPr lang="pt-BR" sz="3200" i="1" smtClean="0">
                           <a:solidFill>
                             <a:srgbClr val="000000"/>
                           </a:solidFill>
@@ -6948,9 +6878,8 @@
                         </a:rPr>
                         <m:t>+</m:t>
                       </m:r>
-                      <m:acc>
-                        <m:accPr>
-                          <m:chr m:val="̂"/>
+                      <m:sSub>
+                        <m:sSubPr>
                           <m:ctrlPr>
                             <a:rPr lang="pt-BR" sz="3200" i="1">
                               <a:solidFill>
@@ -6959,44 +6888,30 @@
                               <a:latin typeface="Cambria Math" panose="02040503050406030204" pitchFamily="18" charset="0"/>
                             </a:rPr>
                           </m:ctrlPr>
-                        </m:accPr>
+                        </m:sSubPr>
                         <m:e>
-                          <m:sSub>
-                            <m:sSubPr>
-                              <m:ctrlPr>
-                                <a:rPr lang="pt-BR" sz="3200" i="1">
-                                  <a:solidFill>
-                                    <a:srgbClr val="000000"/>
-                                  </a:solidFill>
-                                  <a:latin typeface="Cambria Math" panose="02040503050406030204" pitchFamily="18" charset="0"/>
-                                </a:rPr>
-                              </m:ctrlPr>
-                            </m:sSubPr>
-                            <m:e>
-                              <m:r>
-                                <a:rPr lang="pt-BR" sz="3200" i="1">
-                                  <a:solidFill>
-                                    <a:srgbClr val="000000"/>
-                                  </a:solidFill>
-                                  <a:latin typeface="Cambria Math" panose="02040503050406030204" pitchFamily="18" charset="0"/>
-                                </a:rPr>
-                                <m:t>𝜇</m:t>
-                              </m:r>
-                            </m:e>
-                            <m:sub>
-                              <m:r>
-                                <a:rPr lang="pt-BR" sz="3200" b="0" i="1" smtClean="0">
-                                  <a:solidFill>
-                                    <a:srgbClr val="000000"/>
-                                  </a:solidFill>
-                                  <a:latin typeface="Cambria Math" panose="02040503050406030204" pitchFamily="18" charset="0"/>
-                                </a:rPr>
-                                <m:t>𝑡</m:t>
-                              </m:r>
-                            </m:sub>
-                          </m:sSub>
+                          <m:r>
+                            <a:rPr lang="pt-BR" sz="3200" i="1">
+                              <a:solidFill>
+                                <a:srgbClr val="000000"/>
+                              </a:solidFill>
+                              <a:latin typeface="Cambria Math" panose="02040503050406030204" pitchFamily="18" charset="0"/>
+                            </a:rPr>
+                            <m:t>𝜇</m:t>
+                          </m:r>
                         </m:e>
-                      </m:acc>
+                        <m:sub>
+                          <m:r>
+                            <a:rPr lang="pt-BR" sz="3200" i="1">
+                              <a:solidFill>
+                                <a:srgbClr val="000000"/>
+                              </a:solidFill>
+                              <a:latin typeface="Cambria Math" panose="02040503050406030204" pitchFamily="18" charset="0"/>
+                            </a:rPr>
+                            <m:t>𝑡</m:t>
+                          </m:r>
+                        </m:sub>
+                      </m:sSub>
                     </m:oMath>
                   </m:oMathPara>
                 </a14:m>
@@ -7063,64 +6978,58 @@
                       <m:jc m:val="left"/>
                     </m:oMathParaPr>
                     <m:oMath xmlns:m="http://schemas.openxmlformats.org/officeDocument/2006/math">
-                      <m:acc>
-                        <m:accPr>
-                          <m:chr m:val="̂"/>
+                      <m:sSub>
+                        <m:sSubPr>
                           <m:ctrlPr>
-                            <a:rPr lang="pt-BR" sz="3200" i="1" smtClean="0">
+                            <a:rPr lang="pt-BR" sz="3200" i="1">
                               <a:solidFill>
                                 <a:srgbClr val="000000"/>
                               </a:solidFill>
                               <a:latin typeface="Cambria Math" panose="02040503050406030204" pitchFamily="18" charset="0"/>
                             </a:rPr>
                           </m:ctrlPr>
-                        </m:accPr>
+                        </m:sSubPr>
                         <m:e>
-                          <m:sSub>
-                            <m:sSubPr>
-                              <m:ctrlPr>
-                                <a:rPr lang="pt-BR" sz="3200" i="1">
-                                  <a:solidFill>
-                                    <a:srgbClr val="000000"/>
-                                  </a:solidFill>
-                                  <a:latin typeface="Cambria Math" panose="02040503050406030204" pitchFamily="18" charset="0"/>
-                                </a:rPr>
-                              </m:ctrlPr>
-                            </m:sSubPr>
-                            <m:e>
-                              <m:r>
-                                <a:rPr lang="pt-BR" sz="3200" i="1">
-                                  <a:solidFill>
-                                    <a:srgbClr val="000000"/>
-                                  </a:solidFill>
-                                  <a:latin typeface="Cambria Math" panose="02040503050406030204" pitchFamily="18" charset="0"/>
-                                </a:rPr>
-                                <m:t>𝑌</m:t>
-                              </m:r>
-                            </m:e>
-                            <m:sub>
-                              <m:r>
-                                <a:rPr lang="pt-BR" sz="3200" b="0" i="1" smtClean="0">
-                                  <a:solidFill>
-                                    <a:srgbClr val="000000"/>
-                                  </a:solidFill>
-                                  <a:latin typeface="Cambria Math" panose="02040503050406030204" pitchFamily="18" charset="0"/>
-                                </a:rPr>
-                                <m:t>𝑖</m:t>
-                              </m:r>
-                              <m:r>
-                                <a:rPr lang="pt-BR" sz="3200" i="1">
-                                  <a:solidFill>
-                                    <a:srgbClr val="000000"/>
-                                  </a:solidFill>
-                                  <a:latin typeface="Cambria Math" panose="02040503050406030204" pitchFamily="18" charset="0"/>
-                                </a:rPr>
-                                <m:t>𝑡</m:t>
-                              </m:r>
-                            </m:sub>
-                          </m:sSub>
+                          <m:r>
+                            <a:rPr lang="pt-BR" sz="3200" i="1">
+                              <a:solidFill>
+                                <a:srgbClr val="000000"/>
+                              </a:solidFill>
+                              <a:latin typeface="Cambria Math" panose="02040503050406030204" pitchFamily="18" charset="0"/>
+                            </a:rPr>
+                            <m:t>𝑌</m:t>
+                          </m:r>
                         </m:e>
-                      </m:acc>
+                        <m:sub>
+                          <m:r>
+                            <a:rPr lang="pt-BR" sz="3200" i="1">
+                              <a:solidFill>
+                                <a:srgbClr val="000000"/>
+                              </a:solidFill>
+                              <a:latin typeface="Cambria Math" panose="02040503050406030204" pitchFamily="18" charset="0"/>
+                            </a:rPr>
+                            <m:t>𝑖</m:t>
+                          </m:r>
+                          <m:r>
+                            <a:rPr lang="pt-BR" sz="3200" i="1">
+                              <a:solidFill>
+                                <a:srgbClr val="000000"/>
+                              </a:solidFill>
+                              <a:latin typeface="Cambria Math" panose="02040503050406030204" pitchFamily="18" charset="0"/>
+                            </a:rPr>
+                            <m:t>𝑡</m:t>
+                          </m:r>
+                        </m:sub>
+                      </m:sSub>
+                      <m:r>
+                        <a:rPr lang="pt-BR" sz="3200" i="1">
+                          <a:solidFill>
+                            <a:srgbClr val="000000"/>
+                          </a:solidFill>
+                          <a:latin typeface="Cambria Math" panose="02040503050406030204" pitchFamily="18" charset="0"/>
+                        </a:rPr>
+                        <m:t> </m:t>
+                      </m:r>
                       <m:r>
                         <a:rPr lang="pt-BR" sz="3200" i="1">
                           <a:solidFill>
@@ -7207,9 +7116,8 @@
                           </m:r>
                         </m:sub>
                       </m:sSub>
-                      <m:acc>
-                        <m:accPr>
-                          <m:chr m:val="̂"/>
+                      <m:sSub>
+                        <m:sSubPr>
                           <m:ctrlPr>
                             <a:rPr lang="pt-BR" sz="3200" i="1">
                               <a:solidFill>
@@ -7218,55 +7126,41 @@
                               <a:latin typeface="Cambria Math" panose="02040503050406030204" pitchFamily="18" charset="0"/>
                             </a:rPr>
                           </m:ctrlPr>
-                        </m:accPr>
+                        </m:sSubPr>
                         <m:e>
-                          <m:sSub>
-                            <m:sSubPr>
-                              <m:ctrlPr>
-                                <a:rPr lang="pt-BR" sz="3200" i="1">
-                                  <a:solidFill>
-                                    <a:srgbClr val="000000"/>
-                                  </a:solidFill>
-                                  <a:latin typeface="Cambria Math" panose="02040503050406030204" pitchFamily="18" charset="0"/>
-                                </a:rPr>
-                              </m:ctrlPr>
-                            </m:sSubPr>
-                            <m:e>
-                              <m:r>
-                                <a:rPr lang="pt-BR" sz="3200" i="1">
-                                  <a:solidFill>
-                                    <a:srgbClr val="000000"/>
-                                  </a:solidFill>
-                                  <a:latin typeface="Cambria Math" panose="02040503050406030204" pitchFamily="18" charset="0"/>
-                                </a:rPr>
-                                <m:t>𝑋</m:t>
-                              </m:r>
-                            </m:e>
-                            <m:sub>
-                              <m:r>
-                                <a:rPr lang="pt-BR" sz="3200" b="0" i="1" smtClean="0">
-                                  <a:solidFill>
-                                    <a:srgbClr val="000000"/>
-                                  </a:solidFill>
-                                  <a:latin typeface="Cambria Math" panose="02040503050406030204" pitchFamily="18" charset="0"/>
-                                </a:rPr>
-                                <m:t>𝑖</m:t>
-                              </m:r>
-                              <m:r>
-                                <a:rPr lang="pt-BR" sz="3200" i="1">
-                                  <a:solidFill>
-                                    <a:srgbClr val="000000"/>
-                                  </a:solidFill>
-                                  <a:latin typeface="Cambria Math" panose="02040503050406030204" pitchFamily="18" charset="0"/>
-                                </a:rPr>
-                                <m:t>𝑡</m:t>
-                              </m:r>
-                            </m:sub>
-                          </m:sSub>
+                          <m:r>
+                            <a:rPr lang="pt-BR" sz="3200" i="1">
+                              <a:solidFill>
+                                <a:srgbClr val="000000"/>
+                              </a:solidFill>
+                              <a:latin typeface="Cambria Math" panose="02040503050406030204" pitchFamily="18" charset="0"/>
+                            </a:rPr>
+                            <m:t>𝑋</m:t>
+                          </m:r>
                         </m:e>
-                      </m:acc>
+                        <m:sub>
+                          <m:r>
+                            <a:rPr lang="pt-BR" sz="3200" i="1">
+                              <a:solidFill>
+                                <a:srgbClr val="000000"/>
+                              </a:solidFill>
+                              <a:latin typeface="Cambria Math" panose="02040503050406030204" pitchFamily="18" charset="0"/>
+                            </a:rPr>
+                            <m:t>𝑖</m:t>
+                          </m:r>
+                          <m:r>
+                            <a:rPr lang="pt-BR" sz="3200" i="1">
+                              <a:solidFill>
+                                <a:srgbClr val="000000"/>
+                              </a:solidFill>
+                              <a:latin typeface="Cambria Math" panose="02040503050406030204" pitchFamily="18" charset="0"/>
+                            </a:rPr>
+                            <m:t>𝑡</m:t>
+                          </m:r>
+                        </m:sub>
+                      </m:sSub>
                       <m:r>
-                        <a:rPr lang="pt-BR" sz="3200" i="1">
+                        <a:rPr lang="pt-BR" sz="3200" i="1" smtClean="0">
                           <a:solidFill>
                             <a:srgbClr val="000000"/>
                           </a:solidFill>
@@ -7274,9 +7168,8 @@
                         </a:rPr>
                         <m:t>+</m:t>
                       </m:r>
-                      <m:acc>
-                        <m:accPr>
-                          <m:chr m:val="̂"/>
+                      <m:sSub>
+                        <m:sSubPr>
                           <m:ctrlPr>
                             <a:rPr lang="pt-BR" sz="3200" i="1">
                               <a:solidFill>
@@ -7285,53 +7178,30 @@
                               <a:latin typeface="Cambria Math" panose="02040503050406030204" pitchFamily="18" charset="0"/>
                             </a:rPr>
                           </m:ctrlPr>
-                        </m:accPr>
+                        </m:sSubPr>
                         <m:e>
-                          <m:sSub>
-                            <m:sSubPr>
-                              <m:ctrlPr>
-                                <a:rPr lang="pt-BR" sz="3200" i="1">
-                                  <a:solidFill>
-                                    <a:srgbClr val="000000"/>
-                                  </a:solidFill>
-                                  <a:latin typeface="Cambria Math" panose="02040503050406030204" pitchFamily="18" charset="0"/>
-                                </a:rPr>
-                              </m:ctrlPr>
-                            </m:sSubPr>
-                            <m:e>
-                              <m:r>
-                                <a:rPr lang="pt-BR" sz="3200" i="1">
-                                  <a:solidFill>
-                                    <a:srgbClr val="000000"/>
-                                  </a:solidFill>
-                                  <a:latin typeface="Cambria Math" panose="02040503050406030204" pitchFamily="18" charset="0"/>
-                                </a:rPr>
-                                <m:t>𝜇</m:t>
-                              </m:r>
-                            </m:e>
-                            <m:sub>
-                              <m:r>
-                                <a:rPr lang="pt-BR" sz="3200" i="1">
-                                  <a:solidFill>
-                                    <a:srgbClr val="000000"/>
-                                  </a:solidFill>
-                                  <a:latin typeface="Cambria Math" panose="02040503050406030204" pitchFamily="18" charset="0"/>
-                                </a:rPr>
-                                <m:t>𝑖</m:t>
-                              </m:r>
-                              <m:r>
-                                <a:rPr lang="pt-BR" sz="3200" b="0" i="1" smtClean="0">
-                                  <a:solidFill>
-                                    <a:srgbClr val="000000"/>
-                                  </a:solidFill>
-                                  <a:latin typeface="Cambria Math" panose="02040503050406030204" pitchFamily="18" charset="0"/>
-                                </a:rPr>
-                                <m:t>𝑡</m:t>
-                              </m:r>
-                            </m:sub>
-                          </m:sSub>
+                          <m:r>
+                            <a:rPr lang="pt-BR" sz="3200" i="1">
+                              <a:solidFill>
+                                <a:srgbClr val="000000"/>
+                              </a:solidFill>
+                              <a:latin typeface="Cambria Math" panose="02040503050406030204" pitchFamily="18" charset="0"/>
+                            </a:rPr>
+                            <m:t>𝜇</m:t>
+                          </m:r>
                         </m:e>
-                      </m:acc>
+                        <m:sub>
+                          <m:r>
+                            <a:rPr lang="pt-BR" sz="3200" i="1">
+                              <a:solidFill>
+                                <a:srgbClr val="000000"/>
+                              </a:solidFill>
+                              <a:latin typeface="Cambria Math" panose="02040503050406030204" pitchFamily="18" charset="0"/>
+                            </a:rPr>
+                            <m:t>𝑖𝑡</m:t>
+                          </m:r>
+                        </m:sub>
+                      </m:sSub>
                     </m:oMath>
                   </m:oMathPara>
                 </a14:m>

--- a/Aula 1/apresentação aula 1.pptx
+++ b/Aula 1/apresentação aula 1.pptx
@@ -5,31 +5,34 @@
     <p:sldMasterId id="2147483648" r:id="rId1"/>
   </p:sldMasterIdLst>
   <p:notesMasterIdLst>
-    <p:notesMasterId r:id="rId9"/>
+    <p:notesMasterId r:id="rId12"/>
   </p:notesMasterIdLst>
   <p:sldIdLst>
     <p:sldId id="309" r:id="rId2"/>
     <p:sldId id="310" r:id="rId3"/>
-    <p:sldId id="311" r:id="rId4"/>
-    <p:sldId id="258" r:id="rId5"/>
-    <p:sldId id="312" r:id="rId6"/>
-    <p:sldId id="313" r:id="rId7"/>
-    <p:sldId id="297" r:id="rId8"/>
+    <p:sldId id="258" r:id="rId4"/>
+    <p:sldId id="312" r:id="rId5"/>
+    <p:sldId id="313" r:id="rId6"/>
+    <p:sldId id="316" r:id="rId7"/>
+    <p:sldId id="314" r:id="rId8"/>
+    <p:sldId id="315" r:id="rId9"/>
+    <p:sldId id="311" r:id="rId10"/>
+    <p:sldId id="297" r:id="rId11"/>
   </p:sldIdLst>
   <p:sldSz cx="18288000" cy="10287000"/>
   <p:notesSz cx="6858000" cy="9144000"/>
   <p:embeddedFontLst>
     <p:embeddedFont>
       <p:font typeface="Blinker" panose="020B0604020202020204" charset="0"/>
-      <p:regular r:id="rId10"/>
+      <p:regular r:id="rId13"/>
     </p:embeddedFont>
     <p:embeddedFont>
       <p:font typeface="Blinker Bold" panose="020B0604020202020204" charset="0"/>
-      <p:regular r:id="rId11"/>
+      <p:regular r:id="rId14"/>
     </p:embeddedFont>
     <p:embeddedFont>
       <p:font typeface="Cambria Math" panose="02040503050406030204" pitchFamily="18" charset="0"/>
-      <p:regular r:id="rId12"/>
+      <p:regular r:id="rId15"/>
     </p:embeddedFont>
   </p:embeddedFontLst>
   <p:defaultTextStyle>
@@ -228,7 +231,7 @@
           <a:p>
             <a:fld id="{6371F786-4426-48F4-9E34-33B09C3417CA}" type="datetimeFigureOut">
               <a:rPr lang="pt-BR" smtClean="0"/>
-              <a:t>17/03/2024</a:t>
+              <a:t>29/04/2024</a:t>
             </a:fld>
             <a:endParaRPr lang="pt-BR"/>
           </a:p>
@@ -675,7 +678,7 @@
             <a:fld id="{1D8BD707-D9CF-40AE-B4C6-C98DA3205C09}" type="datetimeFigureOut">
               <a:rPr lang="en-US" smtClean="0"/>
               <a:pPr/>
-              <a:t>3/17/2024</a:t>
+              <a:t>4/29/2024</a:t>
             </a:fld>
             <a:endParaRPr lang="en-US"/>
           </a:p>
@@ -840,7 +843,7 @@
             <a:fld id="{1D8BD707-D9CF-40AE-B4C6-C98DA3205C09}" type="datetimeFigureOut">
               <a:rPr lang="en-US" smtClean="0"/>
               <a:pPr/>
-              <a:t>3/17/2024</a:t>
+              <a:t>4/29/2024</a:t>
             </a:fld>
             <a:endParaRPr lang="en-US"/>
           </a:p>
@@ -1015,7 +1018,7 @@
             <a:fld id="{1D8BD707-D9CF-40AE-B4C6-C98DA3205C09}" type="datetimeFigureOut">
               <a:rPr lang="en-US" smtClean="0"/>
               <a:pPr/>
-              <a:t>3/17/2024</a:t>
+              <a:t>4/29/2024</a:t>
             </a:fld>
             <a:endParaRPr lang="en-US"/>
           </a:p>
@@ -1180,7 +1183,7 @@
             <a:fld id="{1D8BD707-D9CF-40AE-B4C6-C98DA3205C09}" type="datetimeFigureOut">
               <a:rPr lang="en-US" smtClean="0"/>
               <a:pPr/>
-              <a:t>3/17/2024</a:t>
+              <a:t>4/29/2024</a:t>
             </a:fld>
             <a:endParaRPr lang="en-US"/>
           </a:p>
@@ -1422,7 +1425,7 @@
             <a:fld id="{1D8BD707-D9CF-40AE-B4C6-C98DA3205C09}" type="datetimeFigureOut">
               <a:rPr lang="en-US" smtClean="0"/>
               <a:pPr/>
-              <a:t>3/17/2024</a:t>
+              <a:t>4/29/2024</a:t>
             </a:fld>
             <a:endParaRPr lang="en-US"/>
           </a:p>
@@ -1704,7 +1707,7 @@
             <a:fld id="{1D8BD707-D9CF-40AE-B4C6-C98DA3205C09}" type="datetimeFigureOut">
               <a:rPr lang="en-US" smtClean="0"/>
               <a:pPr/>
-              <a:t>3/17/2024</a:t>
+              <a:t>4/29/2024</a:t>
             </a:fld>
             <a:endParaRPr lang="en-US"/>
           </a:p>
@@ -2120,7 +2123,7 @@
             <a:fld id="{1D8BD707-D9CF-40AE-B4C6-C98DA3205C09}" type="datetimeFigureOut">
               <a:rPr lang="en-US" smtClean="0"/>
               <a:pPr/>
-              <a:t>3/17/2024</a:t>
+              <a:t>4/29/2024</a:t>
             </a:fld>
             <a:endParaRPr lang="en-US"/>
           </a:p>
@@ -2234,7 +2237,7 @@
             <a:fld id="{1D8BD707-D9CF-40AE-B4C6-C98DA3205C09}" type="datetimeFigureOut">
               <a:rPr lang="en-US" smtClean="0"/>
               <a:pPr/>
-              <a:t>3/17/2024</a:t>
+              <a:t>4/29/2024</a:t>
             </a:fld>
             <a:endParaRPr lang="en-US"/>
           </a:p>
@@ -2326,7 +2329,7 @@
             <a:fld id="{1D8BD707-D9CF-40AE-B4C6-C98DA3205C09}" type="datetimeFigureOut">
               <a:rPr lang="en-US" smtClean="0"/>
               <a:pPr/>
-              <a:t>3/17/2024</a:t>
+              <a:t>4/29/2024</a:t>
             </a:fld>
             <a:endParaRPr lang="en-US"/>
           </a:p>
@@ -2598,7 +2601,7 @@
             <a:fld id="{1D8BD707-D9CF-40AE-B4C6-C98DA3205C09}" type="datetimeFigureOut">
               <a:rPr lang="en-US" smtClean="0"/>
               <a:pPr/>
-              <a:t>3/17/2024</a:t>
+              <a:t>4/29/2024</a:t>
             </a:fld>
             <a:endParaRPr lang="en-US"/>
           </a:p>
@@ -2847,7 +2850,7 @@
             <a:fld id="{1D8BD707-D9CF-40AE-B4C6-C98DA3205C09}" type="datetimeFigureOut">
               <a:rPr lang="en-US" smtClean="0"/>
               <a:pPr/>
-              <a:t>3/17/2024</a:t>
+              <a:t>4/29/2024</a:t>
             </a:fld>
             <a:endParaRPr lang="en-US"/>
           </a:p>
@@ -3055,7 +3058,7 @@
             <a:fld id="{1D8BD707-D9CF-40AE-B4C6-C98DA3205C09}" type="datetimeFigureOut">
               <a:rPr lang="en-US" smtClean="0"/>
               <a:pPr/>
-              <a:t>3/17/2024</a:t>
+              <a:t>4/29/2024</a:t>
             </a:fld>
             <a:endParaRPr lang="en-US"/>
           </a:p>
@@ -4014,6 +4017,384 @@
 </p:sld>
 </file>
 
+<file path=ppt/slides/slide10.xml><?xml version="1.0" encoding="utf-8"?>
+<p:sld xmlns:a="http://schemas.openxmlformats.org/drawingml/2006/main" xmlns:r="http://schemas.openxmlformats.org/officeDocument/2006/relationships" xmlns:p="http://schemas.openxmlformats.org/presentationml/2006/main">
+  <p:cSld>
+    <p:bg>
+      <p:bgPr>
+        <a:solidFill>
+          <a:srgbClr val="FEFEFE"/>
+        </a:solidFill>
+        <a:effectLst/>
+      </p:bgPr>
+    </p:bg>
+    <p:spTree>
+      <p:nvGrpSpPr>
+        <p:cNvPr id="1" name="">
+          <a:extLst>
+            <a:ext uri="{FF2B5EF4-FFF2-40B4-BE49-F238E27FC236}">
+              <a16:creationId xmlns:a16="http://schemas.microsoft.com/office/drawing/2014/main" id="{3341E234-BEAE-019F-4182-AAFB375A6325}"/>
+            </a:ext>
+          </a:extLst>
+        </p:cNvPr>
+        <p:cNvGrpSpPr/>
+        <p:nvPr/>
+      </p:nvGrpSpPr>
+      <p:grpSpPr>
+        <a:xfrm>
+          <a:off x="0" y="0"/>
+          <a:ext cx="0" cy="0"/>
+          <a:chOff x="0" y="0"/>
+          <a:chExt cx="0" cy="0"/>
+        </a:xfrm>
+      </p:grpSpPr>
+      <p:grpSp>
+        <p:nvGrpSpPr>
+          <p:cNvPr id="20" name="Group 4">
+            <a:extLst>
+              <a:ext uri="{FF2B5EF4-FFF2-40B4-BE49-F238E27FC236}">
+                <a16:creationId xmlns:a16="http://schemas.microsoft.com/office/drawing/2014/main" id="{691EF94D-C621-BAF2-40F2-BCDD3A4DF0BC}"/>
+              </a:ext>
+            </a:extLst>
+          </p:cNvPr>
+          <p:cNvGrpSpPr/>
+          <p:nvPr/>
+        </p:nvGrpSpPr>
+        <p:grpSpPr>
+          <a:xfrm>
+            <a:off x="11415" y="5143501"/>
+            <a:ext cx="4331986" cy="5143942"/>
+            <a:chOff x="0" y="0"/>
+            <a:chExt cx="8209447" cy="4807171"/>
+          </a:xfrm>
+        </p:grpSpPr>
+        <p:sp>
+          <p:nvSpPr>
+            <p:cNvPr id="21" name="Freeform 5">
+              <a:extLst>
+                <a:ext uri="{FF2B5EF4-FFF2-40B4-BE49-F238E27FC236}">
+                  <a16:creationId xmlns:a16="http://schemas.microsoft.com/office/drawing/2014/main" id="{FA1A8A23-CBC4-09C0-8952-DA068BAFD34E}"/>
+                </a:ext>
+              </a:extLst>
+            </p:cNvPr>
+            <p:cNvSpPr/>
+            <p:nvPr/>
+          </p:nvSpPr>
+          <p:spPr>
+            <a:xfrm>
+              <a:off x="0" y="0"/>
+              <a:ext cx="8209447" cy="4807171"/>
+            </a:xfrm>
+            <a:custGeom>
+              <a:avLst/>
+              <a:gdLst/>
+              <a:ahLst/>
+              <a:cxnLst/>
+              <a:rect l="l" t="t" r="r" b="b"/>
+              <a:pathLst>
+                <a:path w="8209447" h="4807171">
+                  <a:moveTo>
+                    <a:pt x="8209447" y="4807171"/>
+                  </a:moveTo>
+                  <a:lnTo>
+                    <a:pt x="0" y="4807171"/>
+                  </a:lnTo>
+                  <a:lnTo>
+                    <a:pt x="0" y="0"/>
+                  </a:lnTo>
+                  <a:lnTo>
+                    <a:pt x="8209447" y="4807171"/>
+                  </a:lnTo>
+                  <a:close/>
+                </a:path>
+              </a:pathLst>
+            </a:custGeom>
+            <a:solidFill>
+              <a:schemeClr val="accent1">
+                <a:lumMod val="60000"/>
+                <a:lumOff val="40000"/>
+              </a:schemeClr>
+            </a:solidFill>
+          </p:spPr>
+          <p:txBody>
+            <a:bodyPr/>
+            <a:lstStyle/>
+            <a:p>
+              <a:endParaRPr lang="pt-BR" dirty="0"/>
+            </a:p>
+          </p:txBody>
+        </p:sp>
+      </p:grpSp>
+      <p:grpSp>
+        <p:nvGrpSpPr>
+          <p:cNvPr id="22" name="Group 4">
+            <a:extLst>
+              <a:ext uri="{FF2B5EF4-FFF2-40B4-BE49-F238E27FC236}">
+                <a16:creationId xmlns:a16="http://schemas.microsoft.com/office/drawing/2014/main" id="{0E0A2BD9-F29D-4B6B-A6C9-AE02D78E4FB8}"/>
+              </a:ext>
+            </a:extLst>
+          </p:cNvPr>
+          <p:cNvGrpSpPr/>
+          <p:nvPr/>
+        </p:nvGrpSpPr>
+        <p:grpSpPr>
+          <a:xfrm rot="10800000">
+            <a:off x="11053924" y="0"/>
+            <a:ext cx="7261751" cy="9105900"/>
+            <a:chOff x="0" y="0"/>
+            <a:chExt cx="8209447" cy="4807171"/>
+          </a:xfrm>
+        </p:grpSpPr>
+        <p:sp>
+          <p:nvSpPr>
+            <p:cNvPr id="23" name="Freeform 5">
+              <a:extLst>
+                <a:ext uri="{FF2B5EF4-FFF2-40B4-BE49-F238E27FC236}">
+                  <a16:creationId xmlns:a16="http://schemas.microsoft.com/office/drawing/2014/main" id="{C519DBB8-F6B2-414E-07A7-32CD70132B3D}"/>
+                </a:ext>
+              </a:extLst>
+            </p:cNvPr>
+            <p:cNvSpPr/>
+            <p:nvPr/>
+          </p:nvSpPr>
+          <p:spPr>
+            <a:xfrm>
+              <a:off x="0" y="0"/>
+              <a:ext cx="8209447" cy="4807171"/>
+            </a:xfrm>
+            <a:custGeom>
+              <a:avLst/>
+              <a:gdLst/>
+              <a:ahLst/>
+              <a:cxnLst/>
+              <a:rect l="l" t="t" r="r" b="b"/>
+              <a:pathLst>
+                <a:path w="8209447" h="4807171">
+                  <a:moveTo>
+                    <a:pt x="8209447" y="4807171"/>
+                  </a:moveTo>
+                  <a:lnTo>
+                    <a:pt x="0" y="4807171"/>
+                  </a:lnTo>
+                  <a:lnTo>
+                    <a:pt x="0" y="0"/>
+                  </a:lnTo>
+                  <a:lnTo>
+                    <a:pt x="8209447" y="4807171"/>
+                  </a:lnTo>
+                  <a:close/>
+                </a:path>
+              </a:pathLst>
+            </a:custGeom>
+            <a:solidFill>
+              <a:schemeClr val="accent1">
+                <a:lumMod val="60000"/>
+                <a:lumOff val="40000"/>
+              </a:schemeClr>
+            </a:solidFill>
+          </p:spPr>
+          <p:txBody>
+            <a:bodyPr/>
+            <a:lstStyle/>
+            <a:p>
+              <a:endParaRPr lang="pt-BR" dirty="0"/>
+            </a:p>
+          </p:txBody>
+        </p:sp>
+      </p:grpSp>
+      <p:grpSp>
+        <p:nvGrpSpPr>
+          <p:cNvPr id="24" name="Group 2">
+            <a:extLst>
+              <a:ext uri="{FF2B5EF4-FFF2-40B4-BE49-F238E27FC236}">
+                <a16:creationId xmlns:a16="http://schemas.microsoft.com/office/drawing/2014/main" id="{5209DF60-7BC1-87B8-9D2B-0B1C503B6AC9}"/>
+              </a:ext>
+            </a:extLst>
+          </p:cNvPr>
+          <p:cNvGrpSpPr/>
+          <p:nvPr/>
+        </p:nvGrpSpPr>
+        <p:grpSpPr>
+          <a:xfrm rot="16200000">
+            <a:off x="11708961" y="3675170"/>
+            <a:ext cx="7564149" cy="5649279"/>
+            <a:chOff x="0" y="708640"/>
+            <a:chExt cx="5353493" cy="8540548"/>
+          </a:xfrm>
+        </p:grpSpPr>
+        <p:sp>
+          <p:nvSpPr>
+            <p:cNvPr id="25" name="Freeform 3">
+              <a:extLst>
+                <a:ext uri="{FF2B5EF4-FFF2-40B4-BE49-F238E27FC236}">
+                  <a16:creationId xmlns:a16="http://schemas.microsoft.com/office/drawing/2014/main" id="{B57ECCA2-0039-6223-731E-012A5F0809C1}"/>
+                </a:ext>
+              </a:extLst>
+            </p:cNvPr>
+            <p:cNvSpPr/>
+            <p:nvPr/>
+          </p:nvSpPr>
+          <p:spPr>
+            <a:xfrm>
+              <a:off x="0" y="708640"/>
+              <a:ext cx="5353493" cy="8540548"/>
+            </a:xfrm>
+            <a:custGeom>
+              <a:avLst/>
+              <a:gdLst/>
+              <a:ahLst/>
+              <a:cxnLst/>
+              <a:rect l="l" t="t" r="r" b="b"/>
+              <a:pathLst>
+                <a:path w="5353493" h="9373274">
+                  <a:moveTo>
+                    <a:pt x="5353493" y="9373274"/>
+                  </a:moveTo>
+                  <a:lnTo>
+                    <a:pt x="0" y="9373274"/>
+                  </a:lnTo>
+                  <a:lnTo>
+                    <a:pt x="0" y="0"/>
+                  </a:lnTo>
+                  <a:lnTo>
+                    <a:pt x="5353493" y="9373274"/>
+                  </a:lnTo>
+                  <a:close/>
+                </a:path>
+              </a:pathLst>
+            </a:custGeom>
+            <a:solidFill>
+              <a:schemeClr val="accent3">
+                <a:lumMod val="60000"/>
+                <a:lumOff val="40000"/>
+              </a:schemeClr>
+            </a:solidFill>
+          </p:spPr>
+          <p:txBody>
+            <a:bodyPr/>
+            <a:lstStyle/>
+            <a:p>
+              <a:endParaRPr lang="pt-BR" dirty="0"/>
+            </a:p>
+          </p:txBody>
+        </p:sp>
+      </p:grpSp>
+      <p:sp>
+        <p:nvSpPr>
+          <p:cNvPr id="2" name="TextBox 17">
+            <a:extLst>
+              <a:ext uri="{FF2B5EF4-FFF2-40B4-BE49-F238E27FC236}">
+                <a16:creationId xmlns:a16="http://schemas.microsoft.com/office/drawing/2014/main" id="{E923B711-2E5C-9E5D-FD03-5734A2E8F0B8}"/>
+              </a:ext>
+            </a:extLst>
+          </p:cNvPr>
+          <p:cNvSpPr txBox="1"/>
+          <p:nvPr/>
+        </p:nvSpPr>
+        <p:spPr>
+          <a:xfrm>
+            <a:off x="5423575" y="4839120"/>
+            <a:ext cx="8604287" cy="1419619"/>
+          </a:xfrm>
+          <a:prstGeom prst="rect">
+            <a:avLst/>
+          </a:prstGeom>
+        </p:spPr>
+        <p:txBody>
+          <a:bodyPr lIns="0" tIns="0" rIns="0" bIns="0" rtlCol="0" anchor="t">
+            <a:spAutoFit/>
+          </a:bodyPr>
+          <a:lstStyle/>
+          <a:p>
+            <a:pPr>
+              <a:lnSpc>
+                <a:spcPts val="10559"/>
+              </a:lnSpc>
+              <a:spcBef>
+                <a:spcPct val="0"/>
+              </a:spcBef>
+            </a:pPr>
+            <a:r>
+              <a:rPr lang="pt-BR" sz="13000" dirty="0">
+                <a:solidFill>
+                  <a:srgbClr val="000000"/>
+                </a:solidFill>
+                <a:latin typeface="Blinker Bold"/>
+              </a:rPr>
+              <a:t>Obrigado</a:t>
+            </a:r>
+            <a:r>
+              <a:rPr lang="en-US" sz="13000" dirty="0">
+                <a:solidFill>
+                  <a:srgbClr val="000000"/>
+                </a:solidFill>
+                <a:latin typeface="Blinker Bold"/>
+              </a:rPr>
+              <a:t>!</a:t>
+            </a:r>
+          </a:p>
+        </p:txBody>
+      </p:sp>
+      <p:pic>
+        <p:nvPicPr>
+          <p:cNvPr id="3" name="Picture 2">
+            <a:extLst>
+              <a:ext uri="{FF2B5EF4-FFF2-40B4-BE49-F238E27FC236}">
+                <a16:creationId xmlns:a16="http://schemas.microsoft.com/office/drawing/2014/main" id="{09203C40-1191-22D7-6844-F11923157275}"/>
+              </a:ext>
+            </a:extLst>
+          </p:cNvPr>
+          <p:cNvPicPr>
+            <a:picLocks noChangeAspect="1" noChangeArrowheads="1"/>
+          </p:cNvPicPr>
+          <p:nvPr/>
+        </p:nvPicPr>
+        <p:blipFill>
+          <a:blip r:embed="rId2">
+            <a:extLst>
+              <a:ext uri="{28A0092B-C50C-407E-A947-70E740481C1C}">
+                <a14:useLocalDpi xmlns:a14="http://schemas.microsoft.com/office/drawing/2010/main" val="0"/>
+              </a:ext>
+            </a:extLst>
+          </a:blip>
+          <a:srcRect/>
+          <a:stretch>
+            <a:fillRect/>
+          </a:stretch>
+        </p:blipFill>
+        <p:spPr bwMode="auto">
+          <a:xfrm>
+            <a:off x="16230600" y="8267700"/>
+            <a:ext cx="1676400" cy="1676400"/>
+          </a:xfrm>
+          <a:prstGeom prst="flowChartConnector">
+            <a:avLst/>
+          </a:prstGeom>
+          <a:noFill/>
+          <a:extLst>
+            <a:ext uri="{909E8E84-426E-40DD-AFC4-6F175D3DCCD1}">
+              <a14:hiddenFill xmlns:a14="http://schemas.microsoft.com/office/drawing/2010/main">
+                <a:solidFill>
+                  <a:srgbClr val="FFFFFF"/>
+                </a:solidFill>
+              </a14:hiddenFill>
+            </a:ext>
+          </a:extLst>
+        </p:spPr>
+      </p:pic>
+    </p:spTree>
+    <p:extLst>
+      <p:ext uri="{BB962C8B-B14F-4D97-AF65-F5344CB8AC3E}">
+        <p14:creationId xmlns:p14="http://schemas.microsoft.com/office/powerpoint/2010/main" val="3151508826"/>
+      </p:ext>
+    </p:extLst>
+  </p:cSld>
+  <p:clrMapOvr>
+    <a:masterClrMapping/>
+  </p:clrMapOvr>
+</p:sld>
+</file>
+
 <file path=ppt/slides/slide2.xml><?xml version="1.0" encoding="utf-8"?>
 <p:sld xmlns:a="http://schemas.openxmlformats.org/drawingml/2006/main" xmlns:r="http://schemas.openxmlformats.org/officeDocument/2006/relationships" xmlns:p="http://schemas.openxmlformats.org/presentationml/2006/main">
   <p:cSld>
@@ -4659,723 +5040,6 @@
     </p:bg>
     <p:spTree>
       <p:nvGrpSpPr>
-        <p:cNvPr id="1" name="">
-          <a:extLst>
-            <a:ext uri="{FF2B5EF4-FFF2-40B4-BE49-F238E27FC236}">
-              <a16:creationId xmlns:a16="http://schemas.microsoft.com/office/drawing/2014/main" id="{C4B477D4-E4CA-31A9-C924-A95B50273051}"/>
-            </a:ext>
-          </a:extLst>
-        </p:cNvPr>
-        <p:cNvGrpSpPr/>
-        <p:nvPr/>
-      </p:nvGrpSpPr>
-      <p:grpSpPr>
-        <a:xfrm>
-          <a:off x="0" y="0"/>
-          <a:ext cx="0" cy="0"/>
-          <a:chOff x="0" y="0"/>
-          <a:chExt cx="0" cy="0"/>
-        </a:xfrm>
-      </p:grpSpPr>
-      <p:sp>
-        <p:nvSpPr>
-          <p:cNvPr id="18" name="TextBox 18">
-            <a:extLst>
-              <a:ext uri="{FF2B5EF4-FFF2-40B4-BE49-F238E27FC236}">
-                <a16:creationId xmlns:a16="http://schemas.microsoft.com/office/drawing/2014/main" id="{8B179028-B227-CF10-BD32-1C868A89F5F9}"/>
-              </a:ext>
-            </a:extLst>
-          </p:cNvPr>
-          <p:cNvSpPr txBox="1"/>
-          <p:nvPr/>
-        </p:nvSpPr>
-        <p:spPr>
-          <a:xfrm>
-            <a:off x="668796" y="522629"/>
-            <a:ext cx="14342604" cy="1077218"/>
-          </a:xfrm>
-          <a:prstGeom prst="rect">
-            <a:avLst/>
-          </a:prstGeom>
-        </p:spPr>
-        <p:txBody>
-          <a:bodyPr wrap="square" lIns="0" tIns="0" rIns="0" bIns="0" rtlCol="0" anchor="t">
-            <a:spAutoFit/>
-          </a:bodyPr>
-          <a:lstStyle/>
-          <a:p>
-            <a:pPr>
-              <a:spcBef>
-                <a:spcPct val="0"/>
-              </a:spcBef>
-            </a:pPr>
-            <a:r>
-              <a:rPr lang="pt-BR" sz="7000" dirty="0">
-                <a:solidFill>
-                  <a:srgbClr val="000000"/>
-                </a:solidFill>
-                <a:latin typeface="Blinker Bold"/>
-              </a:rPr>
-              <a:t>Extensões e materiais de pacotes</a:t>
-            </a:r>
-          </a:p>
-        </p:txBody>
-      </p:sp>
-      <p:grpSp>
-        <p:nvGrpSpPr>
-          <p:cNvPr id="10" name="Group 4">
-            <a:extLst>
-              <a:ext uri="{FF2B5EF4-FFF2-40B4-BE49-F238E27FC236}">
-                <a16:creationId xmlns:a16="http://schemas.microsoft.com/office/drawing/2014/main" id="{09DE5411-0C03-53A6-322B-4BBBA903D289}"/>
-              </a:ext>
-            </a:extLst>
-          </p:cNvPr>
-          <p:cNvGrpSpPr/>
-          <p:nvPr/>
-        </p:nvGrpSpPr>
-        <p:grpSpPr>
-          <a:xfrm rot="10800000">
-            <a:off x="14579538" y="0"/>
-            <a:ext cx="3708462" cy="4130984"/>
-            <a:chOff x="9671104" y="-2744183"/>
-            <a:chExt cx="8209447" cy="4807171"/>
-          </a:xfrm>
-        </p:grpSpPr>
-        <p:sp>
-          <p:nvSpPr>
-            <p:cNvPr id="11" name="Freeform 5">
-              <a:extLst>
-                <a:ext uri="{FF2B5EF4-FFF2-40B4-BE49-F238E27FC236}">
-                  <a16:creationId xmlns:a16="http://schemas.microsoft.com/office/drawing/2014/main" id="{3048E3BD-DA98-279D-56C4-53D1BB7FBC4D}"/>
-                </a:ext>
-              </a:extLst>
-            </p:cNvPr>
-            <p:cNvSpPr/>
-            <p:nvPr/>
-          </p:nvSpPr>
-          <p:spPr>
-            <a:xfrm>
-              <a:off x="9671104" y="-2744183"/>
-              <a:ext cx="8209447" cy="4807171"/>
-            </a:xfrm>
-            <a:custGeom>
-              <a:avLst/>
-              <a:gdLst/>
-              <a:ahLst/>
-              <a:cxnLst/>
-              <a:rect l="l" t="t" r="r" b="b"/>
-              <a:pathLst>
-                <a:path w="8209447" h="4807171">
-                  <a:moveTo>
-                    <a:pt x="8209447" y="4807171"/>
-                  </a:moveTo>
-                  <a:lnTo>
-                    <a:pt x="0" y="4807171"/>
-                  </a:lnTo>
-                  <a:lnTo>
-                    <a:pt x="0" y="0"/>
-                  </a:lnTo>
-                  <a:lnTo>
-                    <a:pt x="8209447" y="4807171"/>
-                  </a:lnTo>
-                  <a:close/>
-                </a:path>
-              </a:pathLst>
-            </a:custGeom>
-            <a:solidFill>
-              <a:schemeClr val="accent1">
-                <a:lumMod val="60000"/>
-                <a:lumOff val="40000"/>
-              </a:schemeClr>
-            </a:solidFill>
-          </p:spPr>
-          <p:txBody>
-            <a:bodyPr/>
-            <a:lstStyle/>
-            <a:p>
-              <a:endParaRPr lang="pt-BR" dirty="0"/>
-            </a:p>
-          </p:txBody>
-        </p:sp>
-      </p:grpSp>
-      <p:grpSp>
-        <p:nvGrpSpPr>
-          <p:cNvPr id="12" name="Group 2">
-            <a:extLst>
-              <a:ext uri="{FF2B5EF4-FFF2-40B4-BE49-F238E27FC236}">
-                <a16:creationId xmlns:a16="http://schemas.microsoft.com/office/drawing/2014/main" id="{F9CE1BDE-82BD-68EE-E46E-F68D88640D79}"/>
-              </a:ext>
-            </a:extLst>
-          </p:cNvPr>
-          <p:cNvGrpSpPr/>
-          <p:nvPr/>
-        </p:nvGrpSpPr>
-        <p:grpSpPr>
-          <a:xfrm>
-            <a:off x="0" y="6156455"/>
-            <a:ext cx="3581400" cy="4130546"/>
-            <a:chOff x="0" y="708640"/>
-            <a:chExt cx="5353493" cy="8540548"/>
-          </a:xfrm>
-        </p:grpSpPr>
-        <p:sp>
-          <p:nvSpPr>
-            <p:cNvPr id="13" name="Freeform 3">
-              <a:extLst>
-                <a:ext uri="{FF2B5EF4-FFF2-40B4-BE49-F238E27FC236}">
-                  <a16:creationId xmlns:a16="http://schemas.microsoft.com/office/drawing/2014/main" id="{6835A09A-5A5C-68D2-763B-5ADF6F856F79}"/>
-                </a:ext>
-              </a:extLst>
-            </p:cNvPr>
-            <p:cNvSpPr/>
-            <p:nvPr/>
-          </p:nvSpPr>
-          <p:spPr>
-            <a:xfrm>
-              <a:off x="0" y="708640"/>
-              <a:ext cx="5353493" cy="8540548"/>
-            </a:xfrm>
-            <a:custGeom>
-              <a:avLst/>
-              <a:gdLst/>
-              <a:ahLst/>
-              <a:cxnLst/>
-              <a:rect l="l" t="t" r="r" b="b"/>
-              <a:pathLst>
-                <a:path w="5353493" h="9373274">
-                  <a:moveTo>
-                    <a:pt x="5353493" y="9373274"/>
-                  </a:moveTo>
-                  <a:lnTo>
-                    <a:pt x="0" y="9373274"/>
-                  </a:lnTo>
-                  <a:lnTo>
-                    <a:pt x="0" y="0"/>
-                  </a:lnTo>
-                  <a:lnTo>
-                    <a:pt x="5353493" y="9373274"/>
-                  </a:lnTo>
-                  <a:close/>
-                </a:path>
-              </a:pathLst>
-            </a:custGeom>
-            <a:solidFill>
-              <a:schemeClr val="accent3">
-                <a:lumMod val="60000"/>
-                <a:lumOff val="40000"/>
-              </a:schemeClr>
-            </a:solidFill>
-          </p:spPr>
-          <p:txBody>
-            <a:bodyPr/>
-            <a:lstStyle/>
-            <a:p>
-              <a:endParaRPr lang="pt-BR" dirty="0"/>
-            </a:p>
-          </p:txBody>
-        </p:sp>
-      </p:grpSp>
-      <p:sp>
-        <p:nvSpPr>
-          <p:cNvPr id="14" name="TextBox 18">
-            <a:extLst>
-              <a:ext uri="{FF2B5EF4-FFF2-40B4-BE49-F238E27FC236}">
-                <a16:creationId xmlns:a16="http://schemas.microsoft.com/office/drawing/2014/main" id="{0F8153A9-1709-859B-5C51-2C2178FD1138}"/>
-              </a:ext>
-            </a:extLst>
-          </p:cNvPr>
-          <p:cNvSpPr txBox="1"/>
-          <p:nvPr/>
-        </p:nvSpPr>
-        <p:spPr>
-          <a:xfrm>
-            <a:off x="1143000" y="2038831"/>
-            <a:ext cx="16916400" cy="4345805"/>
-          </a:xfrm>
-          <a:prstGeom prst="rect">
-            <a:avLst/>
-          </a:prstGeom>
-        </p:spPr>
-        <p:txBody>
-          <a:bodyPr wrap="square" lIns="0" tIns="0" rIns="0" bIns="0" rtlCol="0" anchor="t">
-            <a:spAutoFit/>
-          </a:bodyPr>
-          <a:lstStyle/>
-          <a:p>
-            <a:pPr marL="727074" lvl="1" indent="-457200">
-              <a:lnSpc>
-                <a:spcPct val="150000"/>
-              </a:lnSpc>
-              <a:buFont typeface="Wingdings" panose="05000000000000000000" pitchFamily="2" charset="2"/>
-              <a:buChar char="q"/>
-            </a:pPr>
-            <a:r>
-              <a:rPr lang="pt-BR" sz="3200" dirty="0">
-                <a:solidFill>
-                  <a:srgbClr val="000000"/>
-                </a:solidFill>
-                <a:latin typeface="Blinker"/>
-              </a:rPr>
-              <a:t>Passos para conectar o </a:t>
-            </a:r>
-            <a:r>
-              <a:rPr lang="pt-BR" sz="3200" dirty="0" err="1">
-                <a:solidFill>
-                  <a:srgbClr val="000000"/>
-                </a:solidFill>
-                <a:latin typeface="Blinker"/>
-              </a:rPr>
-              <a:t>Github</a:t>
-            </a:r>
-            <a:r>
-              <a:rPr lang="pt-BR" sz="3200" dirty="0">
-                <a:solidFill>
-                  <a:srgbClr val="000000"/>
-                </a:solidFill>
-                <a:latin typeface="Blinker"/>
-              </a:rPr>
-              <a:t> ao </a:t>
-            </a:r>
-            <a:r>
-              <a:rPr lang="pt-BR" sz="3200" dirty="0" err="1">
-                <a:solidFill>
-                  <a:srgbClr val="000000"/>
-                </a:solidFill>
-                <a:latin typeface="Blinker"/>
-              </a:rPr>
-              <a:t>Rstudio</a:t>
-            </a:r>
-            <a:r>
-              <a:rPr lang="pt-BR" sz="3200" dirty="0">
-                <a:solidFill>
-                  <a:srgbClr val="000000"/>
-                </a:solidFill>
-                <a:latin typeface="Blinker"/>
-              </a:rPr>
-              <a:t> (</a:t>
-            </a:r>
-            <a:r>
-              <a:rPr lang="pt-BR" sz="3200" dirty="0">
-                <a:solidFill>
-                  <a:srgbClr val="000000"/>
-                </a:solidFill>
-                <a:latin typeface="Blinker"/>
-                <a:hlinkClick r:id="rId2"/>
-              </a:rPr>
-              <a:t>https://beatrizmilz.github.io/</a:t>
-            </a:r>
-            <a:r>
-              <a:rPr lang="pt-BR" sz="3200" dirty="0" err="1">
-                <a:solidFill>
-                  <a:srgbClr val="000000"/>
-                </a:solidFill>
-                <a:latin typeface="Blinker"/>
-                <a:hlinkClick r:id="rId2"/>
-              </a:rPr>
-              <a:t>slidesR</a:t>
-            </a:r>
-            <a:r>
-              <a:rPr lang="pt-BR" sz="3200" dirty="0">
-                <a:solidFill>
-                  <a:srgbClr val="000000"/>
-                </a:solidFill>
-                <a:latin typeface="Blinker"/>
-                <a:hlinkClick r:id="rId2"/>
-              </a:rPr>
-              <a:t>/</a:t>
-            </a:r>
-            <a:r>
-              <a:rPr lang="pt-BR" sz="3200" dirty="0" err="1">
-                <a:solidFill>
-                  <a:srgbClr val="000000"/>
-                </a:solidFill>
-                <a:latin typeface="Blinker"/>
-                <a:hlinkClick r:id="rId2"/>
-              </a:rPr>
-              <a:t>git_rstudio</a:t>
-            </a:r>
-            <a:r>
-              <a:rPr lang="pt-BR" sz="3200" dirty="0">
-                <a:solidFill>
-                  <a:srgbClr val="000000"/>
-                </a:solidFill>
-                <a:latin typeface="Blinker"/>
-                <a:hlinkClick r:id="rId2"/>
-              </a:rPr>
-              <a:t>/11-2021-ENCE.html#1</a:t>
-            </a:r>
-            <a:r>
-              <a:rPr lang="pt-BR" sz="3200" dirty="0">
-                <a:solidFill>
-                  <a:srgbClr val="000000"/>
-                </a:solidFill>
-                <a:latin typeface="Blinker"/>
-              </a:rPr>
-              <a:t>)</a:t>
-            </a:r>
-          </a:p>
-          <a:p>
-            <a:pPr marL="727074" lvl="1" indent="-457200">
-              <a:lnSpc>
-                <a:spcPct val="150000"/>
-              </a:lnSpc>
-              <a:buFont typeface="Wingdings" panose="05000000000000000000" pitchFamily="2" charset="2"/>
-              <a:buChar char="q"/>
-            </a:pPr>
-            <a:r>
-              <a:rPr lang="pt-BR" sz="3200" dirty="0">
-                <a:solidFill>
-                  <a:srgbClr val="000000"/>
-                </a:solidFill>
-                <a:latin typeface="Blinker"/>
-              </a:rPr>
-              <a:t>Comandos </a:t>
-            </a:r>
-            <a:r>
-              <a:rPr lang="pt-BR" sz="3200" dirty="0" err="1">
-                <a:solidFill>
-                  <a:srgbClr val="000000"/>
-                </a:solidFill>
-                <a:latin typeface="Blinker"/>
-              </a:rPr>
-              <a:t>Dplyr</a:t>
-            </a:r>
-            <a:r>
-              <a:rPr lang="pt-BR" sz="3200" dirty="0">
-                <a:solidFill>
-                  <a:srgbClr val="000000"/>
-                </a:solidFill>
-                <a:latin typeface="Blinker"/>
-              </a:rPr>
-              <a:t> (</a:t>
-            </a:r>
-            <a:r>
-              <a:rPr lang="pt-BR" sz="3200" dirty="0">
-                <a:solidFill>
-                  <a:srgbClr val="000000"/>
-                </a:solidFill>
-                <a:latin typeface="Blinker"/>
-                <a:hlinkClick r:id="rId3"/>
-              </a:rPr>
-              <a:t>https://raw.githubusercontent.com/</a:t>
-            </a:r>
-            <a:r>
-              <a:rPr lang="pt-BR" sz="3200" dirty="0" err="1">
-                <a:solidFill>
-                  <a:srgbClr val="000000"/>
-                </a:solidFill>
-                <a:latin typeface="Blinker"/>
-                <a:hlinkClick r:id="rId3"/>
-              </a:rPr>
-              <a:t>rstudio</a:t>
-            </a:r>
-            <a:r>
-              <a:rPr lang="pt-BR" sz="3200" dirty="0">
-                <a:solidFill>
-                  <a:srgbClr val="000000"/>
-                </a:solidFill>
-                <a:latin typeface="Blinker"/>
-                <a:hlinkClick r:id="rId3"/>
-              </a:rPr>
-              <a:t>/</a:t>
-            </a:r>
-            <a:r>
-              <a:rPr lang="pt-BR" sz="3200" dirty="0" err="1">
-                <a:solidFill>
-                  <a:srgbClr val="000000"/>
-                </a:solidFill>
-                <a:latin typeface="Blinker"/>
-                <a:hlinkClick r:id="rId3"/>
-              </a:rPr>
-              <a:t>cheatsheets</a:t>
-            </a:r>
-            <a:r>
-              <a:rPr lang="pt-BR" sz="3200" dirty="0">
-                <a:solidFill>
-                  <a:srgbClr val="000000"/>
-                </a:solidFill>
-                <a:latin typeface="Blinker"/>
-                <a:hlinkClick r:id="rId3"/>
-              </a:rPr>
-              <a:t>/</a:t>
-            </a:r>
-            <a:r>
-              <a:rPr lang="pt-BR" sz="3200" dirty="0" err="1">
-                <a:solidFill>
-                  <a:srgbClr val="000000"/>
-                </a:solidFill>
-                <a:latin typeface="Blinker"/>
-                <a:hlinkClick r:id="rId3"/>
-              </a:rPr>
-              <a:t>main</a:t>
-            </a:r>
-            <a:r>
-              <a:rPr lang="pt-BR" sz="3200" dirty="0">
-                <a:solidFill>
-                  <a:srgbClr val="000000"/>
-                </a:solidFill>
-                <a:latin typeface="Blinker"/>
-                <a:hlinkClick r:id="rId3"/>
-              </a:rPr>
-              <a:t>/data-transformation.pdf</a:t>
-            </a:r>
-            <a:r>
-              <a:rPr lang="pt-BR" sz="3200" dirty="0">
-                <a:solidFill>
-                  <a:srgbClr val="000000"/>
-                </a:solidFill>
-                <a:latin typeface="Blinker"/>
-              </a:rPr>
-              <a:t>)</a:t>
-            </a:r>
-          </a:p>
-          <a:p>
-            <a:pPr marL="727074" lvl="1" indent="-457200">
-              <a:lnSpc>
-                <a:spcPct val="150000"/>
-              </a:lnSpc>
-              <a:buFont typeface="Wingdings" panose="05000000000000000000" pitchFamily="2" charset="2"/>
-              <a:buChar char="q"/>
-            </a:pPr>
-            <a:r>
-              <a:rPr lang="pt-BR" sz="3200" dirty="0">
-                <a:solidFill>
-                  <a:srgbClr val="000000"/>
-                </a:solidFill>
-                <a:latin typeface="Blinker"/>
-              </a:rPr>
-              <a:t>Comandos </a:t>
-            </a:r>
-            <a:r>
-              <a:rPr lang="pt-BR" sz="3200" dirty="0" err="1">
-                <a:solidFill>
-                  <a:srgbClr val="000000"/>
-                </a:solidFill>
-                <a:latin typeface="Blinker"/>
-              </a:rPr>
-              <a:t>Tidyr</a:t>
-            </a:r>
-            <a:r>
-              <a:rPr lang="pt-BR" sz="3200" dirty="0">
-                <a:solidFill>
-                  <a:srgbClr val="000000"/>
-                </a:solidFill>
-                <a:latin typeface="Blinker"/>
-              </a:rPr>
-              <a:t>(</a:t>
-            </a:r>
-            <a:r>
-              <a:rPr lang="pt-BR" sz="3200" dirty="0">
-                <a:solidFill>
-                  <a:srgbClr val="000000"/>
-                </a:solidFill>
-                <a:latin typeface="Blinker"/>
-                <a:hlinkClick r:id="rId4"/>
-              </a:rPr>
-              <a:t>https://raw.githubusercontent.com/</a:t>
-            </a:r>
-            <a:r>
-              <a:rPr lang="pt-BR" sz="3200" dirty="0" err="1">
-                <a:solidFill>
-                  <a:srgbClr val="000000"/>
-                </a:solidFill>
-                <a:latin typeface="Blinker"/>
-                <a:hlinkClick r:id="rId4"/>
-              </a:rPr>
-              <a:t>rstudio</a:t>
-            </a:r>
-            <a:r>
-              <a:rPr lang="pt-BR" sz="3200" dirty="0">
-                <a:solidFill>
-                  <a:srgbClr val="000000"/>
-                </a:solidFill>
-                <a:latin typeface="Blinker"/>
-                <a:hlinkClick r:id="rId4"/>
-              </a:rPr>
-              <a:t>/</a:t>
-            </a:r>
-            <a:r>
-              <a:rPr lang="pt-BR" sz="3200" dirty="0" err="1">
-                <a:solidFill>
-                  <a:srgbClr val="000000"/>
-                </a:solidFill>
-                <a:latin typeface="Blinker"/>
-                <a:hlinkClick r:id="rId4"/>
-              </a:rPr>
-              <a:t>cheatsheets</a:t>
-            </a:r>
-            <a:r>
-              <a:rPr lang="pt-BR" sz="3200" dirty="0">
-                <a:solidFill>
-                  <a:srgbClr val="000000"/>
-                </a:solidFill>
-                <a:latin typeface="Blinker"/>
-                <a:hlinkClick r:id="rId4"/>
-              </a:rPr>
-              <a:t>/</a:t>
-            </a:r>
-            <a:r>
-              <a:rPr lang="pt-BR" sz="3200" dirty="0" err="1">
-                <a:solidFill>
-                  <a:srgbClr val="000000"/>
-                </a:solidFill>
-                <a:latin typeface="Blinker"/>
-                <a:hlinkClick r:id="rId4"/>
-              </a:rPr>
-              <a:t>main</a:t>
-            </a:r>
-            <a:r>
-              <a:rPr lang="pt-BR" sz="3200" dirty="0">
-                <a:solidFill>
-                  <a:srgbClr val="000000"/>
-                </a:solidFill>
-                <a:latin typeface="Blinker"/>
-                <a:hlinkClick r:id="rId4"/>
-              </a:rPr>
-              <a:t>/tidyr.pdf</a:t>
-            </a:r>
-            <a:r>
-              <a:rPr lang="pt-BR" sz="3200" dirty="0">
-                <a:solidFill>
-                  <a:srgbClr val="000000"/>
-                </a:solidFill>
-                <a:latin typeface="Blinker"/>
-              </a:rPr>
-              <a:t>)</a:t>
-            </a:r>
-          </a:p>
-          <a:p>
-            <a:pPr marL="727074" lvl="1" indent="-457200">
-              <a:lnSpc>
-                <a:spcPct val="150000"/>
-              </a:lnSpc>
-              <a:buFont typeface="Wingdings" panose="05000000000000000000" pitchFamily="2" charset="2"/>
-              <a:buChar char="q"/>
-            </a:pPr>
-            <a:r>
-              <a:rPr lang="pt-BR" sz="3200" dirty="0">
-                <a:solidFill>
-                  <a:srgbClr val="000000"/>
-                </a:solidFill>
-                <a:latin typeface="Blinker"/>
-              </a:rPr>
-              <a:t>Comandos Ggplot2 (</a:t>
-            </a:r>
-            <a:r>
-              <a:rPr lang="pt-BR" sz="3200" dirty="0">
-                <a:solidFill>
-                  <a:srgbClr val="000000"/>
-                </a:solidFill>
-                <a:latin typeface="Blinker"/>
-                <a:hlinkClick r:id="rId5"/>
-              </a:rPr>
-              <a:t>https://lscholtus.gitlab.io/</a:t>
-            </a:r>
-            <a:r>
-              <a:rPr lang="pt-BR" sz="3200" dirty="0" err="1">
-                <a:solidFill>
-                  <a:srgbClr val="000000"/>
-                </a:solidFill>
-                <a:latin typeface="Blinker"/>
-                <a:hlinkClick r:id="rId5"/>
-              </a:rPr>
-              <a:t>mosaicdata</a:t>
-            </a:r>
-            <a:r>
-              <a:rPr lang="pt-BR" sz="3200" dirty="0">
-                <a:solidFill>
-                  <a:srgbClr val="000000"/>
-                </a:solidFill>
-                <a:latin typeface="Blinker"/>
-                <a:hlinkClick r:id="rId5"/>
-              </a:rPr>
-              <a:t>/ggplot2-cheatsheet-2.0.pdf</a:t>
-            </a:r>
-            <a:r>
-              <a:rPr lang="pt-BR" sz="3200" dirty="0">
-                <a:solidFill>
-                  <a:srgbClr val="000000"/>
-                </a:solidFill>
-                <a:latin typeface="Blinker"/>
-              </a:rPr>
-              <a:t>)</a:t>
-            </a:r>
-          </a:p>
-        </p:txBody>
-      </p:sp>
-      <p:pic>
-        <p:nvPicPr>
-          <p:cNvPr id="3" name="Picture 2">
-            <a:extLst>
-              <a:ext uri="{FF2B5EF4-FFF2-40B4-BE49-F238E27FC236}">
-                <a16:creationId xmlns:a16="http://schemas.microsoft.com/office/drawing/2014/main" id="{042A755E-3322-383F-9D7E-EB1A033689D3}"/>
-              </a:ext>
-            </a:extLst>
-          </p:cNvPr>
-          <p:cNvPicPr>
-            <a:picLocks noChangeAspect="1" noChangeArrowheads="1"/>
-          </p:cNvPicPr>
-          <p:nvPr/>
-        </p:nvPicPr>
-        <p:blipFill>
-          <a:blip r:embed="rId6">
-            <a:extLst>
-              <a:ext uri="{28A0092B-C50C-407E-A947-70E740481C1C}">
-                <a14:useLocalDpi xmlns:a14="http://schemas.microsoft.com/office/drawing/2010/main" val="0"/>
-              </a:ext>
-            </a:extLst>
-          </a:blip>
-          <a:srcRect/>
-          <a:stretch>
-            <a:fillRect/>
-          </a:stretch>
-        </p:blipFill>
-        <p:spPr bwMode="auto">
-          <a:xfrm>
-            <a:off x="16230600" y="8267700"/>
-            <a:ext cx="1676400" cy="1676400"/>
-          </a:xfrm>
-          <a:prstGeom prst="flowChartConnector">
-            <a:avLst/>
-          </a:prstGeom>
-          <a:noFill/>
-          <a:extLst>
-            <a:ext uri="{909E8E84-426E-40DD-AFC4-6F175D3DCCD1}">
-              <a14:hiddenFill xmlns:a14="http://schemas.microsoft.com/office/drawing/2010/main">
-                <a:solidFill>
-                  <a:srgbClr val="FFFFFF"/>
-                </a:solidFill>
-              </a14:hiddenFill>
-            </a:ext>
-          </a:extLst>
-        </p:spPr>
-      </p:pic>
-    </p:spTree>
-    <p:extLst>
-      <p:ext uri="{BB962C8B-B14F-4D97-AF65-F5344CB8AC3E}">
-        <p14:creationId xmlns:p14="http://schemas.microsoft.com/office/powerpoint/2010/main" val="226009943"/>
-      </p:ext>
-    </p:extLst>
-  </p:cSld>
-  <p:clrMapOvr>
-    <a:masterClrMapping/>
-  </p:clrMapOvr>
-</p:sld>
-</file>
-
-<file path=ppt/slides/slide4.xml><?xml version="1.0" encoding="utf-8"?>
-<p:sld xmlns:a="http://schemas.openxmlformats.org/drawingml/2006/main" xmlns:r="http://schemas.openxmlformats.org/officeDocument/2006/relationships" xmlns:p="http://schemas.openxmlformats.org/presentationml/2006/main">
-  <p:cSld>
-    <p:bg>
-      <p:bgPr>
-        <a:solidFill>
-          <a:srgbClr val="FEFEFE"/>
-        </a:solidFill>
-        <a:effectLst/>
-      </p:bgPr>
-    </p:bg>
-    <p:spTree>
-      <p:nvGrpSpPr>
         <p:cNvPr id="1" name=""/>
         <p:cNvGrpSpPr/>
         <p:nvPr/>
@@ -5693,7 +5357,7 @@
 </p:sld>
 </file>
 
-<file path=ppt/slides/slide5.xml><?xml version="1.0" encoding="utf-8"?>
+<file path=ppt/slides/slide4.xml><?xml version="1.0" encoding="utf-8"?>
 <p:sld xmlns:a="http://schemas.openxmlformats.org/drawingml/2006/main" xmlns:r="http://schemas.openxmlformats.org/officeDocument/2006/relationships" xmlns:p="http://schemas.openxmlformats.org/presentationml/2006/main">
   <p:cSld>
     <p:bg>
@@ -6138,7 +5802,7 @@
 </p:sld>
 </file>
 
-<file path=ppt/slides/slide6.xml><?xml version="1.0" encoding="utf-8"?>
+<file path=ppt/slides/slide5.xml><?xml version="1.0" encoding="utf-8"?>
 <p:sld xmlns:a="http://schemas.openxmlformats.org/drawingml/2006/main" xmlns:r="http://schemas.openxmlformats.org/officeDocument/2006/relationships" xmlns:p="http://schemas.openxmlformats.org/presentationml/2006/main">
   <p:cSld>
     <p:bg>
@@ -6367,8 +6031,8 @@
           </p:txBody>
         </p:sp>
       </p:grpSp>
-      <mc:AlternateContent xmlns:mc="http://schemas.openxmlformats.org/markup-compatibility/2006">
-        <mc:Choice xmlns:a14="http://schemas.microsoft.com/office/drawing/2010/main" Requires="a14">
+      <mc:AlternateContent xmlns:mc="http://schemas.openxmlformats.org/markup-compatibility/2006" xmlns:a14="http://schemas.microsoft.com/office/drawing/2010/main">
+        <mc:Choice Requires="a14">
           <p:sp>
             <p:nvSpPr>
               <p:cNvPr id="14" name="TextBox 18">
@@ -7008,16 +6672,7 @@
                               </a:solidFill>
                               <a:latin typeface="Cambria Math" panose="02040503050406030204" pitchFamily="18" charset="0"/>
                             </a:rPr>
-                            <m:t>𝑖</m:t>
-                          </m:r>
-                          <m:r>
-                            <a:rPr lang="pt-BR" sz="3200" i="1">
-                              <a:solidFill>
-                                <a:srgbClr val="000000"/>
-                              </a:solidFill>
-                              <a:latin typeface="Cambria Math" panose="02040503050406030204" pitchFamily="18" charset="0"/>
-                            </a:rPr>
-                            <m:t>𝑡</m:t>
+                            <m:t>𝑖𝑡</m:t>
                           </m:r>
                         </m:sub>
                       </m:sSub>
@@ -7028,16 +6683,7 @@
                           </a:solidFill>
                           <a:latin typeface="Cambria Math" panose="02040503050406030204" pitchFamily="18" charset="0"/>
                         </a:rPr>
-                        <m:t> </m:t>
-                      </m:r>
-                      <m:r>
-                        <a:rPr lang="pt-BR" sz="3200" i="1">
-                          <a:solidFill>
-                            <a:srgbClr val="000000"/>
-                          </a:solidFill>
-                          <a:latin typeface="Cambria Math" panose="02040503050406030204" pitchFamily="18" charset="0"/>
-                        </a:rPr>
-                        <m:t>=</m:t>
+                        <m:t> =</m:t>
                       </m:r>
                       <m:sSub>
                         <m:sSubPr>
@@ -7146,16 +6792,7 @@
                               </a:solidFill>
                               <a:latin typeface="Cambria Math" panose="02040503050406030204" pitchFamily="18" charset="0"/>
                             </a:rPr>
-                            <m:t>𝑖</m:t>
-                          </m:r>
-                          <m:r>
-                            <a:rPr lang="pt-BR" sz="3200" i="1">
-                              <a:solidFill>
-                                <a:srgbClr val="000000"/>
-                              </a:solidFill>
-                              <a:latin typeface="Cambria Math" panose="02040503050406030204" pitchFamily="18" charset="0"/>
-                            </a:rPr>
-                            <m:t>𝑡</m:t>
+                            <m:t>𝑖𝑡</m:t>
                           </m:r>
                         </m:sub>
                       </m:sSub>
@@ -7215,7 +6852,7 @@
             </p:txBody>
           </p:sp>
         </mc:Choice>
-        <mc:Fallback>
+        <mc:Fallback xmlns="">
           <p:sp>
             <p:nvSpPr>
               <p:cNvPr id="14" name="TextBox 18">
@@ -7547,7 +7184,7 @@
 </p:sld>
 </file>
 
-<file path=ppt/slides/slide7.xml><?xml version="1.0" encoding="utf-8"?>
+<file path=ppt/slides/slide6.xml><?xml version="1.0" encoding="utf-8"?>
 <p:sld xmlns:a="http://schemas.openxmlformats.org/drawingml/2006/main" xmlns:r="http://schemas.openxmlformats.org/officeDocument/2006/relationships" xmlns:p="http://schemas.openxmlformats.org/presentationml/2006/main">
   <p:cSld>
     <p:bg>
@@ -7563,7 +7200,7 @@
         <p:cNvPr id="1" name="">
           <a:extLst>
             <a:ext uri="{FF2B5EF4-FFF2-40B4-BE49-F238E27FC236}">
-              <a16:creationId xmlns:a16="http://schemas.microsoft.com/office/drawing/2014/main" id="{3341E234-BEAE-019F-4182-AAFB375A6325}"/>
+              <a16:creationId xmlns:a16="http://schemas.microsoft.com/office/drawing/2014/main" id="{26D87F50-F733-F1D5-E110-BB56E694A798}"/>
             </a:ext>
           </a:extLst>
         </p:cNvPr>
@@ -7578,12 +7215,56 @@
           <a:chExt cx="0" cy="0"/>
         </a:xfrm>
       </p:grpSpPr>
+      <p:sp>
+        <p:nvSpPr>
+          <p:cNvPr id="18" name="TextBox 18">
+            <a:extLst>
+              <a:ext uri="{FF2B5EF4-FFF2-40B4-BE49-F238E27FC236}">
+                <a16:creationId xmlns:a16="http://schemas.microsoft.com/office/drawing/2014/main" id="{621C9388-8A60-B1B1-F227-C06920513A9F}"/>
+              </a:ext>
+            </a:extLst>
+          </p:cNvPr>
+          <p:cNvSpPr txBox="1"/>
+          <p:nvPr/>
+        </p:nvSpPr>
+        <p:spPr>
+          <a:xfrm>
+            <a:off x="668796" y="522629"/>
+            <a:ext cx="14342604" cy="1077218"/>
+          </a:xfrm>
+          <a:prstGeom prst="rect">
+            <a:avLst/>
+          </a:prstGeom>
+        </p:spPr>
+        <p:txBody>
+          <a:bodyPr wrap="square" lIns="0" tIns="0" rIns="0" bIns="0" rtlCol="0" anchor="t">
+            <a:spAutoFit/>
+          </a:bodyPr>
+          <a:lstStyle/>
+          <a:p>
+            <a:pPr>
+              <a:spcBef>
+                <a:spcPct val="0"/>
+              </a:spcBef>
+            </a:pPr>
+            <a:r>
+              <a:rPr lang="pt-BR" sz="7000" dirty="0">
+                <a:solidFill>
+                  <a:srgbClr val="000000"/>
+                </a:solidFill>
+                <a:latin typeface="Blinker Bold"/>
+              </a:rPr>
+              <a:t>Principais comandos de inicialização</a:t>
+            </a:r>
+          </a:p>
+        </p:txBody>
+      </p:sp>
       <p:grpSp>
         <p:nvGrpSpPr>
-          <p:cNvPr id="20" name="Group 4">
+          <p:cNvPr id="10" name="Group 4">
             <a:extLst>
               <a:ext uri="{FF2B5EF4-FFF2-40B4-BE49-F238E27FC236}">
-                <a16:creationId xmlns:a16="http://schemas.microsoft.com/office/drawing/2014/main" id="{691EF94D-C621-BAF2-40F2-BCDD3A4DF0BC}"/>
+                <a16:creationId xmlns:a16="http://schemas.microsoft.com/office/drawing/2014/main" id="{FE920EEC-F64E-6C04-A3EA-22BECFAD1BCB}"/>
               </a:ext>
             </a:extLst>
           </p:cNvPr>
@@ -7591,19 +7272,19 @@
           <p:nvPr/>
         </p:nvGrpSpPr>
         <p:grpSpPr>
-          <a:xfrm>
-            <a:off x="11415" y="5143501"/>
-            <a:ext cx="4331986" cy="5143942"/>
-            <a:chOff x="0" y="0"/>
+          <a:xfrm rot="10800000">
+            <a:off x="14579538" y="0"/>
+            <a:ext cx="3708462" cy="4130984"/>
+            <a:chOff x="9671104" y="-2744183"/>
             <a:chExt cx="8209447" cy="4807171"/>
           </a:xfrm>
         </p:grpSpPr>
         <p:sp>
           <p:nvSpPr>
-            <p:cNvPr id="21" name="Freeform 5">
+            <p:cNvPr id="11" name="Freeform 5">
               <a:extLst>
                 <a:ext uri="{FF2B5EF4-FFF2-40B4-BE49-F238E27FC236}">
-                  <a16:creationId xmlns:a16="http://schemas.microsoft.com/office/drawing/2014/main" id="{FA1A8A23-CBC4-09C0-8952-DA068BAFD34E}"/>
+                  <a16:creationId xmlns:a16="http://schemas.microsoft.com/office/drawing/2014/main" id="{0D497C47-B1D1-0B73-63E6-40888EF96F15}"/>
                 </a:ext>
               </a:extLst>
             </p:cNvPr>
@@ -7612,7 +7293,7 @@
           </p:nvSpPr>
           <p:spPr>
             <a:xfrm>
-              <a:off x="0" y="0"/>
+              <a:off x="9671104" y="-2744183"/>
               <a:ext cx="8209447" cy="4807171"/>
             </a:xfrm>
             <a:custGeom>
@@ -7657,10 +7338,10 @@
       </p:grpSp>
       <p:grpSp>
         <p:nvGrpSpPr>
-          <p:cNvPr id="22" name="Group 4">
+          <p:cNvPr id="12" name="Group 2">
             <a:extLst>
               <a:ext uri="{FF2B5EF4-FFF2-40B4-BE49-F238E27FC236}">
-                <a16:creationId xmlns:a16="http://schemas.microsoft.com/office/drawing/2014/main" id="{0E0A2BD9-F29D-4B6B-A6C9-AE02D78E4FB8}"/>
+                <a16:creationId xmlns:a16="http://schemas.microsoft.com/office/drawing/2014/main" id="{F9307C9B-F0CF-7F47-A733-31360B334B44}"/>
               </a:ext>
             </a:extLst>
           </p:cNvPr>
@@ -7668,96 +7349,19 @@
           <p:nvPr/>
         </p:nvGrpSpPr>
         <p:grpSpPr>
-          <a:xfrm rot="10800000">
-            <a:off x="11053924" y="0"/>
-            <a:ext cx="7261751" cy="9105900"/>
-            <a:chOff x="0" y="0"/>
-            <a:chExt cx="8209447" cy="4807171"/>
-          </a:xfrm>
-        </p:grpSpPr>
-        <p:sp>
-          <p:nvSpPr>
-            <p:cNvPr id="23" name="Freeform 5">
-              <a:extLst>
-                <a:ext uri="{FF2B5EF4-FFF2-40B4-BE49-F238E27FC236}">
-                  <a16:creationId xmlns:a16="http://schemas.microsoft.com/office/drawing/2014/main" id="{C519DBB8-F6B2-414E-07A7-32CD70132B3D}"/>
-                </a:ext>
-              </a:extLst>
-            </p:cNvPr>
-            <p:cNvSpPr/>
-            <p:nvPr/>
-          </p:nvSpPr>
-          <p:spPr>
-            <a:xfrm>
-              <a:off x="0" y="0"/>
-              <a:ext cx="8209447" cy="4807171"/>
-            </a:xfrm>
-            <a:custGeom>
-              <a:avLst/>
-              <a:gdLst/>
-              <a:ahLst/>
-              <a:cxnLst/>
-              <a:rect l="l" t="t" r="r" b="b"/>
-              <a:pathLst>
-                <a:path w="8209447" h="4807171">
-                  <a:moveTo>
-                    <a:pt x="8209447" y="4807171"/>
-                  </a:moveTo>
-                  <a:lnTo>
-                    <a:pt x="0" y="4807171"/>
-                  </a:lnTo>
-                  <a:lnTo>
-                    <a:pt x="0" y="0"/>
-                  </a:lnTo>
-                  <a:lnTo>
-                    <a:pt x="8209447" y="4807171"/>
-                  </a:lnTo>
-                  <a:close/>
-                </a:path>
-              </a:pathLst>
-            </a:custGeom>
-            <a:solidFill>
-              <a:schemeClr val="accent1">
-                <a:lumMod val="60000"/>
-                <a:lumOff val="40000"/>
-              </a:schemeClr>
-            </a:solidFill>
-          </p:spPr>
-          <p:txBody>
-            <a:bodyPr/>
-            <a:lstStyle/>
-            <a:p>
-              <a:endParaRPr lang="pt-BR" dirty="0"/>
-            </a:p>
-          </p:txBody>
-        </p:sp>
-      </p:grpSp>
-      <p:grpSp>
-        <p:nvGrpSpPr>
-          <p:cNvPr id="24" name="Group 2">
-            <a:extLst>
-              <a:ext uri="{FF2B5EF4-FFF2-40B4-BE49-F238E27FC236}">
-                <a16:creationId xmlns:a16="http://schemas.microsoft.com/office/drawing/2014/main" id="{5209DF60-7BC1-87B8-9D2B-0B1C503B6AC9}"/>
-              </a:ext>
-            </a:extLst>
-          </p:cNvPr>
-          <p:cNvGrpSpPr/>
-          <p:nvPr/>
-        </p:nvGrpSpPr>
-        <p:grpSpPr>
-          <a:xfrm rot="16200000">
-            <a:off x="11708961" y="3675170"/>
-            <a:ext cx="7564149" cy="5649279"/>
+          <a:xfrm>
+            <a:off x="0" y="6156455"/>
+            <a:ext cx="3581400" cy="4130546"/>
             <a:chOff x="0" y="708640"/>
             <a:chExt cx="5353493" cy="8540548"/>
           </a:xfrm>
         </p:grpSpPr>
         <p:sp>
           <p:nvSpPr>
-            <p:cNvPr id="25" name="Freeform 3">
+            <p:cNvPr id="13" name="Freeform 3">
               <a:extLst>
                 <a:ext uri="{FF2B5EF4-FFF2-40B4-BE49-F238E27FC236}">
-                  <a16:creationId xmlns:a16="http://schemas.microsoft.com/office/drawing/2014/main" id="{B57ECCA2-0039-6223-731E-012A5F0809C1}"/>
+                  <a16:creationId xmlns:a16="http://schemas.microsoft.com/office/drawing/2014/main" id="{EDB434AA-481E-8022-FB23-DD49B5340200}"/>
                 </a:ext>
               </a:extLst>
             </p:cNvPr>
@@ -7811,10 +7415,10 @@
       </p:grpSp>
       <p:sp>
         <p:nvSpPr>
-          <p:cNvPr id="2" name="TextBox 17">
+          <p:cNvPr id="14" name="TextBox 18">
             <a:extLst>
               <a:ext uri="{FF2B5EF4-FFF2-40B4-BE49-F238E27FC236}">
-                <a16:creationId xmlns:a16="http://schemas.microsoft.com/office/drawing/2014/main" id="{E923B711-2E5C-9E5D-FD03-5734A2E8F0B8}"/>
+                <a16:creationId xmlns:a16="http://schemas.microsoft.com/office/drawing/2014/main" id="{2D4DDB13-E8C7-D18C-F72D-7FE484967369}"/>
               </a:ext>
             </a:extLst>
           </p:cNvPr>
@@ -7823,44 +7427,389 @@
         </p:nvSpPr>
         <p:spPr>
           <a:xfrm>
-            <a:off x="5423575" y="4839120"/>
-            <a:ext cx="8604287" cy="1419619"/>
+            <a:off x="914400" y="1866900"/>
+            <a:ext cx="10515600" cy="8245334"/>
           </a:xfrm>
           <a:prstGeom prst="rect">
             <a:avLst/>
           </a:prstGeom>
         </p:spPr>
         <p:txBody>
-          <a:bodyPr lIns="0" tIns="0" rIns="0" bIns="0" rtlCol="0" anchor="t">
+          <a:bodyPr wrap="square" lIns="0" tIns="0" rIns="0" bIns="0" rtlCol="0" anchor="t">
             <a:spAutoFit/>
           </a:bodyPr>
           <a:lstStyle/>
           <a:p>
-            <a:pPr>
+            <a:pPr marL="727074" lvl="1" indent="-457200" algn="just">
               <a:lnSpc>
-                <a:spcPts val="10559"/>
+                <a:spcPct val="150000"/>
               </a:lnSpc>
-              <a:spcBef>
-                <a:spcPct val="0"/>
-              </a:spcBef>
+              <a:buAutoNum type="arabicParenR"/>
             </a:pPr>
             <a:r>
-              <a:rPr lang="pt-BR" sz="13000" dirty="0">
-                <a:solidFill>
-                  <a:srgbClr val="000000"/>
-                </a:solidFill>
-                <a:latin typeface="Blinker Bold"/>
-              </a:rPr>
-              <a:t>Obrigado</a:t>
-            </a:r>
-            <a:r>
-              <a:rPr lang="en-US" sz="13000" dirty="0">
-                <a:solidFill>
-                  <a:srgbClr val="000000"/>
-                </a:solidFill>
-                <a:latin typeface="Blinker Bold"/>
-              </a:rPr>
-              <a:t>!</a:t>
+              <a:rPr lang="pt-BR" sz="2400" b="1" dirty="0" err="1">
+                <a:solidFill>
+                  <a:srgbClr val="000000"/>
+                </a:solidFill>
+                <a:latin typeface="Blinker"/>
+              </a:rPr>
+              <a:t>setwd</a:t>
+            </a:r>
+            <a:r>
+              <a:rPr lang="pt-BR" sz="2400" b="1" dirty="0">
+                <a:solidFill>
+                  <a:srgbClr val="000000"/>
+                </a:solidFill>
+                <a:latin typeface="Blinker"/>
+              </a:rPr>
+              <a:t>()  </a:t>
+            </a:r>
+            <a:r>
+              <a:rPr lang="pt-BR" sz="2400" dirty="0">
+                <a:solidFill>
+                  <a:srgbClr val="000000"/>
+                </a:solidFill>
+                <a:latin typeface="Blinker"/>
+              </a:rPr>
+              <a:t>Descrição: declara o diretório, opção extra(“</a:t>
+            </a:r>
+            <a:r>
+              <a:rPr lang="pt-BR" sz="2400" dirty="0" err="1">
+                <a:solidFill>
+                  <a:srgbClr val="000000"/>
+                </a:solidFill>
+                <a:latin typeface="Blinker"/>
+              </a:rPr>
+              <a:t>Ctrl+Shif+H</a:t>
+            </a:r>
+            <a:r>
+              <a:rPr lang="pt-BR" sz="2400" dirty="0">
+                <a:solidFill>
+                  <a:srgbClr val="000000"/>
+                </a:solidFill>
+                <a:latin typeface="Blinker"/>
+              </a:rPr>
+              <a:t>”)</a:t>
+            </a:r>
+          </a:p>
+          <a:p>
+            <a:pPr marL="727074" lvl="1" indent="-457200" algn="just">
+              <a:lnSpc>
+                <a:spcPct val="150000"/>
+              </a:lnSpc>
+              <a:buAutoNum type="arabicParenR"/>
+            </a:pPr>
+            <a:r>
+              <a:rPr lang="pt-BR" sz="2400" b="1" dirty="0" err="1">
+                <a:solidFill>
+                  <a:srgbClr val="000000"/>
+                </a:solidFill>
+                <a:latin typeface="Blinker"/>
+              </a:rPr>
+              <a:t>install.packages</a:t>
+            </a:r>
+            <a:r>
+              <a:rPr lang="pt-BR" sz="2400" b="1" dirty="0">
+                <a:solidFill>
+                  <a:srgbClr val="000000"/>
+                </a:solidFill>
+                <a:latin typeface="Blinker"/>
+              </a:rPr>
+              <a:t>(“pacote") </a:t>
+            </a:r>
+            <a:r>
+              <a:rPr lang="pt-BR" sz="2400" dirty="0">
+                <a:solidFill>
+                  <a:srgbClr val="000000"/>
+                </a:solidFill>
+                <a:latin typeface="Blinker"/>
+              </a:rPr>
+              <a:t>Descrição: instala o pacote, opção extra:</a:t>
+            </a:r>
+          </a:p>
+          <a:p>
+            <a:pPr marL="727074" lvl="1" indent="-457200" algn="just">
+              <a:lnSpc>
+                <a:spcPct val="150000"/>
+              </a:lnSpc>
+              <a:buAutoNum type="arabicParenR"/>
+            </a:pPr>
+            <a:r>
+              <a:rPr lang="pt-BR" sz="2400" b="1" dirty="0" err="1">
+                <a:solidFill>
+                  <a:srgbClr val="000000"/>
+                </a:solidFill>
+                <a:latin typeface="Blinker"/>
+              </a:rPr>
+              <a:t>library</a:t>
+            </a:r>
+            <a:r>
+              <a:rPr lang="pt-BR" sz="2400" b="1" dirty="0">
+                <a:solidFill>
+                  <a:srgbClr val="000000"/>
+                </a:solidFill>
+                <a:latin typeface="Blinker"/>
+              </a:rPr>
+              <a:t>(pacote) </a:t>
+            </a:r>
+            <a:r>
+              <a:rPr lang="pt-BR" sz="2400" dirty="0">
+                <a:solidFill>
+                  <a:srgbClr val="000000"/>
+                </a:solidFill>
+                <a:latin typeface="Blinker"/>
+              </a:rPr>
+              <a:t>Descrição: libera as funções presentes no pacote.</a:t>
+            </a:r>
+          </a:p>
+          <a:p>
+            <a:pPr marL="727074" lvl="1" indent="-457200" algn="just">
+              <a:lnSpc>
+                <a:spcPct val="150000"/>
+              </a:lnSpc>
+              <a:buAutoNum type="arabicParenR"/>
+            </a:pPr>
+            <a:r>
+              <a:rPr lang="pt-BR" sz="2400" b="1" dirty="0">
+                <a:solidFill>
+                  <a:srgbClr val="000000"/>
+                </a:solidFill>
+                <a:latin typeface="Blinker"/>
+              </a:rPr>
+              <a:t>Importação de dados no </a:t>
+            </a:r>
+            <a:r>
+              <a:rPr lang="pt-BR" sz="2400" b="1" dirty="0" err="1">
+                <a:solidFill>
+                  <a:srgbClr val="000000"/>
+                </a:solidFill>
+                <a:latin typeface="Blinker"/>
+              </a:rPr>
+              <a:t>Rstudio</a:t>
+            </a:r>
+            <a:r>
+              <a:rPr lang="pt-BR" sz="2400" b="1" dirty="0">
+                <a:solidFill>
+                  <a:srgbClr val="000000"/>
+                </a:solidFill>
+                <a:latin typeface="Blinker"/>
+              </a:rPr>
+              <a:t>: </a:t>
+            </a:r>
+          </a:p>
+          <a:p>
+            <a:pPr marL="269874" lvl="1" algn="just">
+              <a:lnSpc>
+                <a:spcPct val="150000"/>
+              </a:lnSpc>
+            </a:pPr>
+            <a:r>
+              <a:rPr lang="pt-BR" sz="2400" b="1" dirty="0">
+                <a:solidFill>
+                  <a:srgbClr val="000000"/>
+                </a:solidFill>
+                <a:latin typeface="Blinker"/>
+              </a:rPr>
+              <a:t>Formatos Comuns de Dados</a:t>
+            </a:r>
+          </a:p>
+          <a:p>
+            <a:pPr marL="727074" lvl="1" indent="-457200" algn="just">
+              <a:lnSpc>
+                <a:spcPct val="150000"/>
+              </a:lnSpc>
+              <a:buFont typeface="Arial" panose="020B0604020202020204" pitchFamily="34" charset="0"/>
+              <a:buChar char="•"/>
+            </a:pPr>
+            <a:r>
+              <a:rPr lang="pt-BR" sz="2400" dirty="0">
+                <a:solidFill>
+                  <a:srgbClr val="000000"/>
+                </a:solidFill>
+                <a:latin typeface="Blinker"/>
+              </a:rPr>
+              <a:t>CSV (</a:t>
+            </a:r>
+            <a:r>
+              <a:rPr lang="pt-BR" sz="2400" dirty="0" err="1">
+                <a:solidFill>
+                  <a:srgbClr val="000000"/>
+                </a:solidFill>
+                <a:latin typeface="Blinker"/>
+              </a:rPr>
+              <a:t>Comma-Separated</a:t>
+            </a:r>
+            <a:r>
+              <a:rPr lang="pt-BR" sz="2400" dirty="0">
+                <a:solidFill>
+                  <a:srgbClr val="000000"/>
+                </a:solidFill>
+                <a:latin typeface="Blinker"/>
+              </a:rPr>
+              <a:t> </a:t>
+            </a:r>
+            <a:r>
+              <a:rPr lang="pt-BR" sz="2400" dirty="0" err="1">
+                <a:solidFill>
+                  <a:srgbClr val="000000"/>
+                </a:solidFill>
+                <a:latin typeface="Blinker"/>
+              </a:rPr>
+              <a:t>Values</a:t>
+            </a:r>
+            <a:r>
+              <a:rPr lang="pt-BR" sz="2400" dirty="0">
+                <a:solidFill>
+                  <a:srgbClr val="000000"/>
+                </a:solidFill>
+                <a:latin typeface="Blinker"/>
+              </a:rPr>
+              <a:t>)</a:t>
+            </a:r>
+          </a:p>
+          <a:p>
+            <a:pPr marL="727074" lvl="1" indent="-457200" algn="just">
+              <a:lnSpc>
+                <a:spcPct val="150000"/>
+              </a:lnSpc>
+              <a:buFont typeface="Arial" panose="020B0604020202020204" pitchFamily="34" charset="0"/>
+              <a:buChar char="•"/>
+            </a:pPr>
+            <a:r>
+              <a:rPr lang="pt-BR" sz="2400" dirty="0">
+                <a:solidFill>
+                  <a:srgbClr val="000000"/>
+                </a:solidFill>
+                <a:latin typeface="Blinker"/>
+              </a:rPr>
+              <a:t>Excel (XLS, XLSX)</a:t>
+            </a:r>
+          </a:p>
+          <a:p>
+            <a:pPr marL="727074" lvl="1" indent="-457200" algn="just">
+              <a:lnSpc>
+                <a:spcPct val="150000"/>
+              </a:lnSpc>
+              <a:buFont typeface="Arial" panose="020B0604020202020204" pitchFamily="34" charset="0"/>
+              <a:buChar char="•"/>
+            </a:pPr>
+            <a:r>
+              <a:rPr lang="pt-BR" sz="2400" dirty="0">
+                <a:solidFill>
+                  <a:srgbClr val="000000"/>
+                </a:solidFill>
+                <a:latin typeface="Blinker"/>
+              </a:rPr>
+              <a:t>Texto (TXT)</a:t>
+            </a:r>
+          </a:p>
+          <a:p>
+            <a:pPr marL="727074" lvl="1" indent="-457200" algn="just">
+              <a:lnSpc>
+                <a:spcPct val="150000"/>
+              </a:lnSpc>
+              <a:buFont typeface="Arial" panose="020B0604020202020204" pitchFamily="34" charset="0"/>
+              <a:buChar char="•"/>
+            </a:pPr>
+            <a:r>
+              <a:rPr lang="pt-BR" sz="2400" dirty="0">
+                <a:solidFill>
+                  <a:srgbClr val="000000"/>
+                </a:solidFill>
+                <a:latin typeface="Blinker"/>
+              </a:rPr>
+              <a:t>DTA (</a:t>
+            </a:r>
+            <a:r>
+              <a:rPr lang="pt-BR" sz="2400" dirty="0" err="1">
+                <a:solidFill>
+                  <a:srgbClr val="000000"/>
+                </a:solidFill>
+                <a:latin typeface="Blinker"/>
+              </a:rPr>
+              <a:t>Stata</a:t>
+            </a:r>
+            <a:r>
+              <a:rPr lang="pt-BR" sz="2400" dirty="0">
+                <a:solidFill>
+                  <a:srgbClr val="000000"/>
+                </a:solidFill>
+                <a:latin typeface="Blinker"/>
+              </a:rPr>
+              <a:t>)</a:t>
+            </a:r>
+          </a:p>
+          <a:p>
+            <a:pPr marL="269874" lvl="1" algn="just">
+              <a:lnSpc>
+                <a:spcPct val="150000"/>
+              </a:lnSpc>
+            </a:pPr>
+            <a:endParaRPr lang="pt-BR" sz="2400" dirty="0">
+              <a:solidFill>
+                <a:srgbClr val="000000"/>
+              </a:solidFill>
+              <a:latin typeface="Blinker"/>
+            </a:endParaRPr>
+          </a:p>
+          <a:p>
+            <a:pPr marL="269874" lvl="1" algn="just">
+              <a:lnSpc>
+                <a:spcPct val="150000"/>
+              </a:lnSpc>
+            </a:pPr>
+            <a:endParaRPr lang="pt-BR" sz="2400" dirty="0">
+              <a:solidFill>
+                <a:srgbClr val="000000"/>
+              </a:solidFill>
+              <a:latin typeface="Blinker"/>
+            </a:endParaRPr>
+          </a:p>
+          <a:p>
+            <a:pPr marL="269874" lvl="1" algn="just">
+              <a:lnSpc>
+                <a:spcPct val="150000"/>
+              </a:lnSpc>
+            </a:pPr>
+            <a:endParaRPr lang="pt-BR" sz="2400" dirty="0">
+              <a:solidFill>
+                <a:srgbClr val="000000"/>
+              </a:solidFill>
+              <a:latin typeface="Blinker"/>
+            </a:endParaRPr>
+          </a:p>
+          <a:p>
+            <a:pPr marL="269874" lvl="1" algn="just">
+              <a:lnSpc>
+                <a:spcPct val="150000"/>
+              </a:lnSpc>
+            </a:pPr>
+            <a:r>
+              <a:rPr lang="pt-BR" sz="2400" b="1" dirty="0">
+                <a:solidFill>
+                  <a:srgbClr val="000000"/>
+                </a:solidFill>
+                <a:latin typeface="Blinker"/>
+              </a:rPr>
+              <a:t>5) Pipe  </a:t>
+            </a:r>
+            <a:r>
+              <a:rPr lang="pt-BR" sz="2400" dirty="0">
+                <a:solidFill>
+                  <a:srgbClr val="000000"/>
+                </a:solidFill>
+                <a:latin typeface="Blinker"/>
+              </a:rPr>
+              <a:t>Descrição: Facilitar a leitura e escrita de código em R ao permitir a passagem de um objeto de uma função para outra sem a necessidade de criar variáveis intermediárias. </a:t>
+            </a:r>
+            <a:r>
+              <a:rPr lang="pt-BR" sz="2400" b="1" dirty="0">
+                <a:solidFill>
+                  <a:srgbClr val="000000"/>
+                </a:solidFill>
+                <a:latin typeface="Blinker"/>
+              </a:rPr>
+              <a:t>(%&gt;% ou |&gt;)</a:t>
             </a:r>
           </a:p>
         </p:txBody>
@@ -7870,7 +7819,7 @@
           <p:cNvPr id="3" name="Picture 2">
             <a:extLst>
               <a:ext uri="{FF2B5EF4-FFF2-40B4-BE49-F238E27FC236}">
-                <a16:creationId xmlns:a16="http://schemas.microsoft.com/office/drawing/2014/main" id="{09203C40-1191-22D7-6844-F11923157275}"/>
+                <a16:creationId xmlns:a16="http://schemas.microsoft.com/office/drawing/2014/main" id="{9381FBEE-3995-5D5D-07B6-B83B49B44FD0}"/>
               </a:ext>
             </a:extLst>
           </p:cNvPr>
@@ -7912,10 +7861,3412 @@
           </a:extLst>
         </p:spPr>
       </p:pic>
+      <p:pic>
+        <p:nvPicPr>
+          <p:cNvPr id="4" name="Imagem 3">
+            <a:extLst>
+              <a:ext uri="{FF2B5EF4-FFF2-40B4-BE49-F238E27FC236}">
+                <a16:creationId xmlns:a16="http://schemas.microsoft.com/office/drawing/2014/main" id="{36BC780B-AFD6-DC4A-F2BD-AFEACC554857}"/>
+              </a:ext>
+            </a:extLst>
+          </p:cNvPr>
+          <p:cNvPicPr>
+            <a:picLocks noChangeAspect="1"/>
+          </p:cNvPicPr>
+          <p:nvPr/>
+        </p:nvPicPr>
+        <p:blipFill>
+          <a:blip r:embed="rId3"/>
+          <a:stretch>
+            <a:fillRect/>
+          </a:stretch>
+        </p:blipFill>
+        <p:spPr>
+          <a:xfrm>
+            <a:off x="11430000" y="1746072"/>
+            <a:ext cx="4601217" cy="2238687"/>
+          </a:xfrm>
+          <a:prstGeom prst="rect">
+            <a:avLst/>
+          </a:prstGeom>
+        </p:spPr>
+      </p:pic>
+      <p:sp>
+        <p:nvSpPr>
+          <p:cNvPr id="8" name="Retângulo: Cantos Arredondados 7">
+            <a:extLst>
+              <a:ext uri="{FF2B5EF4-FFF2-40B4-BE49-F238E27FC236}">
+                <a16:creationId xmlns:a16="http://schemas.microsoft.com/office/drawing/2014/main" id="{AF7F9C21-8F21-3772-72FD-323D57A3AB57}"/>
+              </a:ext>
+            </a:extLst>
+          </p:cNvPr>
+          <p:cNvSpPr/>
+          <p:nvPr/>
+        </p:nvSpPr>
+        <p:spPr>
+          <a:xfrm>
+            <a:off x="11430000" y="1943100"/>
+            <a:ext cx="685800" cy="381000"/>
+          </a:xfrm>
+          <a:prstGeom prst="roundRect">
+            <a:avLst/>
+          </a:prstGeom>
+          <a:noFill/>
+        </p:spPr>
+        <p:style>
+          <a:lnRef idx="2">
+            <a:schemeClr val="accent6"/>
+          </a:lnRef>
+          <a:fillRef idx="1">
+            <a:schemeClr val="lt1"/>
+          </a:fillRef>
+          <a:effectRef idx="0">
+            <a:schemeClr val="accent6"/>
+          </a:effectRef>
+          <a:fontRef idx="minor">
+            <a:schemeClr val="dk1"/>
+          </a:fontRef>
+        </p:style>
+        <p:txBody>
+          <a:bodyPr rtlCol="0" anchor="ctr"/>
+          <a:lstStyle/>
+          <a:p>
+            <a:pPr algn="ctr"/>
+            <a:endParaRPr lang="pt-BR"/>
+          </a:p>
+        </p:txBody>
+      </p:sp>
+      <p:sp>
+        <p:nvSpPr>
+          <p:cNvPr id="9" name="Seta: para a Direita 8">
+            <a:extLst>
+              <a:ext uri="{FF2B5EF4-FFF2-40B4-BE49-F238E27FC236}">
+                <a16:creationId xmlns:a16="http://schemas.microsoft.com/office/drawing/2014/main" id="{D62FA0D3-7E02-9267-41C3-206723D4F6C2}"/>
+              </a:ext>
+            </a:extLst>
+          </p:cNvPr>
+          <p:cNvSpPr/>
+          <p:nvPr/>
+        </p:nvSpPr>
+        <p:spPr>
+          <a:xfrm>
+            <a:off x="9934866" y="2577524"/>
+            <a:ext cx="762000" cy="325991"/>
+          </a:xfrm>
+          <a:prstGeom prst="rightArrow">
+            <a:avLst/>
+          </a:prstGeom>
+        </p:spPr>
+        <p:style>
+          <a:lnRef idx="2">
+            <a:schemeClr val="accent1">
+              <a:shade val="15000"/>
+            </a:schemeClr>
+          </a:lnRef>
+          <a:fillRef idx="1">
+            <a:schemeClr val="accent1"/>
+          </a:fillRef>
+          <a:effectRef idx="0">
+            <a:schemeClr val="accent1"/>
+          </a:effectRef>
+          <a:fontRef idx="minor">
+            <a:schemeClr val="lt1"/>
+          </a:fontRef>
+        </p:style>
+        <p:txBody>
+          <a:bodyPr rtlCol="0" anchor="ctr"/>
+          <a:lstStyle/>
+          <a:p>
+            <a:pPr algn="ctr"/>
+            <a:endParaRPr lang="pt-BR"/>
+          </a:p>
+        </p:txBody>
+      </p:sp>
+      <p:sp>
+        <p:nvSpPr>
+          <p:cNvPr id="15" name="Seta: para a Direita 14">
+            <a:extLst>
+              <a:ext uri="{FF2B5EF4-FFF2-40B4-BE49-F238E27FC236}">
+                <a16:creationId xmlns:a16="http://schemas.microsoft.com/office/drawing/2014/main" id="{469E3123-8498-7026-1743-04A05B4411EE}"/>
+              </a:ext>
+            </a:extLst>
+          </p:cNvPr>
+          <p:cNvSpPr/>
+          <p:nvPr/>
+        </p:nvSpPr>
+        <p:spPr>
+          <a:xfrm>
+            <a:off x="3971635" y="6210486"/>
+            <a:ext cx="380999" cy="533400"/>
+          </a:xfrm>
+          <a:prstGeom prst="rightArrow">
+            <a:avLst/>
+          </a:prstGeom>
+        </p:spPr>
+        <p:style>
+          <a:lnRef idx="2">
+            <a:schemeClr val="accent1">
+              <a:shade val="15000"/>
+            </a:schemeClr>
+          </a:lnRef>
+          <a:fillRef idx="1">
+            <a:schemeClr val="accent1"/>
+          </a:fillRef>
+          <a:effectRef idx="0">
+            <a:schemeClr val="accent1"/>
+          </a:effectRef>
+          <a:fontRef idx="minor">
+            <a:schemeClr val="lt1"/>
+          </a:fontRef>
+        </p:style>
+        <p:txBody>
+          <a:bodyPr rtlCol="0" anchor="ctr"/>
+          <a:lstStyle/>
+          <a:p>
+            <a:pPr algn="ctr"/>
+            <a:endParaRPr lang="pt-BR"/>
+          </a:p>
+        </p:txBody>
+      </p:sp>
+      <p:pic>
+        <p:nvPicPr>
+          <p:cNvPr id="17" name="Imagem 16">
+            <a:extLst>
+              <a:ext uri="{FF2B5EF4-FFF2-40B4-BE49-F238E27FC236}">
+                <a16:creationId xmlns:a16="http://schemas.microsoft.com/office/drawing/2014/main" id="{E4B79B01-504B-5D73-38A0-24149E4B8653}"/>
+              </a:ext>
+            </a:extLst>
+          </p:cNvPr>
+          <p:cNvPicPr>
+            <a:picLocks noChangeAspect="1"/>
+          </p:cNvPicPr>
+          <p:nvPr/>
+        </p:nvPicPr>
+        <p:blipFill>
+          <a:blip r:embed="rId4"/>
+          <a:stretch>
+            <a:fillRect/>
+          </a:stretch>
+        </p:blipFill>
+        <p:spPr>
+          <a:xfrm>
+            <a:off x="5038434" y="5143500"/>
+            <a:ext cx="4172532" cy="2667372"/>
+          </a:xfrm>
+          <a:prstGeom prst="rect">
+            <a:avLst/>
+          </a:prstGeom>
+        </p:spPr>
+      </p:pic>
+      <p:pic>
+        <p:nvPicPr>
+          <p:cNvPr id="20" name="Imagem 19">
+            <a:extLst>
+              <a:ext uri="{FF2B5EF4-FFF2-40B4-BE49-F238E27FC236}">
+                <a16:creationId xmlns:a16="http://schemas.microsoft.com/office/drawing/2014/main" id="{0A0C51F5-C130-B3C2-A8F8-70DD8B887F0B}"/>
+              </a:ext>
+            </a:extLst>
+          </p:cNvPr>
+          <p:cNvPicPr>
+            <a:picLocks noChangeAspect="1"/>
+          </p:cNvPicPr>
+          <p:nvPr/>
+        </p:nvPicPr>
+        <p:blipFill>
+          <a:blip r:embed="rId5"/>
+          <a:stretch>
+            <a:fillRect/>
+          </a:stretch>
+        </p:blipFill>
+        <p:spPr>
+          <a:xfrm>
+            <a:off x="10423453" y="4850880"/>
+            <a:ext cx="7580160" cy="3690048"/>
+          </a:xfrm>
+          <a:prstGeom prst="rect">
+            <a:avLst/>
+          </a:prstGeom>
+        </p:spPr>
+      </p:pic>
+      <p:sp>
+        <p:nvSpPr>
+          <p:cNvPr id="21" name="Seta: para a Direita 20">
+            <a:extLst>
+              <a:ext uri="{FF2B5EF4-FFF2-40B4-BE49-F238E27FC236}">
+                <a16:creationId xmlns:a16="http://schemas.microsoft.com/office/drawing/2014/main" id="{220E5EB3-025E-0360-415B-EE60BCA893D0}"/>
+              </a:ext>
+            </a:extLst>
+          </p:cNvPr>
+          <p:cNvSpPr/>
+          <p:nvPr/>
+        </p:nvSpPr>
+        <p:spPr>
+          <a:xfrm>
+            <a:off x="9744367" y="6267822"/>
+            <a:ext cx="380999" cy="533400"/>
+          </a:xfrm>
+          <a:prstGeom prst="rightArrow">
+            <a:avLst/>
+          </a:prstGeom>
+        </p:spPr>
+        <p:style>
+          <a:lnRef idx="2">
+            <a:schemeClr val="accent1">
+              <a:shade val="15000"/>
+            </a:schemeClr>
+          </a:lnRef>
+          <a:fillRef idx="1">
+            <a:schemeClr val="accent1"/>
+          </a:fillRef>
+          <a:effectRef idx="0">
+            <a:schemeClr val="accent1"/>
+          </a:effectRef>
+          <a:fontRef idx="minor">
+            <a:schemeClr val="lt1"/>
+          </a:fontRef>
+        </p:style>
+        <p:txBody>
+          <a:bodyPr rtlCol="0" anchor="ctr"/>
+          <a:lstStyle/>
+          <a:p>
+            <a:pPr algn="ctr"/>
+            <a:endParaRPr lang="pt-BR"/>
+          </a:p>
+        </p:txBody>
+      </p:sp>
+      <p:sp>
+        <p:nvSpPr>
+          <p:cNvPr id="22" name="Elipse 21">
+            <a:extLst>
+              <a:ext uri="{FF2B5EF4-FFF2-40B4-BE49-F238E27FC236}">
+                <a16:creationId xmlns:a16="http://schemas.microsoft.com/office/drawing/2014/main" id="{078D3652-AEA3-3DE2-8FB4-D33230D71E6E}"/>
+              </a:ext>
+            </a:extLst>
+          </p:cNvPr>
+          <p:cNvSpPr/>
+          <p:nvPr/>
+        </p:nvSpPr>
+        <p:spPr>
+          <a:xfrm>
+            <a:off x="17317813" y="4991100"/>
+            <a:ext cx="741587" cy="533400"/>
+          </a:xfrm>
+          <a:prstGeom prst="ellipse">
+            <a:avLst/>
+          </a:prstGeom>
+          <a:noFill/>
+          <a:ln>
+            <a:solidFill>
+              <a:srgbClr val="C00000"/>
+            </a:solidFill>
+          </a:ln>
+        </p:spPr>
+        <p:style>
+          <a:lnRef idx="2">
+            <a:schemeClr val="accent1">
+              <a:shade val="15000"/>
+            </a:schemeClr>
+          </a:lnRef>
+          <a:fillRef idx="1">
+            <a:schemeClr val="accent1"/>
+          </a:fillRef>
+          <a:effectRef idx="0">
+            <a:schemeClr val="accent1"/>
+          </a:effectRef>
+          <a:fontRef idx="minor">
+            <a:schemeClr val="lt1"/>
+          </a:fontRef>
+        </p:style>
+        <p:txBody>
+          <a:bodyPr rtlCol="0" anchor="ctr"/>
+          <a:lstStyle/>
+          <a:p>
+            <a:pPr algn="ctr"/>
+            <a:endParaRPr lang="pt-BR"/>
+          </a:p>
+        </p:txBody>
+      </p:sp>
     </p:spTree>
     <p:extLst>
       <p:ext uri="{BB962C8B-B14F-4D97-AF65-F5344CB8AC3E}">
-        <p14:creationId xmlns:p14="http://schemas.microsoft.com/office/powerpoint/2010/main" val="3151508826"/>
+        <p14:creationId xmlns:p14="http://schemas.microsoft.com/office/powerpoint/2010/main" val="2385583472"/>
+      </p:ext>
+    </p:extLst>
+  </p:cSld>
+  <p:clrMapOvr>
+    <a:masterClrMapping/>
+  </p:clrMapOvr>
+</p:sld>
+</file>
+
+<file path=ppt/slides/slide7.xml><?xml version="1.0" encoding="utf-8"?>
+<p:sld xmlns:a="http://schemas.openxmlformats.org/drawingml/2006/main" xmlns:r="http://schemas.openxmlformats.org/officeDocument/2006/relationships" xmlns:p="http://schemas.openxmlformats.org/presentationml/2006/main">
+  <p:cSld>
+    <p:bg>
+      <p:bgPr>
+        <a:solidFill>
+          <a:srgbClr val="FEFEFE"/>
+        </a:solidFill>
+        <a:effectLst/>
+      </p:bgPr>
+    </p:bg>
+    <p:spTree>
+      <p:nvGrpSpPr>
+        <p:cNvPr id="1" name="">
+          <a:extLst>
+            <a:ext uri="{FF2B5EF4-FFF2-40B4-BE49-F238E27FC236}">
+              <a16:creationId xmlns:a16="http://schemas.microsoft.com/office/drawing/2014/main" id="{26D87F50-F733-F1D5-E110-BB56E694A798}"/>
+            </a:ext>
+          </a:extLst>
+        </p:cNvPr>
+        <p:cNvGrpSpPr/>
+        <p:nvPr/>
+      </p:nvGrpSpPr>
+      <p:grpSpPr>
+        <a:xfrm>
+          <a:off x="0" y="0"/>
+          <a:ext cx="0" cy="0"/>
+          <a:chOff x="0" y="0"/>
+          <a:chExt cx="0" cy="0"/>
+        </a:xfrm>
+      </p:grpSpPr>
+      <p:sp>
+        <p:nvSpPr>
+          <p:cNvPr id="18" name="TextBox 18">
+            <a:extLst>
+              <a:ext uri="{FF2B5EF4-FFF2-40B4-BE49-F238E27FC236}">
+                <a16:creationId xmlns:a16="http://schemas.microsoft.com/office/drawing/2014/main" id="{621C9388-8A60-B1B1-F227-C06920513A9F}"/>
+              </a:ext>
+            </a:extLst>
+          </p:cNvPr>
+          <p:cNvSpPr txBox="1"/>
+          <p:nvPr/>
+        </p:nvSpPr>
+        <p:spPr>
+          <a:xfrm>
+            <a:off x="668796" y="522629"/>
+            <a:ext cx="14342604" cy="1077218"/>
+          </a:xfrm>
+          <a:prstGeom prst="rect">
+            <a:avLst/>
+          </a:prstGeom>
+        </p:spPr>
+        <p:txBody>
+          <a:bodyPr wrap="square" lIns="0" tIns="0" rIns="0" bIns="0" rtlCol="0" anchor="t">
+            <a:spAutoFit/>
+          </a:bodyPr>
+          <a:lstStyle/>
+          <a:p>
+            <a:pPr>
+              <a:spcBef>
+                <a:spcPct val="0"/>
+              </a:spcBef>
+            </a:pPr>
+            <a:r>
+              <a:rPr lang="pt-BR" sz="7000" dirty="0">
+                <a:solidFill>
+                  <a:srgbClr val="000000"/>
+                </a:solidFill>
+                <a:latin typeface="Blinker Bold"/>
+              </a:rPr>
+              <a:t>Principais funções do </a:t>
+            </a:r>
+            <a:r>
+              <a:rPr lang="pt-BR" sz="7000" dirty="0" err="1">
+                <a:solidFill>
+                  <a:srgbClr val="000000"/>
+                </a:solidFill>
+                <a:latin typeface="Blinker Bold"/>
+              </a:rPr>
+              <a:t>dplyr</a:t>
+            </a:r>
+            <a:endParaRPr lang="pt-BR" sz="7000" dirty="0">
+              <a:solidFill>
+                <a:srgbClr val="000000"/>
+              </a:solidFill>
+              <a:latin typeface="Blinker Bold"/>
+            </a:endParaRPr>
+          </a:p>
+        </p:txBody>
+      </p:sp>
+      <p:grpSp>
+        <p:nvGrpSpPr>
+          <p:cNvPr id="10" name="Group 4">
+            <a:extLst>
+              <a:ext uri="{FF2B5EF4-FFF2-40B4-BE49-F238E27FC236}">
+                <a16:creationId xmlns:a16="http://schemas.microsoft.com/office/drawing/2014/main" id="{FE920EEC-F64E-6C04-A3EA-22BECFAD1BCB}"/>
+              </a:ext>
+            </a:extLst>
+          </p:cNvPr>
+          <p:cNvGrpSpPr/>
+          <p:nvPr/>
+        </p:nvGrpSpPr>
+        <p:grpSpPr>
+          <a:xfrm rot="10800000">
+            <a:off x="14579538" y="0"/>
+            <a:ext cx="3708462" cy="4130984"/>
+            <a:chOff x="9671104" y="-2744183"/>
+            <a:chExt cx="8209447" cy="4807171"/>
+          </a:xfrm>
+        </p:grpSpPr>
+        <p:sp>
+          <p:nvSpPr>
+            <p:cNvPr id="11" name="Freeform 5">
+              <a:extLst>
+                <a:ext uri="{FF2B5EF4-FFF2-40B4-BE49-F238E27FC236}">
+                  <a16:creationId xmlns:a16="http://schemas.microsoft.com/office/drawing/2014/main" id="{0D497C47-B1D1-0B73-63E6-40888EF96F15}"/>
+                </a:ext>
+              </a:extLst>
+            </p:cNvPr>
+            <p:cNvSpPr/>
+            <p:nvPr/>
+          </p:nvSpPr>
+          <p:spPr>
+            <a:xfrm>
+              <a:off x="9671104" y="-2744183"/>
+              <a:ext cx="8209447" cy="4807171"/>
+            </a:xfrm>
+            <a:custGeom>
+              <a:avLst/>
+              <a:gdLst/>
+              <a:ahLst/>
+              <a:cxnLst/>
+              <a:rect l="l" t="t" r="r" b="b"/>
+              <a:pathLst>
+                <a:path w="8209447" h="4807171">
+                  <a:moveTo>
+                    <a:pt x="8209447" y="4807171"/>
+                  </a:moveTo>
+                  <a:lnTo>
+                    <a:pt x="0" y="4807171"/>
+                  </a:lnTo>
+                  <a:lnTo>
+                    <a:pt x="0" y="0"/>
+                  </a:lnTo>
+                  <a:lnTo>
+                    <a:pt x="8209447" y="4807171"/>
+                  </a:lnTo>
+                  <a:close/>
+                </a:path>
+              </a:pathLst>
+            </a:custGeom>
+            <a:solidFill>
+              <a:schemeClr val="accent1">
+                <a:lumMod val="60000"/>
+                <a:lumOff val="40000"/>
+              </a:schemeClr>
+            </a:solidFill>
+          </p:spPr>
+          <p:txBody>
+            <a:bodyPr/>
+            <a:lstStyle/>
+            <a:p>
+              <a:endParaRPr lang="pt-BR" dirty="0"/>
+            </a:p>
+          </p:txBody>
+        </p:sp>
+      </p:grpSp>
+      <p:grpSp>
+        <p:nvGrpSpPr>
+          <p:cNvPr id="12" name="Group 2">
+            <a:extLst>
+              <a:ext uri="{FF2B5EF4-FFF2-40B4-BE49-F238E27FC236}">
+                <a16:creationId xmlns:a16="http://schemas.microsoft.com/office/drawing/2014/main" id="{F9307C9B-F0CF-7F47-A733-31360B334B44}"/>
+              </a:ext>
+            </a:extLst>
+          </p:cNvPr>
+          <p:cNvGrpSpPr/>
+          <p:nvPr/>
+        </p:nvGrpSpPr>
+        <p:grpSpPr>
+          <a:xfrm>
+            <a:off x="0" y="6156455"/>
+            <a:ext cx="3581400" cy="4130546"/>
+            <a:chOff x="0" y="708640"/>
+            <a:chExt cx="5353493" cy="8540548"/>
+          </a:xfrm>
+        </p:grpSpPr>
+        <p:sp>
+          <p:nvSpPr>
+            <p:cNvPr id="13" name="Freeform 3">
+              <a:extLst>
+                <a:ext uri="{FF2B5EF4-FFF2-40B4-BE49-F238E27FC236}">
+                  <a16:creationId xmlns:a16="http://schemas.microsoft.com/office/drawing/2014/main" id="{EDB434AA-481E-8022-FB23-DD49B5340200}"/>
+                </a:ext>
+              </a:extLst>
+            </p:cNvPr>
+            <p:cNvSpPr/>
+            <p:nvPr/>
+          </p:nvSpPr>
+          <p:spPr>
+            <a:xfrm>
+              <a:off x="0" y="708640"/>
+              <a:ext cx="5353493" cy="8540548"/>
+            </a:xfrm>
+            <a:custGeom>
+              <a:avLst/>
+              <a:gdLst/>
+              <a:ahLst/>
+              <a:cxnLst/>
+              <a:rect l="l" t="t" r="r" b="b"/>
+              <a:pathLst>
+                <a:path w="5353493" h="9373274">
+                  <a:moveTo>
+                    <a:pt x="5353493" y="9373274"/>
+                  </a:moveTo>
+                  <a:lnTo>
+                    <a:pt x="0" y="9373274"/>
+                  </a:lnTo>
+                  <a:lnTo>
+                    <a:pt x="0" y="0"/>
+                  </a:lnTo>
+                  <a:lnTo>
+                    <a:pt x="5353493" y="9373274"/>
+                  </a:lnTo>
+                  <a:close/>
+                </a:path>
+              </a:pathLst>
+            </a:custGeom>
+            <a:solidFill>
+              <a:schemeClr val="accent3">
+                <a:lumMod val="60000"/>
+                <a:lumOff val="40000"/>
+              </a:schemeClr>
+            </a:solidFill>
+          </p:spPr>
+          <p:txBody>
+            <a:bodyPr/>
+            <a:lstStyle/>
+            <a:p>
+              <a:endParaRPr lang="pt-BR" dirty="0"/>
+            </a:p>
+          </p:txBody>
+        </p:sp>
+      </p:grpSp>
+      <p:sp>
+        <p:nvSpPr>
+          <p:cNvPr id="14" name="TextBox 18">
+            <a:extLst>
+              <a:ext uri="{FF2B5EF4-FFF2-40B4-BE49-F238E27FC236}">
+                <a16:creationId xmlns:a16="http://schemas.microsoft.com/office/drawing/2014/main" id="{2D4DDB13-E8C7-D18C-F72D-7FE484967369}"/>
+              </a:ext>
+            </a:extLst>
+          </p:cNvPr>
+          <p:cNvSpPr txBox="1"/>
+          <p:nvPr/>
+        </p:nvSpPr>
+        <p:spPr>
+          <a:xfrm>
+            <a:off x="914400" y="1866900"/>
+            <a:ext cx="10515600" cy="8245334"/>
+          </a:xfrm>
+          <a:prstGeom prst="rect">
+            <a:avLst/>
+          </a:prstGeom>
+        </p:spPr>
+        <p:txBody>
+          <a:bodyPr wrap="square" lIns="0" tIns="0" rIns="0" bIns="0" rtlCol="0" anchor="t">
+            <a:spAutoFit/>
+          </a:bodyPr>
+          <a:lstStyle/>
+          <a:p>
+            <a:pPr marL="269874" lvl="1" algn="just">
+              <a:lnSpc>
+                <a:spcPct val="150000"/>
+              </a:lnSpc>
+            </a:pPr>
+            <a:r>
+              <a:rPr lang="pt-BR" sz="2400" dirty="0">
+                <a:solidFill>
+                  <a:srgbClr val="000000"/>
+                </a:solidFill>
+                <a:latin typeface="Blinker"/>
+              </a:rPr>
+              <a:t>1) </a:t>
+            </a:r>
+            <a:r>
+              <a:rPr lang="pt-BR" sz="2400" b="1" dirty="0" err="1">
+                <a:solidFill>
+                  <a:srgbClr val="000000"/>
+                </a:solidFill>
+                <a:latin typeface="Blinker"/>
+              </a:rPr>
+              <a:t>filter</a:t>
+            </a:r>
+            <a:r>
+              <a:rPr lang="pt-BR" sz="2400" b="1" dirty="0">
+                <a:solidFill>
+                  <a:srgbClr val="000000"/>
+                </a:solidFill>
+                <a:latin typeface="Blinker"/>
+              </a:rPr>
+              <a:t>() </a:t>
+            </a:r>
+            <a:r>
+              <a:rPr lang="pt-BR" sz="2400" dirty="0">
+                <a:solidFill>
+                  <a:srgbClr val="000000"/>
+                </a:solidFill>
+                <a:latin typeface="Blinker"/>
+              </a:rPr>
+              <a:t>Descrição: Filtra linhas de um data frame baseado em condições. </a:t>
+            </a:r>
+          </a:p>
+          <a:p>
+            <a:pPr marL="269874" lvl="1" algn="just">
+              <a:lnSpc>
+                <a:spcPct val="150000"/>
+              </a:lnSpc>
+            </a:pPr>
+            <a:r>
+              <a:rPr lang="pt-BR" sz="2400" dirty="0">
+                <a:solidFill>
+                  <a:srgbClr val="000000"/>
+                </a:solidFill>
+                <a:latin typeface="Blinker"/>
+              </a:rPr>
+              <a:t>Exemplo: </a:t>
+            </a:r>
+            <a:r>
+              <a:rPr lang="pt-BR" sz="2400" dirty="0" err="1">
+                <a:solidFill>
+                  <a:srgbClr val="000000"/>
+                </a:solidFill>
+                <a:latin typeface="Blinker"/>
+              </a:rPr>
+              <a:t>filter</a:t>
+            </a:r>
+            <a:r>
+              <a:rPr lang="pt-BR" sz="2400" dirty="0">
+                <a:solidFill>
+                  <a:srgbClr val="000000"/>
+                </a:solidFill>
+                <a:latin typeface="Blinker"/>
+              </a:rPr>
+              <a:t>(data, </a:t>
+            </a:r>
+            <a:r>
+              <a:rPr lang="pt-BR" sz="2400" dirty="0" err="1">
+                <a:solidFill>
+                  <a:srgbClr val="000000"/>
+                </a:solidFill>
+                <a:latin typeface="Blinker"/>
+              </a:rPr>
+              <a:t>condition</a:t>
+            </a:r>
+            <a:r>
+              <a:rPr lang="pt-BR" sz="2400" dirty="0">
+                <a:solidFill>
+                  <a:srgbClr val="000000"/>
+                </a:solidFill>
+                <a:latin typeface="Blinker"/>
+              </a:rPr>
+              <a:t> &gt; </a:t>
+            </a:r>
+            <a:r>
+              <a:rPr lang="pt-BR" sz="2400" dirty="0" err="1">
+                <a:solidFill>
+                  <a:srgbClr val="000000"/>
+                </a:solidFill>
+                <a:latin typeface="Blinker"/>
+              </a:rPr>
+              <a:t>value</a:t>
+            </a:r>
+            <a:r>
+              <a:rPr lang="pt-BR" sz="2400" dirty="0">
+                <a:solidFill>
+                  <a:srgbClr val="000000"/>
+                </a:solidFill>
+                <a:latin typeface="Blinker"/>
+              </a:rPr>
+              <a:t>)</a:t>
+            </a:r>
+          </a:p>
+          <a:p>
+            <a:pPr marL="269874" lvl="1" algn="just">
+              <a:lnSpc>
+                <a:spcPct val="150000"/>
+              </a:lnSpc>
+            </a:pPr>
+            <a:r>
+              <a:rPr lang="pt-BR" sz="2400" dirty="0">
+                <a:solidFill>
+                  <a:srgbClr val="000000"/>
+                </a:solidFill>
+                <a:latin typeface="Blinker"/>
+              </a:rPr>
+              <a:t>2)  </a:t>
+            </a:r>
+            <a:r>
+              <a:rPr lang="pt-BR" sz="2400" b="1" dirty="0" err="1">
+                <a:solidFill>
+                  <a:srgbClr val="000000"/>
+                </a:solidFill>
+                <a:latin typeface="Blinker"/>
+              </a:rPr>
+              <a:t>select</a:t>
+            </a:r>
+            <a:r>
+              <a:rPr lang="pt-BR" sz="2400" b="1" dirty="0">
+                <a:solidFill>
+                  <a:srgbClr val="000000"/>
+                </a:solidFill>
+                <a:latin typeface="Blinker"/>
+              </a:rPr>
+              <a:t>() </a:t>
+            </a:r>
+            <a:r>
+              <a:rPr lang="pt-BR" sz="2400" dirty="0">
+                <a:solidFill>
+                  <a:srgbClr val="000000"/>
+                </a:solidFill>
+                <a:latin typeface="Blinker"/>
+              </a:rPr>
+              <a:t>Descrição: Seleciona colunas específicas de um data frame. </a:t>
+            </a:r>
+          </a:p>
+          <a:p>
+            <a:pPr marL="269874" lvl="1" algn="just">
+              <a:lnSpc>
+                <a:spcPct val="150000"/>
+              </a:lnSpc>
+            </a:pPr>
+            <a:r>
+              <a:rPr lang="pt-BR" sz="2400" dirty="0">
+                <a:solidFill>
+                  <a:srgbClr val="000000"/>
+                </a:solidFill>
+                <a:latin typeface="Blinker"/>
+              </a:rPr>
+              <a:t>Exemplo: </a:t>
+            </a:r>
+            <a:r>
+              <a:rPr lang="pt-BR" sz="2400" dirty="0" err="1">
+                <a:solidFill>
+                  <a:srgbClr val="000000"/>
+                </a:solidFill>
+                <a:latin typeface="Blinker"/>
+              </a:rPr>
+              <a:t>select</a:t>
+            </a:r>
+            <a:r>
+              <a:rPr lang="pt-BR" sz="2400" dirty="0">
+                <a:solidFill>
+                  <a:srgbClr val="000000"/>
+                </a:solidFill>
+                <a:latin typeface="Blinker"/>
+              </a:rPr>
+              <a:t>(data, col1, col2) </a:t>
+            </a:r>
+          </a:p>
+          <a:p>
+            <a:pPr marL="269874" lvl="1" algn="just">
+              <a:lnSpc>
+                <a:spcPct val="150000"/>
+              </a:lnSpc>
+            </a:pPr>
+            <a:r>
+              <a:rPr lang="pt-BR" sz="2400" dirty="0">
+                <a:solidFill>
+                  <a:srgbClr val="000000"/>
+                </a:solidFill>
+                <a:latin typeface="Blinker"/>
+              </a:rPr>
+              <a:t>3) </a:t>
+            </a:r>
+            <a:r>
+              <a:rPr lang="pt-BR" sz="2400" b="1" dirty="0" err="1">
+                <a:solidFill>
+                  <a:srgbClr val="000000"/>
+                </a:solidFill>
+                <a:latin typeface="Blinker"/>
+              </a:rPr>
+              <a:t>mutate</a:t>
+            </a:r>
+            <a:r>
+              <a:rPr lang="pt-BR" sz="2400" b="1" dirty="0">
+                <a:solidFill>
+                  <a:srgbClr val="000000"/>
+                </a:solidFill>
+                <a:latin typeface="Blinker"/>
+              </a:rPr>
+              <a:t>() </a:t>
+            </a:r>
+            <a:r>
+              <a:rPr lang="pt-BR" sz="2400" dirty="0">
+                <a:solidFill>
+                  <a:srgbClr val="000000"/>
+                </a:solidFill>
+                <a:latin typeface="Blinker"/>
+              </a:rPr>
+              <a:t>Descrição: Adiciona novas colunas ou modifica as existentes. </a:t>
+            </a:r>
+          </a:p>
+          <a:p>
+            <a:pPr marL="269874" lvl="1" algn="just">
+              <a:lnSpc>
+                <a:spcPct val="150000"/>
+              </a:lnSpc>
+            </a:pPr>
+            <a:r>
+              <a:rPr lang="pt-BR" sz="2400" dirty="0">
+                <a:solidFill>
+                  <a:srgbClr val="000000"/>
+                </a:solidFill>
+                <a:latin typeface="Blinker"/>
+              </a:rPr>
+              <a:t>Exemplo: </a:t>
+            </a:r>
+            <a:r>
+              <a:rPr lang="pt-BR" sz="2400" dirty="0" err="1">
+                <a:solidFill>
+                  <a:srgbClr val="000000"/>
+                </a:solidFill>
+                <a:latin typeface="Blinker"/>
+              </a:rPr>
+              <a:t>mutate</a:t>
+            </a:r>
+            <a:r>
+              <a:rPr lang="pt-BR" sz="2400" dirty="0">
+                <a:solidFill>
+                  <a:srgbClr val="000000"/>
+                </a:solidFill>
+                <a:latin typeface="Blinker"/>
+              </a:rPr>
+              <a:t>(data, </a:t>
+            </a:r>
+            <a:r>
+              <a:rPr lang="pt-BR" sz="2400" dirty="0" err="1">
+                <a:solidFill>
+                  <a:srgbClr val="000000"/>
+                </a:solidFill>
+                <a:latin typeface="Blinker"/>
+              </a:rPr>
+              <a:t>new_col</a:t>
+            </a:r>
+            <a:r>
+              <a:rPr lang="pt-BR" sz="2400" dirty="0">
+                <a:solidFill>
+                  <a:srgbClr val="000000"/>
+                </a:solidFill>
+                <a:latin typeface="Blinker"/>
+              </a:rPr>
+              <a:t> = col1 + col2) </a:t>
+            </a:r>
+          </a:p>
+          <a:p>
+            <a:pPr marL="269874" lvl="1" algn="just">
+              <a:lnSpc>
+                <a:spcPct val="150000"/>
+              </a:lnSpc>
+            </a:pPr>
+            <a:r>
+              <a:rPr lang="pt-BR" sz="2400" dirty="0">
+                <a:solidFill>
+                  <a:srgbClr val="000000"/>
+                </a:solidFill>
+                <a:latin typeface="Blinker"/>
+              </a:rPr>
+              <a:t>4) </a:t>
+            </a:r>
+            <a:r>
+              <a:rPr lang="pt-BR" sz="2400" b="1" dirty="0" err="1">
+                <a:solidFill>
+                  <a:srgbClr val="000000"/>
+                </a:solidFill>
+                <a:latin typeface="Blinker"/>
+              </a:rPr>
+              <a:t>summarise</a:t>
+            </a:r>
+            <a:r>
+              <a:rPr lang="pt-BR" sz="2400" b="1" dirty="0">
+                <a:solidFill>
+                  <a:srgbClr val="000000"/>
+                </a:solidFill>
+                <a:latin typeface="Blinker"/>
+              </a:rPr>
+              <a:t>() </a:t>
+            </a:r>
+            <a:r>
+              <a:rPr lang="pt-BR" sz="2400" dirty="0">
+                <a:solidFill>
+                  <a:srgbClr val="000000"/>
+                </a:solidFill>
+                <a:latin typeface="Blinker"/>
+              </a:rPr>
+              <a:t>Descrição: Cria um resumo estatístico de diferentes variáveis. </a:t>
+            </a:r>
+          </a:p>
+          <a:p>
+            <a:pPr marL="269874" lvl="1" algn="just">
+              <a:lnSpc>
+                <a:spcPct val="150000"/>
+              </a:lnSpc>
+            </a:pPr>
+            <a:r>
+              <a:rPr lang="pt-BR" sz="2400" dirty="0">
+                <a:solidFill>
+                  <a:srgbClr val="000000"/>
+                </a:solidFill>
+                <a:latin typeface="Blinker"/>
+              </a:rPr>
+              <a:t>Exemplo: </a:t>
+            </a:r>
+            <a:r>
+              <a:rPr lang="pt-BR" sz="2400" dirty="0" err="1">
+                <a:solidFill>
+                  <a:srgbClr val="000000"/>
+                </a:solidFill>
+                <a:latin typeface="Blinker"/>
+              </a:rPr>
+              <a:t>summarise</a:t>
+            </a:r>
+            <a:r>
+              <a:rPr lang="pt-BR" sz="2400" dirty="0">
+                <a:solidFill>
+                  <a:srgbClr val="000000"/>
+                </a:solidFill>
+                <a:latin typeface="Blinker"/>
+              </a:rPr>
+              <a:t>(data, </a:t>
+            </a:r>
+            <a:r>
+              <a:rPr lang="pt-BR" sz="2400" dirty="0" err="1">
+                <a:solidFill>
+                  <a:srgbClr val="000000"/>
+                </a:solidFill>
+                <a:latin typeface="Blinker"/>
+              </a:rPr>
+              <a:t>average</a:t>
+            </a:r>
+            <a:r>
+              <a:rPr lang="pt-BR" sz="2400" dirty="0">
+                <a:solidFill>
+                  <a:srgbClr val="000000"/>
+                </a:solidFill>
+                <a:latin typeface="Blinker"/>
+              </a:rPr>
+              <a:t> = </a:t>
+            </a:r>
+            <a:r>
+              <a:rPr lang="pt-BR" sz="2400" dirty="0" err="1">
+                <a:solidFill>
+                  <a:srgbClr val="000000"/>
+                </a:solidFill>
+                <a:latin typeface="Blinker"/>
+              </a:rPr>
+              <a:t>mean</a:t>
+            </a:r>
+            <a:r>
+              <a:rPr lang="pt-BR" sz="2400" dirty="0">
+                <a:solidFill>
+                  <a:srgbClr val="000000"/>
+                </a:solidFill>
+                <a:latin typeface="Blinker"/>
+              </a:rPr>
+              <a:t>(</a:t>
+            </a:r>
+            <a:r>
+              <a:rPr lang="pt-BR" sz="2400" dirty="0" err="1">
+                <a:solidFill>
+                  <a:srgbClr val="000000"/>
+                </a:solidFill>
+                <a:latin typeface="Blinker"/>
+              </a:rPr>
+              <a:t>col</a:t>
+            </a:r>
+            <a:r>
+              <a:rPr lang="pt-BR" sz="2400" dirty="0">
+                <a:solidFill>
+                  <a:srgbClr val="000000"/>
+                </a:solidFill>
+                <a:latin typeface="Blinker"/>
+              </a:rPr>
+              <a:t>, na.rm = TRUE)) </a:t>
+            </a:r>
+          </a:p>
+          <a:p>
+            <a:pPr marL="269874" lvl="1" algn="just">
+              <a:lnSpc>
+                <a:spcPct val="150000"/>
+              </a:lnSpc>
+            </a:pPr>
+            <a:r>
+              <a:rPr lang="pt-BR" sz="2400" dirty="0">
+                <a:solidFill>
+                  <a:srgbClr val="000000"/>
+                </a:solidFill>
+                <a:latin typeface="Blinker"/>
+              </a:rPr>
+              <a:t>5) </a:t>
+            </a:r>
+            <a:r>
+              <a:rPr lang="pt-BR" sz="2400" b="1" dirty="0" err="1">
+                <a:solidFill>
+                  <a:srgbClr val="000000"/>
+                </a:solidFill>
+                <a:latin typeface="Blinker"/>
+              </a:rPr>
+              <a:t>arrange</a:t>
+            </a:r>
+            <a:r>
+              <a:rPr lang="pt-BR" sz="2400" b="1" dirty="0">
+                <a:solidFill>
+                  <a:srgbClr val="000000"/>
+                </a:solidFill>
+                <a:latin typeface="Blinker"/>
+              </a:rPr>
+              <a:t>() </a:t>
+            </a:r>
+            <a:r>
+              <a:rPr lang="pt-BR" sz="2400" dirty="0">
+                <a:solidFill>
+                  <a:srgbClr val="000000"/>
+                </a:solidFill>
+                <a:latin typeface="Blinker"/>
+              </a:rPr>
+              <a:t>Descrição: Ordena as linhas de um data frame. </a:t>
+            </a:r>
+          </a:p>
+          <a:p>
+            <a:pPr marL="269874" lvl="1" algn="just">
+              <a:lnSpc>
+                <a:spcPct val="150000"/>
+              </a:lnSpc>
+            </a:pPr>
+            <a:r>
+              <a:rPr lang="pt-BR" sz="2400" dirty="0">
+                <a:solidFill>
+                  <a:srgbClr val="000000"/>
+                </a:solidFill>
+                <a:latin typeface="Blinker"/>
+              </a:rPr>
+              <a:t>Exemplo: </a:t>
+            </a:r>
+            <a:r>
+              <a:rPr lang="pt-BR" sz="2400" dirty="0" err="1">
+                <a:solidFill>
+                  <a:srgbClr val="000000"/>
+                </a:solidFill>
+                <a:latin typeface="Blinker"/>
+              </a:rPr>
+              <a:t>arrange</a:t>
+            </a:r>
+            <a:r>
+              <a:rPr lang="pt-BR" sz="2400" dirty="0">
+                <a:solidFill>
+                  <a:srgbClr val="000000"/>
+                </a:solidFill>
+                <a:latin typeface="Blinker"/>
+              </a:rPr>
+              <a:t>(data, </a:t>
+            </a:r>
+            <a:r>
+              <a:rPr lang="pt-BR" sz="2400" dirty="0" err="1">
+                <a:solidFill>
+                  <a:srgbClr val="000000"/>
+                </a:solidFill>
+                <a:latin typeface="Blinker"/>
+              </a:rPr>
+              <a:t>col</a:t>
+            </a:r>
+            <a:r>
+              <a:rPr lang="pt-BR" sz="2400" dirty="0">
+                <a:solidFill>
+                  <a:srgbClr val="000000"/>
+                </a:solidFill>
+                <a:latin typeface="Blinker"/>
+              </a:rPr>
+              <a:t>) </a:t>
+            </a:r>
+          </a:p>
+          <a:p>
+            <a:pPr marL="269874" lvl="1" algn="just">
+              <a:lnSpc>
+                <a:spcPct val="150000"/>
+              </a:lnSpc>
+            </a:pPr>
+            <a:r>
+              <a:rPr lang="pt-BR" sz="2400" dirty="0">
+                <a:solidFill>
+                  <a:srgbClr val="000000"/>
+                </a:solidFill>
+                <a:latin typeface="Blinker"/>
+              </a:rPr>
+              <a:t>6) </a:t>
+            </a:r>
+            <a:r>
+              <a:rPr lang="pt-BR" sz="2400" b="1" dirty="0" err="1">
+                <a:solidFill>
+                  <a:srgbClr val="000000"/>
+                </a:solidFill>
+                <a:latin typeface="Blinker"/>
+              </a:rPr>
+              <a:t>group_by</a:t>
+            </a:r>
+            <a:r>
+              <a:rPr lang="pt-BR" sz="2400" b="1" dirty="0">
+                <a:solidFill>
+                  <a:srgbClr val="000000"/>
+                </a:solidFill>
+                <a:latin typeface="Blinker"/>
+              </a:rPr>
+              <a:t>() </a:t>
+            </a:r>
+            <a:r>
+              <a:rPr lang="pt-BR" sz="2400" dirty="0">
+                <a:solidFill>
+                  <a:srgbClr val="000000"/>
+                </a:solidFill>
+                <a:latin typeface="Blinker"/>
+              </a:rPr>
+              <a:t>Descrição: Agrupa o data frame por uma ou mais colunas. </a:t>
+            </a:r>
+          </a:p>
+          <a:p>
+            <a:pPr marL="269874" lvl="1" algn="just">
+              <a:lnSpc>
+                <a:spcPct val="150000"/>
+              </a:lnSpc>
+            </a:pPr>
+            <a:r>
+              <a:rPr lang="pt-BR" sz="2400" dirty="0">
+                <a:solidFill>
+                  <a:srgbClr val="000000"/>
+                </a:solidFill>
+                <a:latin typeface="Blinker"/>
+              </a:rPr>
+              <a:t>Exemplo: </a:t>
+            </a:r>
+            <a:r>
+              <a:rPr lang="pt-BR" sz="2400" dirty="0" err="1">
+                <a:solidFill>
+                  <a:srgbClr val="000000"/>
+                </a:solidFill>
+                <a:latin typeface="Blinker"/>
+              </a:rPr>
+              <a:t>group_by</a:t>
+            </a:r>
+            <a:r>
+              <a:rPr lang="pt-BR" sz="2400" dirty="0">
+                <a:solidFill>
+                  <a:srgbClr val="000000"/>
+                </a:solidFill>
+                <a:latin typeface="Blinker"/>
+              </a:rPr>
+              <a:t>(data, </a:t>
+            </a:r>
+            <a:r>
+              <a:rPr lang="pt-BR" sz="2400" dirty="0" err="1">
+                <a:solidFill>
+                  <a:srgbClr val="000000"/>
+                </a:solidFill>
+                <a:latin typeface="Blinker"/>
+              </a:rPr>
+              <a:t>group_col</a:t>
+            </a:r>
+            <a:r>
+              <a:rPr lang="pt-BR" sz="2400" dirty="0">
+                <a:solidFill>
+                  <a:srgbClr val="000000"/>
+                </a:solidFill>
+                <a:latin typeface="Blinker"/>
+              </a:rPr>
+              <a:t>)</a:t>
+            </a:r>
+          </a:p>
+          <a:p>
+            <a:pPr marL="269874" lvl="1" algn="just">
+              <a:lnSpc>
+                <a:spcPct val="150000"/>
+              </a:lnSpc>
+            </a:pPr>
+            <a:r>
+              <a:rPr lang="pt-BR" sz="2400" dirty="0">
+                <a:solidFill>
+                  <a:srgbClr val="000000"/>
+                </a:solidFill>
+                <a:latin typeface="Blinker"/>
+              </a:rPr>
+              <a:t>7) </a:t>
+            </a:r>
+            <a:r>
+              <a:rPr lang="pt-BR" sz="2400" b="1" dirty="0" err="1">
+                <a:solidFill>
+                  <a:srgbClr val="000000"/>
+                </a:solidFill>
+                <a:latin typeface="Blinker"/>
+              </a:rPr>
+              <a:t>join</a:t>
+            </a:r>
+            <a:r>
+              <a:rPr lang="pt-BR" sz="2400" b="1" dirty="0">
+                <a:solidFill>
+                  <a:srgbClr val="000000"/>
+                </a:solidFill>
+                <a:latin typeface="Blinker"/>
+              </a:rPr>
+              <a:t>() </a:t>
+            </a:r>
+            <a:r>
+              <a:rPr lang="pt-BR" sz="2400" dirty="0">
+                <a:solidFill>
+                  <a:srgbClr val="000000"/>
+                </a:solidFill>
+                <a:latin typeface="Blinker"/>
+              </a:rPr>
+              <a:t>(inclui </a:t>
+            </a:r>
+            <a:r>
+              <a:rPr lang="pt-BR" sz="2400" dirty="0" err="1">
+                <a:solidFill>
+                  <a:srgbClr val="000000"/>
+                </a:solidFill>
+                <a:latin typeface="Blinker"/>
+              </a:rPr>
+              <a:t>inner_join</a:t>
+            </a:r>
+            <a:r>
+              <a:rPr lang="pt-BR" sz="2400" dirty="0">
+                <a:solidFill>
+                  <a:srgbClr val="000000"/>
+                </a:solidFill>
+                <a:latin typeface="Blinker"/>
+              </a:rPr>
+              <a:t>, </a:t>
+            </a:r>
+            <a:r>
+              <a:rPr lang="pt-BR" sz="2400" dirty="0" err="1">
+                <a:solidFill>
+                  <a:srgbClr val="000000"/>
+                </a:solidFill>
+                <a:latin typeface="Blinker"/>
+              </a:rPr>
+              <a:t>left_Join</a:t>
+            </a:r>
+            <a:r>
+              <a:rPr lang="pt-BR" sz="2400" dirty="0">
+                <a:solidFill>
+                  <a:srgbClr val="000000"/>
+                </a:solidFill>
+                <a:latin typeface="Blinker"/>
+              </a:rPr>
+              <a:t> e </a:t>
+            </a:r>
+            <a:r>
+              <a:rPr lang="pt-BR" sz="2400" dirty="0" err="1">
+                <a:solidFill>
+                  <a:srgbClr val="000000"/>
+                </a:solidFill>
+                <a:latin typeface="Blinker"/>
+              </a:rPr>
+              <a:t>full_join</a:t>
+            </a:r>
+            <a:r>
+              <a:rPr lang="pt-BR" sz="2400" dirty="0">
+                <a:solidFill>
+                  <a:srgbClr val="000000"/>
+                </a:solidFill>
+                <a:latin typeface="Blinker"/>
+              </a:rPr>
+              <a:t>.) Descrição: Junta dois data frames baseado em colunas-chave. </a:t>
+            </a:r>
+          </a:p>
+          <a:p>
+            <a:pPr marL="269874" lvl="1" algn="just">
+              <a:lnSpc>
+                <a:spcPct val="150000"/>
+              </a:lnSpc>
+            </a:pPr>
+            <a:r>
+              <a:rPr lang="pt-BR" sz="2400" dirty="0">
+                <a:solidFill>
+                  <a:srgbClr val="000000"/>
+                </a:solidFill>
+                <a:latin typeface="Blinker"/>
+              </a:rPr>
+              <a:t>Exemplo: </a:t>
+            </a:r>
+            <a:r>
+              <a:rPr lang="pt-BR" sz="2400" dirty="0" err="1">
+                <a:solidFill>
+                  <a:srgbClr val="000000"/>
+                </a:solidFill>
+                <a:latin typeface="Blinker"/>
+              </a:rPr>
+              <a:t>inner_join</a:t>
+            </a:r>
+            <a:r>
+              <a:rPr lang="pt-BR" sz="2400" dirty="0">
+                <a:solidFill>
+                  <a:srgbClr val="000000"/>
+                </a:solidFill>
+                <a:latin typeface="Blinker"/>
+              </a:rPr>
+              <a:t>(data1, data2, </a:t>
+            </a:r>
+            <a:r>
+              <a:rPr lang="pt-BR" sz="2400" dirty="0" err="1">
+                <a:solidFill>
+                  <a:srgbClr val="000000"/>
+                </a:solidFill>
+                <a:latin typeface="Blinker"/>
+              </a:rPr>
+              <a:t>by</a:t>
+            </a:r>
+            <a:r>
+              <a:rPr lang="pt-BR" sz="2400" dirty="0">
+                <a:solidFill>
+                  <a:srgbClr val="000000"/>
+                </a:solidFill>
+                <a:latin typeface="Blinker"/>
+              </a:rPr>
+              <a:t> = "</a:t>
+            </a:r>
+            <a:r>
+              <a:rPr lang="pt-BR" sz="2400" dirty="0" err="1">
+                <a:solidFill>
+                  <a:srgbClr val="000000"/>
+                </a:solidFill>
+                <a:latin typeface="Blinker"/>
+              </a:rPr>
+              <a:t>key_col</a:t>
+            </a:r>
+            <a:r>
+              <a:rPr lang="pt-BR" sz="2400" dirty="0">
+                <a:solidFill>
+                  <a:srgbClr val="000000"/>
+                </a:solidFill>
+                <a:latin typeface="Blinker"/>
+              </a:rPr>
+              <a:t>")</a:t>
+            </a:r>
+          </a:p>
+        </p:txBody>
+      </p:sp>
+      <p:pic>
+        <p:nvPicPr>
+          <p:cNvPr id="3" name="Picture 2">
+            <a:extLst>
+              <a:ext uri="{FF2B5EF4-FFF2-40B4-BE49-F238E27FC236}">
+                <a16:creationId xmlns:a16="http://schemas.microsoft.com/office/drawing/2014/main" id="{9381FBEE-3995-5D5D-07B6-B83B49B44FD0}"/>
+              </a:ext>
+            </a:extLst>
+          </p:cNvPr>
+          <p:cNvPicPr>
+            <a:picLocks noChangeAspect="1" noChangeArrowheads="1"/>
+          </p:cNvPicPr>
+          <p:nvPr/>
+        </p:nvPicPr>
+        <p:blipFill>
+          <a:blip r:embed="rId2">
+            <a:extLst>
+              <a:ext uri="{28A0092B-C50C-407E-A947-70E740481C1C}">
+                <a14:useLocalDpi xmlns:a14="http://schemas.microsoft.com/office/drawing/2010/main" val="0"/>
+              </a:ext>
+            </a:extLst>
+          </a:blip>
+          <a:srcRect/>
+          <a:stretch>
+            <a:fillRect/>
+          </a:stretch>
+        </p:blipFill>
+        <p:spPr bwMode="auto">
+          <a:xfrm>
+            <a:off x="16230600" y="8267700"/>
+            <a:ext cx="1676400" cy="1676400"/>
+          </a:xfrm>
+          <a:prstGeom prst="flowChartConnector">
+            <a:avLst/>
+          </a:prstGeom>
+          <a:noFill/>
+          <a:extLst>
+            <a:ext uri="{909E8E84-426E-40DD-AFC4-6F175D3DCCD1}">
+              <a14:hiddenFill xmlns:a14="http://schemas.microsoft.com/office/drawing/2010/main">
+                <a:solidFill>
+                  <a:srgbClr val="FFFFFF"/>
+                </a:solidFill>
+              </a14:hiddenFill>
+            </a:ext>
+          </a:extLst>
+        </p:spPr>
+      </p:pic>
+      <p:pic>
+        <p:nvPicPr>
+          <p:cNvPr id="6" name="Imagem 5">
+            <a:extLst>
+              <a:ext uri="{FF2B5EF4-FFF2-40B4-BE49-F238E27FC236}">
+                <a16:creationId xmlns:a16="http://schemas.microsoft.com/office/drawing/2014/main" id="{2096CFF2-ADF7-41C4-A1E4-9AEED52ED7AE}"/>
+              </a:ext>
+            </a:extLst>
+          </p:cNvPr>
+          <p:cNvPicPr>
+            <a:picLocks noChangeAspect="1"/>
+          </p:cNvPicPr>
+          <p:nvPr/>
+        </p:nvPicPr>
+        <p:blipFill>
+          <a:blip r:embed="rId3"/>
+          <a:stretch>
+            <a:fillRect/>
+          </a:stretch>
+        </p:blipFill>
+        <p:spPr>
+          <a:xfrm>
+            <a:off x="10439400" y="1692133"/>
+            <a:ext cx="5690242" cy="1468449"/>
+          </a:xfrm>
+          <a:prstGeom prst="rect">
+            <a:avLst/>
+          </a:prstGeom>
+        </p:spPr>
+      </p:pic>
+      <p:sp>
+        <p:nvSpPr>
+          <p:cNvPr id="7" name="Seta: para a Direita 6">
+            <a:extLst>
+              <a:ext uri="{FF2B5EF4-FFF2-40B4-BE49-F238E27FC236}">
+                <a16:creationId xmlns:a16="http://schemas.microsoft.com/office/drawing/2014/main" id="{A3D0B70A-E3FD-54AA-B535-9928C67F0653}"/>
+              </a:ext>
+            </a:extLst>
+          </p:cNvPr>
+          <p:cNvSpPr/>
+          <p:nvPr/>
+        </p:nvSpPr>
+        <p:spPr>
+          <a:xfrm>
+            <a:off x="9644062" y="2454133"/>
+            <a:ext cx="609600" cy="304800"/>
+          </a:xfrm>
+          <a:prstGeom prst="rightArrow">
+            <a:avLst/>
+          </a:prstGeom>
+        </p:spPr>
+        <p:style>
+          <a:lnRef idx="2">
+            <a:schemeClr val="accent1">
+              <a:shade val="15000"/>
+            </a:schemeClr>
+          </a:lnRef>
+          <a:fillRef idx="1">
+            <a:schemeClr val="accent1"/>
+          </a:fillRef>
+          <a:effectRef idx="0">
+            <a:schemeClr val="accent1"/>
+          </a:effectRef>
+          <a:fontRef idx="minor">
+            <a:schemeClr val="lt1"/>
+          </a:fontRef>
+        </p:style>
+        <p:txBody>
+          <a:bodyPr rtlCol="0" anchor="ctr"/>
+          <a:lstStyle/>
+          <a:p>
+            <a:pPr algn="ctr"/>
+            <a:endParaRPr lang="pt-BR"/>
+          </a:p>
+        </p:txBody>
+      </p:sp>
+    </p:spTree>
+    <p:extLst>
+      <p:ext uri="{BB962C8B-B14F-4D97-AF65-F5344CB8AC3E}">
+        <p14:creationId xmlns:p14="http://schemas.microsoft.com/office/powerpoint/2010/main" val="2764279628"/>
+      </p:ext>
+    </p:extLst>
+  </p:cSld>
+  <p:clrMapOvr>
+    <a:masterClrMapping/>
+  </p:clrMapOvr>
+</p:sld>
+</file>
+
+<file path=ppt/slides/slide8.xml><?xml version="1.0" encoding="utf-8"?>
+<p:sld xmlns:a="http://schemas.openxmlformats.org/drawingml/2006/main" xmlns:r="http://schemas.openxmlformats.org/officeDocument/2006/relationships" xmlns:p="http://schemas.openxmlformats.org/presentationml/2006/main">
+  <p:cSld>
+    <p:bg>
+      <p:bgPr>
+        <a:solidFill>
+          <a:srgbClr val="FEFEFE"/>
+        </a:solidFill>
+        <a:effectLst/>
+      </p:bgPr>
+    </p:bg>
+    <p:spTree>
+      <p:nvGrpSpPr>
+        <p:cNvPr id="1" name="">
+          <a:extLst>
+            <a:ext uri="{FF2B5EF4-FFF2-40B4-BE49-F238E27FC236}">
+              <a16:creationId xmlns:a16="http://schemas.microsoft.com/office/drawing/2014/main" id="{26D87F50-F733-F1D5-E110-BB56E694A798}"/>
+            </a:ext>
+          </a:extLst>
+        </p:cNvPr>
+        <p:cNvGrpSpPr/>
+        <p:nvPr/>
+      </p:nvGrpSpPr>
+      <p:grpSpPr>
+        <a:xfrm>
+          <a:off x="0" y="0"/>
+          <a:ext cx="0" cy="0"/>
+          <a:chOff x="0" y="0"/>
+          <a:chExt cx="0" cy="0"/>
+        </a:xfrm>
+      </p:grpSpPr>
+      <p:sp>
+        <p:nvSpPr>
+          <p:cNvPr id="18" name="TextBox 18">
+            <a:extLst>
+              <a:ext uri="{FF2B5EF4-FFF2-40B4-BE49-F238E27FC236}">
+                <a16:creationId xmlns:a16="http://schemas.microsoft.com/office/drawing/2014/main" id="{621C9388-8A60-B1B1-F227-C06920513A9F}"/>
+              </a:ext>
+            </a:extLst>
+          </p:cNvPr>
+          <p:cNvSpPr txBox="1"/>
+          <p:nvPr/>
+        </p:nvSpPr>
+        <p:spPr>
+          <a:xfrm>
+            <a:off x="668796" y="522629"/>
+            <a:ext cx="14342604" cy="1077218"/>
+          </a:xfrm>
+          <a:prstGeom prst="rect">
+            <a:avLst/>
+          </a:prstGeom>
+        </p:spPr>
+        <p:txBody>
+          <a:bodyPr wrap="square" lIns="0" tIns="0" rIns="0" bIns="0" rtlCol="0" anchor="t">
+            <a:spAutoFit/>
+          </a:bodyPr>
+          <a:lstStyle/>
+          <a:p>
+            <a:pPr>
+              <a:spcBef>
+                <a:spcPct val="0"/>
+              </a:spcBef>
+            </a:pPr>
+            <a:r>
+              <a:rPr lang="pt-BR" sz="7000" dirty="0">
+                <a:solidFill>
+                  <a:srgbClr val="000000"/>
+                </a:solidFill>
+                <a:latin typeface="Blinker Bold"/>
+              </a:rPr>
+              <a:t>Principais funções do </a:t>
+            </a:r>
+            <a:r>
+              <a:rPr lang="pt-BR" sz="7000" dirty="0" err="1">
+                <a:solidFill>
+                  <a:srgbClr val="000000"/>
+                </a:solidFill>
+                <a:latin typeface="Blinker Bold"/>
+              </a:rPr>
+              <a:t>tidyr</a:t>
+            </a:r>
+            <a:endParaRPr lang="pt-BR" sz="7000" dirty="0">
+              <a:solidFill>
+                <a:srgbClr val="000000"/>
+              </a:solidFill>
+              <a:latin typeface="Blinker Bold"/>
+            </a:endParaRPr>
+          </a:p>
+        </p:txBody>
+      </p:sp>
+      <p:grpSp>
+        <p:nvGrpSpPr>
+          <p:cNvPr id="10" name="Group 4">
+            <a:extLst>
+              <a:ext uri="{FF2B5EF4-FFF2-40B4-BE49-F238E27FC236}">
+                <a16:creationId xmlns:a16="http://schemas.microsoft.com/office/drawing/2014/main" id="{FE920EEC-F64E-6C04-A3EA-22BECFAD1BCB}"/>
+              </a:ext>
+            </a:extLst>
+          </p:cNvPr>
+          <p:cNvGrpSpPr/>
+          <p:nvPr/>
+        </p:nvGrpSpPr>
+        <p:grpSpPr>
+          <a:xfrm rot="10800000">
+            <a:off x="14579538" y="0"/>
+            <a:ext cx="3708462" cy="4130984"/>
+            <a:chOff x="9671104" y="-2744183"/>
+            <a:chExt cx="8209447" cy="4807171"/>
+          </a:xfrm>
+        </p:grpSpPr>
+        <p:sp>
+          <p:nvSpPr>
+            <p:cNvPr id="11" name="Freeform 5">
+              <a:extLst>
+                <a:ext uri="{FF2B5EF4-FFF2-40B4-BE49-F238E27FC236}">
+                  <a16:creationId xmlns:a16="http://schemas.microsoft.com/office/drawing/2014/main" id="{0D497C47-B1D1-0B73-63E6-40888EF96F15}"/>
+                </a:ext>
+              </a:extLst>
+            </p:cNvPr>
+            <p:cNvSpPr/>
+            <p:nvPr/>
+          </p:nvSpPr>
+          <p:spPr>
+            <a:xfrm>
+              <a:off x="9671104" y="-2744183"/>
+              <a:ext cx="8209447" cy="4807171"/>
+            </a:xfrm>
+            <a:custGeom>
+              <a:avLst/>
+              <a:gdLst/>
+              <a:ahLst/>
+              <a:cxnLst/>
+              <a:rect l="l" t="t" r="r" b="b"/>
+              <a:pathLst>
+                <a:path w="8209447" h="4807171">
+                  <a:moveTo>
+                    <a:pt x="8209447" y="4807171"/>
+                  </a:moveTo>
+                  <a:lnTo>
+                    <a:pt x="0" y="4807171"/>
+                  </a:lnTo>
+                  <a:lnTo>
+                    <a:pt x="0" y="0"/>
+                  </a:lnTo>
+                  <a:lnTo>
+                    <a:pt x="8209447" y="4807171"/>
+                  </a:lnTo>
+                  <a:close/>
+                </a:path>
+              </a:pathLst>
+            </a:custGeom>
+            <a:solidFill>
+              <a:schemeClr val="accent1">
+                <a:lumMod val="60000"/>
+                <a:lumOff val="40000"/>
+              </a:schemeClr>
+            </a:solidFill>
+          </p:spPr>
+          <p:txBody>
+            <a:bodyPr/>
+            <a:lstStyle/>
+            <a:p>
+              <a:endParaRPr lang="pt-BR" dirty="0"/>
+            </a:p>
+          </p:txBody>
+        </p:sp>
+      </p:grpSp>
+      <p:grpSp>
+        <p:nvGrpSpPr>
+          <p:cNvPr id="12" name="Group 2">
+            <a:extLst>
+              <a:ext uri="{FF2B5EF4-FFF2-40B4-BE49-F238E27FC236}">
+                <a16:creationId xmlns:a16="http://schemas.microsoft.com/office/drawing/2014/main" id="{F9307C9B-F0CF-7F47-A733-31360B334B44}"/>
+              </a:ext>
+            </a:extLst>
+          </p:cNvPr>
+          <p:cNvGrpSpPr/>
+          <p:nvPr/>
+        </p:nvGrpSpPr>
+        <p:grpSpPr>
+          <a:xfrm>
+            <a:off x="0" y="6156455"/>
+            <a:ext cx="3581400" cy="4130546"/>
+            <a:chOff x="0" y="708640"/>
+            <a:chExt cx="5353493" cy="8540548"/>
+          </a:xfrm>
+        </p:grpSpPr>
+        <p:sp>
+          <p:nvSpPr>
+            <p:cNvPr id="13" name="Freeform 3">
+              <a:extLst>
+                <a:ext uri="{FF2B5EF4-FFF2-40B4-BE49-F238E27FC236}">
+                  <a16:creationId xmlns:a16="http://schemas.microsoft.com/office/drawing/2014/main" id="{EDB434AA-481E-8022-FB23-DD49B5340200}"/>
+                </a:ext>
+              </a:extLst>
+            </p:cNvPr>
+            <p:cNvSpPr/>
+            <p:nvPr/>
+          </p:nvSpPr>
+          <p:spPr>
+            <a:xfrm>
+              <a:off x="0" y="708640"/>
+              <a:ext cx="5353493" cy="8540548"/>
+            </a:xfrm>
+            <a:custGeom>
+              <a:avLst/>
+              <a:gdLst/>
+              <a:ahLst/>
+              <a:cxnLst/>
+              <a:rect l="l" t="t" r="r" b="b"/>
+              <a:pathLst>
+                <a:path w="5353493" h="9373274">
+                  <a:moveTo>
+                    <a:pt x="5353493" y="9373274"/>
+                  </a:moveTo>
+                  <a:lnTo>
+                    <a:pt x="0" y="9373274"/>
+                  </a:lnTo>
+                  <a:lnTo>
+                    <a:pt x="0" y="0"/>
+                  </a:lnTo>
+                  <a:lnTo>
+                    <a:pt x="5353493" y="9373274"/>
+                  </a:lnTo>
+                  <a:close/>
+                </a:path>
+              </a:pathLst>
+            </a:custGeom>
+            <a:solidFill>
+              <a:schemeClr val="accent3">
+                <a:lumMod val="60000"/>
+                <a:lumOff val="40000"/>
+              </a:schemeClr>
+            </a:solidFill>
+          </p:spPr>
+          <p:txBody>
+            <a:bodyPr/>
+            <a:lstStyle/>
+            <a:p>
+              <a:endParaRPr lang="pt-BR" dirty="0"/>
+            </a:p>
+          </p:txBody>
+        </p:sp>
+      </p:grpSp>
+      <p:sp>
+        <p:nvSpPr>
+          <p:cNvPr id="14" name="TextBox 18">
+            <a:extLst>
+              <a:ext uri="{FF2B5EF4-FFF2-40B4-BE49-F238E27FC236}">
+                <a16:creationId xmlns:a16="http://schemas.microsoft.com/office/drawing/2014/main" id="{2D4DDB13-E8C7-D18C-F72D-7FE484967369}"/>
+              </a:ext>
+            </a:extLst>
+          </p:cNvPr>
+          <p:cNvSpPr txBox="1"/>
+          <p:nvPr/>
+        </p:nvSpPr>
+        <p:spPr>
+          <a:xfrm>
+            <a:off x="668796" y="2073035"/>
+            <a:ext cx="10185462" cy="7691336"/>
+          </a:xfrm>
+          <a:prstGeom prst="rect">
+            <a:avLst/>
+          </a:prstGeom>
+        </p:spPr>
+        <p:txBody>
+          <a:bodyPr wrap="square" lIns="0" tIns="0" rIns="0" bIns="0" rtlCol="0" anchor="t">
+            <a:spAutoFit/>
+          </a:bodyPr>
+          <a:lstStyle/>
+          <a:p>
+            <a:pPr marL="269874" lvl="1" algn="just">
+              <a:lnSpc>
+                <a:spcPct val="150000"/>
+              </a:lnSpc>
+            </a:pPr>
+            <a:r>
+              <a:rPr lang="pt-BR" sz="2400" dirty="0">
+                <a:solidFill>
+                  <a:srgbClr val="000000"/>
+                </a:solidFill>
+                <a:latin typeface="Blinker"/>
+              </a:rPr>
+              <a:t>1) </a:t>
+            </a:r>
+            <a:r>
+              <a:rPr lang="pt-BR" sz="2400" b="1" dirty="0" err="1">
+                <a:solidFill>
+                  <a:srgbClr val="000000"/>
+                </a:solidFill>
+                <a:latin typeface="Blinker"/>
+              </a:rPr>
+              <a:t>pivot_longer</a:t>
+            </a:r>
+            <a:r>
+              <a:rPr lang="pt-BR" sz="2400" b="1" dirty="0">
+                <a:solidFill>
+                  <a:srgbClr val="000000"/>
+                </a:solidFill>
+                <a:latin typeface="Blinker"/>
+              </a:rPr>
+              <a:t>() </a:t>
+            </a:r>
+            <a:r>
+              <a:rPr lang="pt-BR" sz="2400" dirty="0">
+                <a:solidFill>
+                  <a:srgbClr val="000000"/>
+                </a:solidFill>
+                <a:latin typeface="Blinker"/>
+              </a:rPr>
+              <a:t>Descrição: Uma alternativa mais flexível para </a:t>
+            </a:r>
+            <a:r>
+              <a:rPr lang="pt-BR" sz="2400" dirty="0" err="1">
+                <a:solidFill>
+                  <a:srgbClr val="000000"/>
+                </a:solidFill>
+                <a:latin typeface="Blinker"/>
+              </a:rPr>
+              <a:t>gather</a:t>
+            </a:r>
+            <a:r>
+              <a:rPr lang="pt-BR" sz="2400" dirty="0">
+                <a:solidFill>
+                  <a:srgbClr val="000000"/>
+                </a:solidFill>
+                <a:latin typeface="Blinker"/>
+              </a:rPr>
+              <a:t>() que "alonga" os dados. Exemplo: </a:t>
+            </a:r>
+            <a:r>
+              <a:rPr lang="pt-BR" sz="2400" dirty="0" err="1">
+                <a:solidFill>
+                  <a:srgbClr val="000000"/>
+                </a:solidFill>
+                <a:latin typeface="Blinker"/>
+              </a:rPr>
+              <a:t>pivot_longer</a:t>
+            </a:r>
+            <a:r>
+              <a:rPr lang="pt-BR" sz="2400" dirty="0">
+                <a:solidFill>
+                  <a:srgbClr val="000000"/>
+                </a:solidFill>
+                <a:latin typeface="Blinker"/>
+              </a:rPr>
+              <a:t>(data, </a:t>
+            </a:r>
+            <a:r>
+              <a:rPr lang="pt-BR" sz="2400" dirty="0" err="1">
+                <a:solidFill>
+                  <a:srgbClr val="000000"/>
+                </a:solidFill>
+                <a:latin typeface="Blinker"/>
+              </a:rPr>
+              <a:t>cols</a:t>
+            </a:r>
+            <a:r>
+              <a:rPr lang="pt-BR" sz="2400" dirty="0">
+                <a:solidFill>
+                  <a:srgbClr val="000000"/>
+                </a:solidFill>
+                <a:latin typeface="Blinker"/>
+              </a:rPr>
+              <a:t> = c(col1, col2), </a:t>
+            </a:r>
+            <a:r>
+              <a:rPr lang="pt-BR" sz="2400" dirty="0" err="1">
+                <a:solidFill>
+                  <a:srgbClr val="000000"/>
+                </a:solidFill>
+                <a:latin typeface="Blinker"/>
+              </a:rPr>
+              <a:t>names_to</a:t>
+            </a:r>
+            <a:r>
+              <a:rPr lang="pt-BR" sz="2400" dirty="0">
+                <a:solidFill>
+                  <a:srgbClr val="000000"/>
+                </a:solidFill>
+                <a:latin typeface="Blinker"/>
+              </a:rPr>
+              <a:t> = "</a:t>
+            </a:r>
+            <a:r>
+              <a:rPr lang="pt-BR" sz="2400" dirty="0" err="1">
+                <a:solidFill>
+                  <a:srgbClr val="000000"/>
+                </a:solidFill>
+                <a:latin typeface="Blinker"/>
+              </a:rPr>
+              <a:t>key</a:t>
+            </a:r>
+            <a:r>
+              <a:rPr lang="pt-BR" sz="2400" dirty="0">
+                <a:solidFill>
+                  <a:srgbClr val="000000"/>
+                </a:solidFill>
+                <a:latin typeface="Blinker"/>
+              </a:rPr>
+              <a:t>", </a:t>
+            </a:r>
+            <a:r>
+              <a:rPr lang="pt-BR" sz="2400" dirty="0" err="1">
+                <a:solidFill>
+                  <a:srgbClr val="000000"/>
+                </a:solidFill>
+                <a:latin typeface="Blinker"/>
+              </a:rPr>
+              <a:t>values_to</a:t>
+            </a:r>
+            <a:r>
+              <a:rPr lang="pt-BR" sz="2400" dirty="0">
+                <a:solidFill>
+                  <a:srgbClr val="000000"/>
+                </a:solidFill>
+                <a:latin typeface="Blinker"/>
+              </a:rPr>
+              <a:t> = "</a:t>
+            </a:r>
+            <a:r>
+              <a:rPr lang="pt-BR" sz="2400" dirty="0" err="1">
+                <a:solidFill>
+                  <a:srgbClr val="000000"/>
+                </a:solidFill>
+                <a:latin typeface="Blinker"/>
+              </a:rPr>
+              <a:t>value</a:t>
+            </a:r>
+            <a:r>
+              <a:rPr lang="pt-BR" sz="2400" dirty="0">
+                <a:solidFill>
+                  <a:srgbClr val="000000"/>
+                </a:solidFill>
+                <a:latin typeface="Blinker"/>
+              </a:rPr>
+              <a:t>")</a:t>
+            </a:r>
+          </a:p>
+          <a:p>
+            <a:pPr marL="269874" lvl="1" algn="just">
+              <a:lnSpc>
+                <a:spcPct val="150000"/>
+              </a:lnSpc>
+            </a:pPr>
+            <a:endParaRPr lang="pt-BR" sz="2400" dirty="0">
+              <a:solidFill>
+                <a:srgbClr val="000000"/>
+              </a:solidFill>
+              <a:latin typeface="Blinker"/>
+            </a:endParaRPr>
+          </a:p>
+          <a:p>
+            <a:pPr marL="269874" lvl="1" algn="just">
+              <a:lnSpc>
+                <a:spcPct val="150000"/>
+              </a:lnSpc>
+            </a:pPr>
+            <a:r>
+              <a:rPr lang="pt-BR" sz="2400" dirty="0">
+                <a:solidFill>
+                  <a:srgbClr val="000000"/>
+                </a:solidFill>
+                <a:latin typeface="Blinker"/>
+              </a:rPr>
+              <a:t> 2) </a:t>
+            </a:r>
+            <a:r>
+              <a:rPr lang="pt-BR" sz="2400" b="1" dirty="0" err="1">
+                <a:solidFill>
+                  <a:srgbClr val="000000"/>
+                </a:solidFill>
+                <a:latin typeface="Blinker"/>
+              </a:rPr>
+              <a:t>pivot_wider</a:t>
+            </a:r>
+            <a:r>
+              <a:rPr lang="pt-BR" sz="2400" b="1" dirty="0">
+                <a:solidFill>
+                  <a:srgbClr val="000000"/>
+                </a:solidFill>
+                <a:latin typeface="Blinker"/>
+              </a:rPr>
+              <a:t>() </a:t>
+            </a:r>
+            <a:r>
+              <a:rPr lang="pt-BR" sz="2400" dirty="0">
+                <a:solidFill>
+                  <a:srgbClr val="000000"/>
+                </a:solidFill>
+                <a:latin typeface="Blinker"/>
+              </a:rPr>
+              <a:t>Descrição: Uma alternativa mais flexível para spread() que "alarga" os dados. Exemplo: </a:t>
+            </a:r>
+            <a:r>
+              <a:rPr lang="pt-BR" sz="2400" dirty="0" err="1">
+                <a:solidFill>
+                  <a:srgbClr val="000000"/>
+                </a:solidFill>
+                <a:latin typeface="Blinker"/>
+              </a:rPr>
+              <a:t>pivot_wider</a:t>
+            </a:r>
+            <a:r>
+              <a:rPr lang="pt-BR" sz="2400" dirty="0">
+                <a:solidFill>
+                  <a:srgbClr val="000000"/>
+                </a:solidFill>
+                <a:latin typeface="Blinker"/>
+              </a:rPr>
+              <a:t>(data, </a:t>
+            </a:r>
+            <a:r>
+              <a:rPr lang="pt-BR" sz="2400" dirty="0" err="1">
+                <a:solidFill>
+                  <a:srgbClr val="000000"/>
+                </a:solidFill>
+                <a:latin typeface="Blinker"/>
+              </a:rPr>
+              <a:t>names_from</a:t>
+            </a:r>
+            <a:r>
+              <a:rPr lang="pt-BR" sz="2400" dirty="0">
+                <a:solidFill>
+                  <a:srgbClr val="000000"/>
+                </a:solidFill>
+                <a:latin typeface="Blinker"/>
+              </a:rPr>
+              <a:t> = </a:t>
+            </a:r>
+            <a:r>
+              <a:rPr lang="pt-BR" sz="2400" dirty="0" err="1">
+                <a:solidFill>
+                  <a:srgbClr val="000000"/>
+                </a:solidFill>
+                <a:latin typeface="Blinker"/>
+              </a:rPr>
+              <a:t>key</a:t>
+            </a:r>
+            <a:r>
+              <a:rPr lang="pt-BR" sz="2400" dirty="0">
+                <a:solidFill>
+                  <a:srgbClr val="000000"/>
+                </a:solidFill>
+                <a:latin typeface="Blinker"/>
+              </a:rPr>
+              <a:t>, </a:t>
+            </a:r>
+            <a:r>
+              <a:rPr lang="pt-BR" sz="2400" dirty="0" err="1">
+                <a:solidFill>
+                  <a:srgbClr val="000000"/>
+                </a:solidFill>
+                <a:latin typeface="Blinker"/>
+              </a:rPr>
+              <a:t>values_from</a:t>
+            </a:r>
+            <a:r>
+              <a:rPr lang="pt-BR" sz="2400" dirty="0">
+                <a:solidFill>
+                  <a:srgbClr val="000000"/>
+                </a:solidFill>
+                <a:latin typeface="Blinker"/>
+              </a:rPr>
+              <a:t> = </a:t>
+            </a:r>
+            <a:r>
+              <a:rPr lang="pt-BR" sz="2400" dirty="0" err="1">
+                <a:solidFill>
+                  <a:srgbClr val="000000"/>
+                </a:solidFill>
+                <a:latin typeface="Blinker"/>
+              </a:rPr>
+              <a:t>value</a:t>
+            </a:r>
+            <a:r>
+              <a:rPr lang="pt-BR" sz="2400" dirty="0">
+                <a:solidFill>
+                  <a:srgbClr val="000000"/>
+                </a:solidFill>
+                <a:latin typeface="Blinker"/>
+              </a:rPr>
+              <a:t>)</a:t>
+            </a:r>
+          </a:p>
+          <a:p>
+            <a:pPr marL="269874" lvl="1" algn="just">
+              <a:lnSpc>
+                <a:spcPct val="150000"/>
+              </a:lnSpc>
+            </a:pPr>
+            <a:endParaRPr lang="pt-BR" sz="2400" dirty="0">
+              <a:solidFill>
+                <a:srgbClr val="000000"/>
+              </a:solidFill>
+              <a:latin typeface="Blinker"/>
+            </a:endParaRPr>
+          </a:p>
+          <a:p>
+            <a:pPr marL="269874" lvl="1" algn="just">
+              <a:lnSpc>
+                <a:spcPct val="150000"/>
+              </a:lnSpc>
+            </a:pPr>
+            <a:r>
+              <a:rPr lang="pt-BR" sz="2400" dirty="0">
+                <a:solidFill>
+                  <a:srgbClr val="000000"/>
+                </a:solidFill>
+                <a:latin typeface="Blinker"/>
+              </a:rPr>
+              <a:t> 3) </a:t>
+            </a:r>
+            <a:r>
+              <a:rPr lang="pt-BR" sz="2400" b="1" dirty="0" err="1">
+                <a:solidFill>
+                  <a:srgbClr val="000000"/>
+                </a:solidFill>
+                <a:latin typeface="Blinker"/>
+              </a:rPr>
+              <a:t>replace_na</a:t>
+            </a:r>
+            <a:r>
+              <a:rPr lang="pt-BR" sz="2400" b="1" dirty="0">
+                <a:solidFill>
+                  <a:srgbClr val="000000"/>
+                </a:solidFill>
+                <a:latin typeface="Blinker"/>
+              </a:rPr>
+              <a:t>() </a:t>
+            </a:r>
+            <a:r>
+              <a:rPr lang="pt-BR" sz="2400" dirty="0">
+                <a:solidFill>
+                  <a:srgbClr val="000000"/>
+                </a:solidFill>
+                <a:latin typeface="Blinker"/>
+              </a:rPr>
+              <a:t>Descrição: Substitui valores NA em um </a:t>
+            </a:r>
+            <a:r>
+              <a:rPr lang="pt-BR" sz="2400" dirty="0" err="1">
+                <a:solidFill>
+                  <a:srgbClr val="000000"/>
+                </a:solidFill>
+                <a:latin typeface="Blinker"/>
+              </a:rPr>
+              <a:t>dataframe</a:t>
+            </a:r>
+            <a:r>
+              <a:rPr lang="pt-BR" sz="2400" dirty="0">
+                <a:solidFill>
+                  <a:srgbClr val="000000"/>
+                </a:solidFill>
+                <a:latin typeface="Blinker"/>
+              </a:rPr>
+              <a:t>. Exemplo: </a:t>
+            </a:r>
+            <a:r>
+              <a:rPr lang="pt-BR" sz="2400" dirty="0" err="1">
+                <a:solidFill>
+                  <a:srgbClr val="000000"/>
+                </a:solidFill>
+                <a:latin typeface="Blinker"/>
+              </a:rPr>
+              <a:t>replace_na</a:t>
+            </a:r>
+            <a:r>
+              <a:rPr lang="pt-BR" sz="2400" dirty="0">
+                <a:solidFill>
+                  <a:srgbClr val="000000"/>
+                </a:solidFill>
+                <a:latin typeface="Blinker"/>
+              </a:rPr>
+              <a:t>(data, </a:t>
+            </a:r>
+            <a:r>
+              <a:rPr lang="pt-BR" sz="2400" dirty="0" err="1">
+                <a:solidFill>
+                  <a:srgbClr val="000000"/>
+                </a:solidFill>
+                <a:latin typeface="Blinker"/>
+              </a:rPr>
+              <a:t>replace</a:t>
+            </a:r>
+            <a:r>
+              <a:rPr lang="pt-BR" sz="2400" dirty="0">
+                <a:solidFill>
+                  <a:srgbClr val="000000"/>
+                </a:solidFill>
+                <a:latin typeface="Blinker"/>
+              </a:rPr>
+              <a:t> = </a:t>
+            </a:r>
+            <a:r>
+              <a:rPr lang="pt-BR" sz="2400" dirty="0" err="1">
+                <a:solidFill>
+                  <a:srgbClr val="000000"/>
+                </a:solidFill>
+                <a:latin typeface="Blinker"/>
+              </a:rPr>
+              <a:t>list</a:t>
+            </a:r>
+            <a:r>
+              <a:rPr lang="pt-BR" sz="2400" dirty="0">
+                <a:solidFill>
+                  <a:srgbClr val="000000"/>
+                </a:solidFill>
+                <a:latin typeface="Blinker"/>
+              </a:rPr>
+              <a:t>(col1 = "default", col2 = 0)) </a:t>
+            </a:r>
+          </a:p>
+          <a:p>
+            <a:pPr marL="269874" lvl="1" algn="just">
+              <a:lnSpc>
+                <a:spcPct val="150000"/>
+              </a:lnSpc>
+            </a:pPr>
+            <a:r>
+              <a:rPr lang="pt-BR" sz="2400" dirty="0">
+                <a:solidFill>
+                  <a:srgbClr val="000000"/>
+                </a:solidFill>
+                <a:latin typeface="Blinker"/>
+              </a:rPr>
+              <a:t>4) </a:t>
+            </a:r>
+            <a:r>
+              <a:rPr lang="pt-BR" sz="2400" b="1" dirty="0" err="1">
+                <a:solidFill>
+                  <a:srgbClr val="000000"/>
+                </a:solidFill>
+                <a:latin typeface="Blinker"/>
+              </a:rPr>
+              <a:t>drop_na</a:t>
+            </a:r>
+            <a:r>
+              <a:rPr lang="pt-BR" sz="2400" b="1" dirty="0">
+                <a:solidFill>
+                  <a:srgbClr val="000000"/>
+                </a:solidFill>
+                <a:latin typeface="Blinker"/>
+              </a:rPr>
+              <a:t>() </a:t>
+            </a:r>
+            <a:r>
+              <a:rPr lang="pt-BR" sz="2400" dirty="0">
+                <a:solidFill>
+                  <a:srgbClr val="000000"/>
+                </a:solidFill>
+                <a:latin typeface="Blinker"/>
+              </a:rPr>
+              <a:t>Descrição: Remove linhas com qualquer valor NA. Exemplo: </a:t>
+            </a:r>
+            <a:r>
+              <a:rPr lang="pt-BR" sz="2400" dirty="0" err="1">
+                <a:solidFill>
+                  <a:srgbClr val="000000"/>
+                </a:solidFill>
+                <a:latin typeface="Blinker"/>
+              </a:rPr>
+              <a:t>drop_na</a:t>
+            </a:r>
+            <a:r>
+              <a:rPr lang="pt-BR" sz="2400" dirty="0">
+                <a:solidFill>
+                  <a:srgbClr val="000000"/>
+                </a:solidFill>
+                <a:latin typeface="Blinker"/>
+              </a:rPr>
+              <a:t>(data, col1, col2) </a:t>
+            </a:r>
+          </a:p>
+          <a:p>
+            <a:pPr marL="269874" lvl="1" algn="just">
+              <a:lnSpc>
+                <a:spcPct val="150000"/>
+              </a:lnSpc>
+            </a:pPr>
+            <a:r>
+              <a:rPr lang="pt-BR" sz="2400" dirty="0">
+                <a:solidFill>
+                  <a:srgbClr val="000000"/>
+                </a:solidFill>
+                <a:latin typeface="Blinker"/>
+              </a:rPr>
+              <a:t>5) </a:t>
+            </a:r>
+            <a:r>
+              <a:rPr lang="pt-BR" sz="2400" b="1" dirty="0" err="1">
+                <a:solidFill>
+                  <a:srgbClr val="000000"/>
+                </a:solidFill>
+                <a:latin typeface="Blinker"/>
+              </a:rPr>
+              <a:t>fill</a:t>
+            </a:r>
+            <a:r>
+              <a:rPr lang="pt-BR" sz="2400" b="1" dirty="0">
+                <a:solidFill>
+                  <a:srgbClr val="000000"/>
+                </a:solidFill>
+                <a:latin typeface="Blinker"/>
+              </a:rPr>
+              <a:t>() </a:t>
+            </a:r>
+            <a:r>
+              <a:rPr lang="pt-BR" sz="2400" dirty="0">
+                <a:solidFill>
+                  <a:srgbClr val="000000"/>
+                </a:solidFill>
+                <a:latin typeface="Blinker"/>
+              </a:rPr>
+              <a:t>Descrição: Preenche valores NA utilizando um método especificado. Exemplo: </a:t>
+            </a:r>
+            <a:r>
+              <a:rPr lang="pt-BR" sz="2400" dirty="0" err="1">
+                <a:solidFill>
+                  <a:srgbClr val="000000"/>
+                </a:solidFill>
+                <a:latin typeface="Blinker"/>
+              </a:rPr>
+              <a:t>fill</a:t>
+            </a:r>
+            <a:r>
+              <a:rPr lang="pt-BR" sz="2400" dirty="0">
+                <a:solidFill>
+                  <a:srgbClr val="000000"/>
+                </a:solidFill>
+                <a:latin typeface="Blinker"/>
+              </a:rPr>
+              <a:t>(data, </a:t>
+            </a:r>
+            <a:r>
+              <a:rPr lang="pt-BR" sz="2400" dirty="0" err="1">
+                <a:solidFill>
+                  <a:srgbClr val="000000"/>
+                </a:solidFill>
+                <a:latin typeface="Blinker"/>
+              </a:rPr>
+              <a:t>col</a:t>
+            </a:r>
+            <a:r>
+              <a:rPr lang="pt-BR" sz="2400" dirty="0">
+                <a:solidFill>
+                  <a:srgbClr val="000000"/>
+                </a:solidFill>
+                <a:latin typeface="Blinker"/>
+              </a:rPr>
+              <a:t>, .</a:t>
+            </a:r>
+            <a:r>
+              <a:rPr lang="pt-BR" sz="2400" dirty="0" err="1">
+                <a:solidFill>
+                  <a:srgbClr val="000000"/>
+                </a:solidFill>
+                <a:latin typeface="Blinker"/>
+              </a:rPr>
+              <a:t>direction</a:t>
+            </a:r>
+            <a:r>
+              <a:rPr lang="pt-BR" sz="2400" dirty="0">
+                <a:solidFill>
+                  <a:srgbClr val="000000"/>
+                </a:solidFill>
+                <a:latin typeface="Blinker"/>
+              </a:rPr>
+              <a:t> = "</a:t>
+            </a:r>
+            <a:r>
+              <a:rPr lang="pt-BR" sz="2400" dirty="0" err="1">
+                <a:solidFill>
+                  <a:srgbClr val="000000"/>
+                </a:solidFill>
+                <a:latin typeface="Blinker"/>
+              </a:rPr>
+              <a:t>down</a:t>
+            </a:r>
+            <a:r>
+              <a:rPr lang="pt-BR" sz="2400" dirty="0">
+                <a:solidFill>
+                  <a:srgbClr val="000000"/>
+                </a:solidFill>
+                <a:latin typeface="Blinker"/>
+              </a:rPr>
+              <a:t>")</a:t>
+            </a:r>
+          </a:p>
+        </p:txBody>
+      </p:sp>
+      <p:pic>
+        <p:nvPicPr>
+          <p:cNvPr id="3" name="Picture 2">
+            <a:extLst>
+              <a:ext uri="{FF2B5EF4-FFF2-40B4-BE49-F238E27FC236}">
+                <a16:creationId xmlns:a16="http://schemas.microsoft.com/office/drawing/2014/main" id="{9381FBEE-3995-5D5D-07B6-B83B49B44FD0}"/>
+              </a:ext>
+            </a:extLst>
+          </p:cNvPr>
+          <p:cNvPicPr>
+            <a:picLocks noChangeAspect="1" noChangeArrowheads="1"/>
+          </p:cNvPicPr>
+          <p:nvPr/>
+        </p:nvPicPr>
+        <p:blipFill>
+          <a:blip r:embed="rId2">
+            <a:extLst>
+              <a:ext uri="{28A0092B-C50C-407E-A947-70E740481C1C}">
+                <a14:useLocalDpi xmlns:a14="http://schemas.microsoft.com/office/drawing/2010/main" val="0"/>
+              </a:ext>
+            </a:extLst>
+          </a:blip>
+          <a:srcRect/>
+          <a:stretch>
+            <a:fillRect/>
+          </a:stretch>
+        </p:blipFill>
+        <p:spPr bwMode="auto">
+          <a:xfrm>
+            <a:off x="16230600" y="8267700"/>
+            <a:ext cx="1676400" cy="1676400"/>
+          </a:xfrm>
+          <a:prstGeom prst="flowChartConnector">
+            <a:avLst/>
+          </a:prstGeom>
+          <a:noFill/>
+          <a:extLst>
+            <a:ext uri="{909E8E84-426E-40DD-AFC4-6F175D3DCCD1}">
+              <a14:hiddenFill xmlns:a14="http://schemas.microsoft.com/office/drawing/2010/main">
+                <a:solidFill>
+                  <a:srgbClr val="FFFFFF"/>
+                </a:solidFill>
+              </a14:hiddenFill>
+            </a:ext>
+          </a:extLst>
+        </p:spPr>
+      </p:pic>
+      <p:pic>
+        <p:nvPicPr>
+          <p:cNvPr id="6" name="Imagem 5">
+            <a:extLst>
+              <a:ext uri="{FF2B5EF4-FFF2-40B4-BE49-F238E27FC236}">
+                <a16:creationId xmlns:a16="http://schemas.microsoft.com/office/drawing/2014/main" id="{D18354BD-6A30-9CCD-4994-DA6E54737F99}"/>
+              </a:ext>
+            </a:extLst>
+          </p:cNvPr>
+          <p:cNvPicPr>
+            <a:picLocks noChangeAspect="1"/>
+          </p:cNvPicPr>
+          <p:nvPr/>
+        </p:nvPicPr>
+        <p:blipFill>
+          <a:blip r:embed="rId3"/>
+          <a:stretch>
+            <a:fillRect/>
+          </a:stretch>
+        </p:blipFill>
+        <p:spPr>
+          <a:xfrm>
+            <a:off x="11500767" y="1805521"/>
+            <a:ext cx="4699424" cy="2176940"/>
+          </a:xfrm>
+          <a:prstGeom prst="rect">
+            <a:avLst/>
+          </a:prstGeom>
+        </p:spPr>
+      </p:pic>
+      <p:sp>
+        <p:nvSpPr>
+          <p:cNvPr id="7" name="Seta: para a Direita 6">
+            <a:extLst>
+              <a:ext uri="{FF2B5EF4-FFF2-40B4-BE49-F238E27FC236}">
+                <a16:creationId xmlns:a16="http://schemas.microsoft.com/office/drawing/2014/main" id="{0A435300-AD4D-6855-8B86-DA0F3E711593}"/>
+              </a:ext>
+            </a:extLst>
+          </p:cNvPr>
+          <p:cNvSpPr/>
+          <p:nvPr/>
+        </p:nvSpPr>
+        <p:spPr>
+          <a:xfrm>
+            <a:off x="11215749" y="2512991"/>
+            <a:ext cx="451767" cy="381000"/>
+          </a:xfrm>
+          <a:prstGeom prst="rightArrow">
+            <a:avLst/>
+          </a:prstGeom>
+        </p:spPr>
+        <p:style>
+          <a:lnRef idx="2">
+            <a:schemeClr val="accent1">
+              <a:shade val="15000"/>
+            </a:schemeClr>
+          </a:lnRef>
+          <a:fillRef idx="1">
+            <a:schemeClr val="accent1"/>
+          </a:fillRef>
+          <a:effectRef idx="0">
+            <a:schemeClr val="accent1"/>
+          </a:effectRef>
+          <a:fontRef idx="minor">
+            <a:schemeClr val="lt1"/>
+          </a:fontRef>
+        </p:style>
+        <p:txBody>
+          <a:bodyPr rtlCol="0" anchor="ctr"/>
+          <a:lstStyle/>
+          <a:p>
+            <a:pPr algn="ctr"/>
+            <a:endParaRPr lang="pt-BR"/>
+          </a:p>
+        </p:txBody>
+      </p:sp>
+      <p:sp>
+        <p:nvSpPr>
+          <p:cNvPr id="8" name="Seta: para a Direita 7">
+            <a:extLst>
+              <a:ext uri="{FF2B5EF4-FFF2-40B4-BE49-F238E27FC236}">
+                <a16:creationId xmlns:a16="http://schemas.microsoft.com/office/drawing/2014/main" id="{334E3F37-AB5C-3781-19E4-C85BFD54173B}"/>
+              </a:ext>
+            </a:extLst>
+          </p:cNvPr>
+          <p:cNvSpPr/>
+          <p:nvPr/>
+        </p:nvSpPr>
+        <p:spPr>
+          <a:xfrm>
+            <a:off x="10978585" y="4914900"/>
+            <a:ext cx="397854" cy="457200"/>
+          </a:xfrm>
+          <a:prstGeom prst="rightArrow">
+            <a:avLst/>
+          </a:prstGeom>
+        </p:spPr>
+        <p:style>
+          <a:lnRef idx="2">
+            <a:schemeClr val="accent1">
+              <a:shade val="15000"/>
+            </a:schemeClr>
+          </a:lnRef>
+          <a:fillRef idx="1">
+            <a:schemeClr val="accent1"/>
+          </a:fillRef>
+          <a:effectRef idx="0">
+            <a:schemeClr val="accent1"/>
+          </a:effectRef>
+          <a:fontRef idx="minor">
+            <a:schemeClr val="lt1"/>
+          </a:fontRef>
+        </p:style>
+        <p:txBody>
+          <a:bodyPr rtlCol="0" anchor="ctr"/>
+          <a:lstStyle/>
+          <a:p>
+            <a:pPr algn="ctr"/>
+            <a:endParaRPr lang="pt-BR"/>
+          </a:p>
+        </p:txBody>
+      </p:sp>
+      <p:pic>
+        <p:nvPicPr>
+          <p:cNvPr id="15" name="Imagem 14">
+            <a:extLst>
+              <a:ext uri="{FF2B5EF4-FFF2-40B4-BE49-F238E27FC236}">
+                <a16:creationId xmlns:a16="http://schemas.microsoft.com/office/drawing/2014/main" id="{F26AC5E1-EBAA-7441-29E3-E23129E67784}"/>
+              </a:ext>
+            </a:extLst>
+          </p:cNvPr>
+          <p:cNvPicPr>
+            <a:picLocks noChangeAspect="1"/>
+          </p:cNvPicPr>
+          <p:nvPr/>
+        </p:nvPicPr>
+        <p:blipFill>
+          <a:blip r:embed="rId4"/>
+          <a:stretch>
+            <a:fillRect/>
+          </a:stretch>
+        </p:blipFill>
+        <p:spPr>
+          <a:xfrm>
+            <a:off x="11734359" y="4130985"/>
+            <a:ext cx="5386987" cy="3755715"/>
+          </a:xfrm>
+          <a:prstGeom prst="rect">
+            <a:avLst/>
+          </a:prstGeom>
+        </p:spPr>
+      </p:pic>
+      <p:pic>
+        <p:nvPicPr>
+          <p:cNvPr id="17" name="Imagem 16">
+            <a:extLst>
+              <a:ext uri="{FF2B5EF4-FFF2-40B4-BE49-F238E27FC236}">
+                <a16:creationId xmlns:a16="http://schemas.microsoft.com/office/drawing/2014/main" id="{BC54611F-3DD6-2D98-ED77-891715435864}"/>
+              </a:ext>
+            </a:extLst>
+          </p:cNvPr>
+          <p:cNvPicPr>
+            <a:picLocks noChangeAspect="1"/>
+          </p:cNvPicPr>
+          <p:nvPr/>
+        </p:nvPicPr>
+        <p:blipFill>
+          <a:blip r:embed="rId5"/>
+          <a:stretch>
+            <a:fillRect/>
+          </a:stretch>
+        </p:blipFill>
+        <p:spPr>
+          <a:xfrm>
+            <a:off x="12191999" y="8327164"/>
+            <a:ext cx="2533649" cy="1676399"/>
+          </a:xfrm>
+          <a:prstGeom prst="rect">
+            <a:avLst/>
+          </a:prstGeom>
+        </p:spPr>
+      </p:pic>
+      <p:sp>
+        <p:nvSpPr>
+          <p:cNvPr id="19" name="Seta: para a Direita 18">
+            <a:extLst>
+              <a:ext uri="{FF2B5EF4-FFF2-40B4-BE49-F238E27FC236}">
+                <a16:creationId xmlns:a16="http://schemas.microsoft.com/office/drawing/2014/main" id="{338524C5-BA39-5A41-0C2A-54DCB73961BB}"/>
+              </a:ext>
+            </a:extLst>
+          </p:cNvPr>
+          <p:cNvSpPr/>
+          <p:nvPr/>
+        </p:nvSpPr>
+        <p:spPr>
+          <a:xfrm>
+            <a:off x="10978585" y="9029700"/>
+            <a:ext cx="688931" cy="457200"/>
+          </a:xfrm>
+          <a:prstGeom prst="rightArrow">
+            <a:avLst/>
+          </a:prstGeom>
+        </p:spPr>
+        <p:style>
+          <a:lnRef idx="2">
+            <a:schemeClr val="accent1">
+              <a:shade val="15000"/>
+            </a:schemeClr>
+          </a:lnRef>
+          <a:fillRef idx="1">
+            <a:schemeClr val="accent1"/>
+          </a:fillRef>
+          <a:effectRef idx="0">
+            <a:schemeClr val="accent1"/>
+          </a:effectRef>
+          <a:fontRef idx="minor">
+            <a:schemeClr val="lt1"/>
+          </a:fontRef>
+        </p:style>
+        <p:txBody>
+          <a:bodyPr rtlCol="0" anchor="ctr"/>
+          <a:lstStyle/>
+          <a:p>
+            <a:pPr algn="ctr"/>
+            <a:endParaRPr lang="pt-BR"/>
+          </a:p>
+        </p:txBody>
+      </p:sp>
+    </p:spTree>
+    <p:extLst>
+      <p:ext uri="{BB962C8B-B14F-4D97-AF65-F5344CB8AC3E}">
+        <p14:creationId xmlns:p14="http://schemas.microsoft.com/office/powerpoint/2010/main" val="885861418"/>
+      </p:ext>
+    </p:extLst>
+  </p:cSld>
+  <p:clrMapOvr>
+    <a:masterClrMapping/>
+  </p:clrMapOvr>
+</p:sld>
+</file>
+
+<file path=ppt/slides/slide9.xml><?xml version="1.0" encoding="utf-8"?>
+<p:sld xmlns:a="http://schemas.openxmlformats.org/drawingml/2006/main" xmlns:r="http://schemas.openxmlformats.org/officeDocument/2006/relationships" xmlns:p="http://schemas.openxmlformats.org/presentationml/2006/main">
+  <p:cSld>
+    <p:bg>
+      <p:bgPr>
+        <a:solidFill>
+          <a:srgbClr val="FEFEFE"/>
+        </a:solidFill>
+        <a:effectLst/>
+      </p:bgPr>
+    </p:bg>
+    <p:spTree>
+      <p:nvGrpSpPr>
+        <p:cNvPr id="1" name="">
+          <a:extLst>
+            <a:ext uri="{FF2B5EF4-FFF2-40B4-BE49-F238E27FC236}">
+              <a16:creationId xmlns:a16="http://schemas.microsoft.com/office/drawing/2014/main" id="{C4B477D4-E4CA-31A9-C924-A95B50273051}"/>
+            </a:ext>
+          </a:extLst>
+        </p:cNvPr>
+        <p:cNvGrpSpPr/>
+        <p:nvPr/>
+      </p:nvGrpSpPr>
+      <p:grpSpPr>
+        <a:xfrm>
+          <a:off x="0" y="0"/>
+          <a:ext cx="0" cy="0"/>
+          <a:chOff x="0" y="0"/>
+          <a:chExt cx="0" cy="0"/>
+        </a:xfrm>
+      </p:grpSpPr>
+      <p:sp>
+        <p:nvSpPr>
+          <p:cNvPr id="18" name="TextBox 18">
+            <a:extLst>
+              <a:ext uri="{FF2B5EF4-FFF2-40B4-BE49-F238E27FC236}">
+                <a16:creationId xmlns:a16="http://schemas.microsoft.com/office/drawing/2014/main" id="{8B179028-B227-CF10-BD32-1C868A89F5F9}"/>
+              </a:ext>
+            </a:extLst>
+          </p:cNvPr>
+          <p:cNvSpPr txBox="1"/>
+          <p:nvPr/>
+        </p:nvSpPr>
+        <p:spPr>
+          <a:xfrm>
+            <a:off x="668796" y="522629"/>
+            <a:ext cx="14342604" cy="1077218"/>
+          </a:xfrm>
+          <a:prstGeom prst="rect">
+            <a:avLst/>
+          </a:prstGeom>
+        </p:spPr>
+        <p:txBody>
+          <a:bodyPr wrap="square" lIns="0" tIns="0" rIns="0" bIns="0" rtlCol="0" anchor="t">
+            <a:spAutoFit/>
+          </a:bodyPr>
+          <a:lstStyle/>
+          <a:p>
+            <a:pPr>
+              <a:spcBef>
+                <a:spcPct val="0"/>
+              </a:spcBef>
+            </a:pPr>
+            <a:r>
+              <a:rPr lang="pt-BR" sz="7000" dirty="0">
+                <a:solidFill>
+                  <a:srgbClr val="000000"/>
+                </a:solidFill>
+                <a:latin typeface="Blinker Bold"/>
+              </a:rPr>
+              <a:t>Extensões e materiais de pacotes</a:t>
+            </a:r>
+          </a:p>
+        </p:txBody>
+      </p:sp>
+      <p:grpSp>
+        <p:nvGrpSpPr>
+          <p:cNvPr id="10" name="Group 4">
+            <a:extLst>
+              <a:ext uri="{FF2B5EF4-FFF2-40B4-BE49-F238E27FC236}">
+                <a16:creationId xmlns:a16="http://schemas.microsoft.com/office/drawing/2014/main" id="{09DE5411-0C03-53A6-322B-4BBBA903D289}"/>
+              </a:ext>
+            </a:extLst>
+          </p:cNvPr>
+          <p:cNvGrpSpPr/>
+          <p:nvPr/>
+        </p:nvGrpSpPr>
+        <p:grpSpPr>
+          <a:xfrm rot="10800000">
+            <a:off x="14579538" y="0"/>
+            <a:ext cx="3708462" cy="4130984"/>
+            <a:chOff x="9671104" y="-2744183"/>
+            <a:chExt cx="8209447" cy="4807171"/>
+          </a:xfrm>
+        </p:grpSpPr>
+        <p:sp>
+          <p:nvSpPr>
+            <p:cNvPr id="11" name="Freeform 5">
+              <a:extLst>
+                <a:ext uri="{FF2B5EF4-FFF2-40B4-BE49-F238E27FC236}">
+                  <a16:creationId xmlns:a16="http://schemas.microsoft.com/office/drawing/2014/main" id="{3048E3BD-DA98-279D-56C4-53D1BB7FBC4D}"/>
+                </a:ext>
+              </a:extLst>
+            </p:cNvPr>
+            <p:cNvSpPr/>
+            <p:nvPr/>
+          </p:nvSpPr>
+          <p:spPr>
+            <a:xfrm>
+              <a:off x="9671104" y="-2744183"/>
+              <a:ext cx="8209447" cy="4807171"/>
+            </a:xfrm>
+            <a:custGeom>
+              <a:avLst/>
+              <a:gdLst/>
+              <a:ahLst/>
+              <a:cxnLst/>
+              <a:rect l="l" t="t" r="r" b="b"/>
+              <a:pathLst>
+                <a:path w="8209447" h="4807171">
+                  <a:moveTo>
+                    <a:pt x="8209447" y="4807171"/>
+                  </a:moveTo>
+                  <a:lnTo>
+                    <a:pt x="0" y="4807171"/>
+                  </a:lnTo>
+                  <a:lnTo>
+                    <a:pt x="0" y="0"/>
+                  </a:lnTo>
+                  <a:lnTo>
+                    <a:pt x="8209447" y="4807171"/>
+                  </a:lnTo>
+                  <a:close/>
+                </a:path>
+              </a:pathLst>
+            </a:custGeom>
+            <a:solidFill>
+              <a:schemeClr val="accent1">
+                <a:lumMod val="60000"/>
+                <a:lumOff val="40000"/>
+              </a:schemeClr>
+            </a:solidFill>
+          </p:spPr>
+          <p:txBody>
+            <a:bodyPr/>
+            <a:lstStyle/>
+            <a:p>
+              <a:endParaRPr lang="pt-BR" dirty="0"/>
+            </a:p>
+          </p:txBody>
+        </p:sp>
+      </p:grpSp>
+      <p:grpSp>
+        <p:nvGrpSpPr>
+          <p:cNvPr id="12" name="Group 2">
+            <a:extLst>
+              <a:ext uri="{FF2B5EF4-FFF2-40B4-BE49-F238E27FC236}">
+                <a16:creationId xmlns:a16="http://schemas.microsoft.com/office/drawing/2014/main" id="{F9CE1BDE-82BD-68EE-E46E-F68D88640D79}"/>
+              </a:ext>
+            </a:extLst>
+          </p:cNvPr>
+          <p:cNvGrpSpPr/>
+          <p:nvPr/>
+        </p:nvGrpSpPr>
+        <p:grpSpPr>
+          <a:xfrm>
+            <a:off x="0" y="6156455"/>
+            <a:ext cx="3581400" cy="4130546"/>
+            <a:chOff x="0" y="708640"/>
+            <a:chExt cx="5353493" cy="8540548"/>
+          </a:xfrm>
+        </p:grpSpPr>
+        <p:sp>
+          <p:nvSpPr>
+            <p:cNvPr id="13" name="Freeform 3">
+              <a:extLst>
+                <a:ext uri="{FF2B5EF4-FFF2-40B4-BE49-F238E27FC236}">
+                  <a16:creationId xmlns:a16="http://schemas.microsoft.com/office/drawing/2014/main" id="{6835A09A-5A5C-68D2-763B-5ADF6F856F79}"/>
+                </a:ext>
+              </a:extLst>
+            </p:cNvPr>
+            <p:cNvSpPr/>
+            <p:nvPr/>
+          </p:nvSpPr>
+          <p:spPr>
+            <a:xfrm>
+              <a:off x="0" y="708640"/>
+              <a:ext cx="5353493" cy="8540548"/>
+            </a:xfrm>
+            <a:custGeom>
+              <a:avLst/>
+              <a:gdLst/>
+              <a:ahLst/>
+              <a:cxnLst/>
+              <a:rect l="l" t="t" r="r" b="b"/>
+              <a:pathLst>
+                <a:path w="5353493" h="9373274">
+                  <a:moveTo>
+                    <a:pt x="5353493" y="9373274"/>
+                  </a:moveTo>
+                  <a:lnTo>
+                    <a:pt x="0" y="9373274"/>
+                  </a:lnTo>
+                  <a:lnTo>
+                    <a:pt x="0" y="0"/>
+                  </a:lnTo>
+                  <a:lnTo>
+                    <a:pt x="5353493" y="9373274"/>
+                  </a:lnTo>
+                  <a:close/>
+                </a:path>
+              </a:pathLst>
+            </a:custGeom>
+            <a:solidFill>
+              <a:schemeClr val="accent3">
+                <a:lumMod val="60000"/>
+                <a:lumOff val="40000"/>
+              </a:schemeClr>
+            </a:solidFill>
+          </p:spPr>
+          <p:txBody>
+            <a:bodyPr/>
+            <a:lstStyle/>
+            <a:p>
+              <a:endParaRPr lang="pt-BR" dirty="0"/>
+            </a:p>
+          </p:txBody>
+        </p:sp>
+      </p:grpSp>
+      <p:sp>
+        <p:nvSpPr>
+          <p:cNvPr id="14" name="TextBox 18">
+            <a:extLst>
+              <a:ext uri="{FF2B5EF4-FFF2-40B4-BE49-F238E27FC236}">
+                <a16:creationId xmlns:a16="http://schemas.microsoft.com/office/drawing/2014/main" id="{0F8153A9-1709-859B-5C51-2C2178FD1138}"/>
+              </a:ext>
+            </a:extLst>
+          </p:cNvPr>
+          <p:cNvSpPr txBox="1"/>
+          <p:nvPr/>
+        </p:nvSpPr>
+        <p:spPr>
+          <a:xfrm>
+            <a:off x="1143000" y="2038831"/>
+            <a:ext cx="16916400" cy="4345805"/>
+          </a:xfrm>
+          <a:prstGeom prst="rect">
+            <a:avLst/>
+          </a:prstGeom>
+        </p:spPr>
+        <p:txBody>
+          <a:bodyPr wrap="square" lIns="0" tIns="0" rIns="0" bIns="0" rtlCol="0" anchor="t">
+            <a:spAutoFit/>
+          </a:bodyPr>
+          <a:lstStyle/>
+          <a:p>
+            <a:pPr marL="727074" lvl="1" indent="-457200">
+              <a:lnSpc>
+                <a:spcPct val="150000"/>
+              </a:lnSpc>
+              <a:buFont typeface="Wingdings" panose="05000000000000000000" pitchFamily="2" charset="2"/>
+              <a:buChar char="q"/>
+            </a:pPr>
+            <a:r>
+              <a:rPr lang="pt-BR" sz="3200" dirty="0">
+                <a:solidFill>
+                  <a:srgbClr val="000000"/>
+                </a:solidFill>
+                <a:latin typeface="Blinker"/>
+              </a:rPr>
+              <a:t>Passos para conectar o </a:t>
+            </a:r>
+            <a:r>
+              <a:rPr lang="pt-BR" sz="3200" dirty="0" err="1">
+                <a:solidFill>
+                  <a:srgbClr val="000000"/>
+                </a:solidFill>
+                <a:latin typeface="Blinker"/>
+              </a:rPr>
+              <a:t>Github</a:t>
+            </a:r>
+            <a:r>
+              <a:rPr lang="pt-BR" sz="3200" dirty="0">
+                <a:solidFill>
+                  <a:srgbClr val="000000"/>
+                </a:solidFill>
+                <a:latin typeface="Blinker"/>
+              </a:rPr>
+              <a:t> ao </a:t>
+            </a:r>
+            <a:r>
+              <a:rPr lang="pt-BR" sz="3200" dirty="0" err="1">
+                <a:solidFill>
+                  <a:srgbClr val="000000"/>
+                </a:solidFill>
+                <a:latin typeface="Blinker"/>
+              </a:rPr>
+              <a:t>Rstudio</a:t>
+            </a:r>
+            <a:r>
+              <a:rPr lang="pt-BR" sz="3200" dirty="0">
+                <a:solidFill>
+                  <a:srgbClr val="000000"/>
+                </a:solidFill>
+                <a:latin typeface="Blinker"/>
+              </a:rPr>
+              <a:t> (</a:t>
+            </a:r>
+            <a:r>
+              <a:rPr lang="pt-BR" sz="3200" dirty="0">
+                <a:solidFill>
+                  <a:srgbClr val="000000"/>
+                </a:solidFill>
+                <a:latin typeface="Blinker"/>
+                <a:hlinkClick r:id="rId2"/>
+              </a:rPr>
+              <a:t>https://beatrizmilz.github.io/</a:t>
+            </a:r>
+            <a:r>
+              <a:rPr lang="pt-BR" sz="3200" dirty="0" err="1">
+                <a:solidFill>
+                  <a:srgbClr val="000000"/>
+                </a:solidFill>
+                <a:latin typeface="Blinker"/>
+                <a:hlinkClick r:id="rId2"/>
+              </a:rPr>
+              <a:t>slidesR</a:t>
+            </a:r>
+            <a:r>
+              <a:rPr lang="pt-BR" sz="3200" dirty="0">
+                <a:solidFill>
+                  <a:srgbClr val="000000"/>
+                </a:solidFill>
+                <a:latin typeface="Blinker"/>
+                <a:hlinkClick r:id="rId2"/>
+              </a:rPr>
+              <a:t>/</a:t>
+            </a:r>
+            <a:r>
+              <a:rPr lang="pt-BR" sz="3200" dirty="0" err="1">
+                <a:solidFill>
+                  <a:srgbClr val="000000"/>
+                </a:solidFill>
+                <a:latin typeface="Blinker"/>
+                <a:hlinkClick r:id="rId2"/>
+              </a:rPr>
+              <a:t>git_rstudio</a:t>
+            </a:r>
+            <a:r>
+              <a:rPr lang="pt-BR" sz="3200" dirty="0">
+                <a:solidFill>
+                  <a:srgbClr val="000000"/>
+                </a:solidFill>
+                <a:latin typeface="Blinker"/>
+                <a:hlinkClick r:id="rId2"/>
+              </a:rPr>
+              <a:t>/11-2021-ENCE.html#1</a:t>
+            </a:r>
+            <a:r>
+              <a:rPr lang="pt-BR" sz="3200" dirty="0">
+                <a:solidFill>
+                  <a:srgbClr val="000000"/>
+                </a:solidFill>
+                <a:latin typeface="Blinker"/>
+              </a:rPr>
+              <a:t>)</a:t>
+            </a:r>
+          </a:p>
+          <a:p>
+            <a:pPr marL="727074" lvl="1" indent="-457200">
+              <a:lnSpc>
+                <a:spcPct val="150000"/>
+              </a:lnSpc>
+              <a:buFont typeface="Wingdings" panose="05000000000000000000" pitchFamily="2" charset="2"/>
+              <a:buChar char="q"/>
+            </a:pPr>
+            <a:r>
+              <a:rPr lang="pt-BR" sz="3200" dirty="0">
+                <a:solidFill>
+                  <a:srgbClr val="000000"/>
+                </a:solidFill>
+                <a:latin typeface="Blinker"/>
+              </a:rPr>
+              <a:t>Comandos </a:t>
+            </a:r>
+            <a:r>
+              <a:rPr lang="pt-BR" sz="3200" dirty="0" err="1">
+                <a:solidFill>
+                  <a:srgbClr val="000000"/>
+                </a:solidFill>
+                <a:latin typeface="Blinker"/>
+              </a:rPr>
+              <a:t>Dplyr</a:t>
+            </a:r>
+            <a:r>
+              <a:rPr lang="pt-BR" sz="3200" dirty="0">
+                <a:solidFill>
+                  <a:srgbClr val="000000"/>
+                </a:solidFill>
+                <a:latin typeface="Blinker"/>
+              </a:rPr>
+              <a:t> (</a:t>
+            </a:r>
+            <a:r>
+              <a:rPr lang="pt-BR" sz="3200" dirty="0">
+                <a:solidFill>
+                  <a:srgbClr val="000000"/>
+                </a:solidFill>
+                <a:latin typeface="Blinker"/>
+                <a:hlinkClick r:id="rId3"/>
+              </a:rPr>
+              <a:t>https://raw.githubusercontent.com/</a:t>
+            </a:r>
+            <a:r>
+              <a:rPr lang="pt-BR" sz="3200" dirty="0" err="1">
+                <a:solidFill>
+                  <a:srgbClr val="000000"/>
+                </a:solidFill>
+                <a:latin typeface="Blinker"/>
+                <a:hlinkClick r:id="rId3"/>
+              </a:rPr>
+              <a:t>rstudio</a:t>
+            </a:r>
+            <a:r>
+              <a:rPr lang="pt-BR" sz="3200" dirty="0">
+                <a:solidFill>
+                  <a:srgbClr val="000000"/>
+                </a:solidFill>
+                <a:latin typeface="Blinker"/>
+                <a:hlinkClick r:id="rId3"/>
+              </a:rPr>
+              <a:t>/</a:t>
+            </a:r>
+            <a:r>
+              <a:rPr lang="pt-BR" sz="3200" dirty="0" err="1">
+                <a:solidFill>
+                  <a:srgbClr val="000000"/>
+                </a:solidFill>
+                <a:latin typeface="Blinker"/>
+                <a:hlinkClick r:id="rId3"/>
+              </a:rPr>
+              <a:t>cheatsheets</a:t>
+            </a:r>
+            <a:r>
+              <a:rPr lang="pt-BR" sz="3200" dirty="0">
+                <a:solidFill>
+                  <a:srgbClr val="000000"/>
+                </a:solidFill>
+                <a:latin typeface="Blinker"/>
+                <a:hlinkClick r:id="rId3"/>
+              </a:rPr>
+              <a:t>/</a:t>
+            </a:r>
+            <a:r>
+              <a:rPr lang="pt-BR" sz="3200" dirty="0" err="1">
+                <a:solidFill>
+                  <a:srgbClr val="000000"/>
+                </a:solidFill>
+                <a:latin typeface="Blinker"/>
+                <a:hlinkClick r:id="rId3"/>
+              </a:rPr>
+              <a:t>main</a:t>
+            </a:r>
+            <a:r>
+              <a:rPr lang="pt-BR" sz="3200" dirty="0">
+                <a:solidFill>
+                  <a:srgbClr val="000000"/>
+                </a:solidFill>
+                <a:latin typeface="Blinker"/>
+                <a:hlinkClick r:id="rId3"/>
+              </a:rPr>
+              <a:t>/data-transformation.pdf</a:t>
+            </a:r>
+            <a:r>
+              <a:rPr lang="pt-BR" sz="3200" dirty="0">
+                <a:solidFill>
+                  <a:srgbClr val="000000"/>
+                </a:solidFill>
+                <a:latin typeface="Blinker"/>
+              </a:rPr>
+              <a:t>)</a:t>
+            </a:r>
+          </a:p>
+          <a:p>
+            <a:pPr marL="727074" lvl="1" indent="-457200">
+              <a:lnSpc>
+                <a:spcPct val="150000"/>
+              </a:lnSpc>
+              <a:buFont typeface="Wingdings" panose="05000000000000000000" pitchFamily="2" charset="2"/>
+              <a:buChar char="q"/>
+            </a:pPr>
+            <a:r>
+              <a:rPr lang="pt-BR" sz="3200" dirty="0">
+                <a:solidFill>
+                  <a:srgbClr val="000000"/>
+                </a:solidFill>
+                <a:latin typeface="Blinker"/>
+              </a:rPr>
+              <a:t>Comandos </a:t>
+            </a:r>
+            <a:r>
+              <a:rPr lang="pt-BR" sz="3200" dirty="0" err="1">
+                <a:solidFill>
+                  <a:srgbClr val="000000"/>
+                </a:solidFill>
+                <a:latin typeface="Blinker"/>
+              </a:rPr>
+              <a:t>Tidyr</a:t>
+            </a:r>
+            <a:r>
+              <a:rPr lang="pt-BR" sz="3200" dirty="0">
+                <a:solidFill>
+                  <a:srgbClr val="000000"/>
+                </a:solidFill>
+                <a:latin typeface="Blinker"/>
+              </a:rPr>
+              <a:t>(</a:t>
+            </a:r>
+            <a:r>
+              <a:rPr lang="pt-BR" sz="3200" dirty="0">
+                <a:solidFill>
+                  <a:srgbClr val="000000"/>
+                </a:solidFill>
+                <a:latin typeface="Blinker"/>
+                <a:hlinkClick r:id="rId4"/>
+              </a:rPr>
+              <a:t>https://raw.githubusercontent.com/</a:t>
+            </a:r>
+            <a:r>
+              <a:rPr lang="pt-BR" sz="3200" dirty="0" err="1">
+                <a:solidFill>
+                  <a:srgbClr val="000000"/>
+                </a:solidFill>
+                <a:latin typeface="Blinker"/>
+                <a:hlinkClick r:id="rId4"/>
+              </a:rPr>
+              <a:t>rstudio</a:t>
+            </a:r>
+            <a:r>
+              <a:rPr lang="pt-BR" sz="3200" dirty="0">
+                <a:solidFill>
+                  <a:srgbClr val="000000"/>
+                </a:solidFill>
+                <a:latin typeface="Blinker"/>
+                <a:hlinkClick r:id="rId4"/>
+              </a:rPr>
+              <a:t>/</a:t>
+            </a:r>
+            <a:r>
+              <a:rPr lang="pt-BR" sz="3200" dirty="0" err="1">
+                <a:solidFill>
+                  <a:srgbClr val="000000"/>
+                </a:solidFill>
+                <a:latin typeface="Blinker"/>
+                <a:hlinkClick r:id="rId4"/>
+              </a:rPr>
+              <a:t>cheatsheets</a:t>
+            </a:r>
+            <a:r>
+              <a:rPr lang="pt-BR" sz="3200" dirty="0">
+                <a:solidFill>
+                  <a:srgbClr val="000000"/>
+                </a:solidFill>
+                <a:latin typeface="Blinker"/>
+                <a:hlinkClick r:id="rId4"/>
+              </a:rPr>
+              <a:t>/</a:t>
+            </a:r>
+            <a:r>
+              <a:rPr lang="pt-BR" sz="3200" dirty="0" err="1">
+                <a:solidFill>
+                  <a:srgbClr val="000000"/>
+                </a:solidFill>
+                <a:latin typeface="Blinker"/>
+                <a:hlinkClick r:id="rId4"/>
+              </a:rPr>
+              <a:t>main</a:t>
+            </a:r>
+            <a:r>
+              <a:rPr lang="pt-BR" sz="3200" dirty="0">
+                <a:solidFill>
+                  <a:srgbClr val="000000"/>
+                </a:solidFill>
+                <a:latin typeface="Blinker"/>
+                <a:hlinkClick r:id="rId4"/>
+              </a:rPr>
+              <a:t>/tidyr.pdf</a:t>
+            </a:r>
+            <a:r>
+              <a:rPr lang="pt-BR" sz="3200" dirty="0">
+                <a:solidFill>
+                  <a:srgbClr val="000000"/>
+                </a:solidFill>
+                <a:latin typeface="Blinker"/>
+              </a:rPr>
+              <a:t>)</a:t>
+            </a:r>
+          </a:p>
+          <a:p>
+            <a:pPr marL="727074" lvl="1" indent="-457200">
+              <a:lnSpc>
+                <a:spcPct val="150000"/>
+              </a:lnSpc>
+              <a:buFont typeface="Wingdings" panose="05000000000000000000" pitchFamily="2" charset="2"/>
+              <a:buChar char="q"/>
+            </a:pPr>
+            <a:r>
+              <a:rPr lang="pt-BR" sz="3200" dirty="0">
+                <a:solidFill>
+                  <a:srgbClr val="000000"/>
+                </a:solidFill>
+                <a:latin typeface="Blinker"/>
+              </a:rPr>
+              <a:t>Comandos Ggplot2 (</a:t>
+            </a:r>
+            <a:r>
+              <a:rPr lang="pt-BR" sz="3200" dirty="0">
+                <a:solidFill>
+                  <a:srgbClr val="000000"/>
+                </a:solidFill>
+                <a:latin typeface="Blinker"/>
+                <a:hlinkClick r:id="rId5"/>
+              </a:rPr>
+              <a:t>https://lscholtus.gitlab.io/</a:t>
+            </a:r>
+            <a:r>
+              <a:rPr lang="pt-BR" sz="3200" dirty="0" err="1">
+                <a:solidFill>
+                  <a:srgbClr val="000000"/>
+                </a:solidFill>
+                <a:latin typeface="Blinker"/>
+                <a:hlinkClick r:id="rId5"/>
+              </a:rPr>
+              <a:t>mosaicdata</a:t>
+            </a:r>
+            <a:r>
+              <a:rPr lang="pt-BR" sz="3200" dirty="0">
+                <a:solidFill>
+                  <a:srgbClr val="000000"/>
+                </a:solidFill>
+                <a:latin typeface="Blinker"/>
+                <a:hlinkClick r:id="rId5"/>
+              </a:rPr>
+              <a:t>/ggplot2-cheatsheet-2.0.pdf</a:t>
+            </a:r>
+            <a:r>
+              <a:rPr lang="pt-BR" sz="3200" dirty="0">
+                <a:solidFill>
+                  <a:srgbClr val="000000"/>
+                </a:solidFill>
+                <a:latin typeface="Blinker"/>
+              </a:rPr>
+              <a:t>)</a:t>
+            </a:r>
+          </a:p>
+        </p:txBody>
+      </p:sp>
+      <p:pic>
+        <p:nvPicPr>
+          <p:cNvPr id="3" name="Picture 2">
+            <a:extLst>
+              <a:ext uri="{FF2B5EF4-FFF2-40B4-BE49-F238E27FC236}">
+                <a16:creationId xmlns:a16="http://schemas.microsoft.com/office/drawing/2014/main" id="{042A755E-3322-383F-9D7E-EB1A033689D3}"/>
+              </a:ext>
+            </a:extLst>
+          </p:cNvPr>
+          <p:cNvPicPr>
+            <a:picLocks noChangeAspect="1" noChangeArrowheads="1"/>
+          </p:cNvPicPr>
+          <p:nvPr/>
+        </p:nvPicPr>
+        <p:blipFill>
+          <a:blip r:embed="rId6">
+            <a:extLst>
+              <a:ext uri="{28A0092B-C50C-407E-A947-70E740481C1C}">
+                <a14:useLocalDpi xmlns:a14="http://schemas.microsoft.com/office/drawing/2010/main" val="0"/>
+              </a:ext>
+            </a:extLst>
+          </a:blip>
+          <a:srcRect/>
+          <a:stretch>
+            <a:fillRect/>
+          </a:stretch>
+        </p:blipFill>
+        <p:spPr bwMode="auto">
+          <a:xfrm>
+            <a:off x="16230600" y="8267700"/>
+            <a:ext cx="1676400" cy="1676400"/>
+          </a:xfrm>
+          <a:prstGeom prst="flowChartConnector">
+            <a:avLst/>
+          </a:prstGeom>
+          <a:noFill/>
+          <a:extLst>
+            <a:ext uri="{909E8E84-426E-40DD-AFC4-6F175D3DCCD1}">
+              <a14:hiddenFill xmlns:a14="http://schemas.microsoft.com/office/drawing/2010/main">
+                <a:solidFill>
+                  <a:srgbClr val="FFFFFF"/>
+                </a:solidFill>
+              </a14:hiddenFill>
+            </a:ext>
+          </a:extLst>
+        </p:spPr>
+      </p:pic>
+    </p:spTree>
+    <p:extLst>
+      <p:ext uri="{BB962C8B-B14F-4D97-AF65-F5344CB8AC3E}">
+        <p14:creationId xmlns:p14="http://schemas.microsoft.com/office/powerpoint/2010/main" val="226009943"/>
       </p:ext>
     </p:extLst>
   </p:cSld>
